--- a/Wprowadzenie do rekurencji/I. Wprowadzenie do rekurencji/Sprawdź inne pudełka.pptx
+++ b/Wprowadzenie do rekurencji/I. Wprowadzenie do rekurencji/Sprawdź inne pudełka.pptx
@@ -1,6 +1,6 @@
 
 <file path=ppt/presentation.xml><?xml version="1.0" encoding="utf-8"?>
-<p:presentation xmlns:a="http://schemas.openxmlformats.org/drawingml/2006/main" xmlns:r="http://schemas.openxmlformats.org/officeDocument/2006/relationships" xmlns:p="http://schemas.openxmlformats.org/presentationml/2006/main" compatMode="1" saveSubsetFonts="1">
+<p:presentation xmlns:a="http://schemas.openxmlformats.org/drawingml/2006/main" xmlns:r="http://schemas.openxmlformats.org/officeDocument/2006/relationships" xmlns:p="http://schemas.openxmlformats.org/presentationml/2006/main" saveSubsetFonts="1">
   <p:sldMasterIdLst>
     <p:sldMasterId id="2147483648" r:id="rId1"/>
   </p:sldMasterIdLst>
@@ -9,20 +9,20 @@
   </p:notesMasterIdLst>
   <p:sldIdLst>
     <p:sldId id="276" r:id="rId2"/>
-    <p:sldId id="277" r:id="rId3"/>
-    <p:sldId id="278" r:id="rId4"/>
-    <p:sldId id="279" r:id="rId5"/>
-    <p:sldId id="281" r:id="rId6"/>
-    <p:sldId id="282" r:id="rId7"/>
-    <p:sldId id="284" r:id="rId8"/>
-    <p:sldId id="290" r:id="rId9"/>
-    <p:sldId id="285" r:id="rId10"/>
-    <p:sldId id="286" r:id="rId11"/>
-    <p:sldId id="291" r:id="rId12"/>
-    <p:sldId id="287" r:id="rId13"/>
-    <p:sldId id="292" r:id="rId14"/>
-    <p:sldId id="288" r:id="rId15"/>
-    <p:sldId id="289" r:id="rId16"/>
+    <p:sldId id="278" r:id="rId3"/>
+    <p:sldId id="279" r:id="rId4"/>
+    <p:sldId id="281" r:id="rId5"/>
+    <p:sldId id="282" r:id="rId6"/>
+    <p:sldId id="284" r:id="rId7"/>
+    <p:sldId id="290" r:id="rId8"/>
+    <p:sldId id="285" r:id="rId9"/>
+    <p:sldId id="286" r:id="rId10"/>
+    <p:sldId id="291" r:id="rId11"/>
+    <p:sldId id="287" r:id="rId12"/>
+    <p:sldId id="292" r:id="rId13"/>
+    <p:sldId id="288" r:id="rId14"/>
+    <p:sldId id="289" r:id="rId15"/>
+    <p:sldId id="277" r:id="rId16"/>
     <p:sldId id="272" r:id="rId17"/>
   </p:sldIdLst>
   <p:sldSz cx="12192000" cy="6858000"/>
@@ -171,6 +171,27 @@
 </p:presentation>
 </file>
 
+<file path=ppt/changesInfos/changesInfo1.xml><?xml version="1.0" encoding="utf-8"?>
+<pc:chgInfo xmlns:a="http://schemas.openxmlformats.org/drawingml/2006/main" xmlns:r="http://schemas.openxmlformats.org/officeDocument/2006/relationships" xmlns:ac="http://schemas.microsoft.com/office/drawing/2013/main/command" xmlns:pc="http://schemas.microsoft.com/office/powerpoint/2013/main/command">
+  <pc:docChgLst>
+    <pc:chgData name="Damian Kurpiewski" userId="a6c40eeacb61fb23" providerId="LiveId" clId="{DBF1FF22-B514-4842-9016-8883DCE67402}"/>
+    <pc:docChg chg="modSld sldOrd">
+      <pc:chgData name="Damian Kurpiewski" userId="a6c40eeacb61fb23" providerId="LiveId" clId="{DBF1FF22-B514-4842-9016-8883DCE67402}" dt="2021-02-21T19:00:32.109" v="1"/>
+      <pc:docMkLst>
+        <pc:docMk/>
+      </pc:docMkLst>
+      <pc:sldChg chg="ord">
+        <pc:chgData name="Damian Kurpiewski" userId="a6c40eeacb61fb23" providerId="LiveId" clId="{DBF1FF22-B514-4842-9016-8883DCE67402}" dt="2021-02-21T19:00:32.109" v="1"/>
+        <pc:sldMkLst>
+          <pc:docMk/>
+          <pc:sldMk cId="3381718327" sldId="277"/>
+        </pc:sldMkLst>
+      </pc:sldChg>
+    </pc:docChg>
+  </pc:docChgLst>
+</pc:chgInfo>
+</file>
+
 <file path=ppt/diagrams/colors1.xml><?xml version="1.0" encoding="utf-8"?>
 <dgm:colorsDef xmlns:dgm="http://schemas.openxmlformats.org/drawingml/2006/diagram" xmlns:a="http://schemas.openxmlformats.org/drawingml/2006/main" uniqueId="urn:microsoft.com/office/officeart/2005/8/colors/accent2_2">
   <dgm:title val=""/>
@@ -10388,14 +10409,14 @@
     <dgm:cxn modelId="{45732234-20E2-A647-BA2C-88D0388AE703}" type="presOf" srcId="{8331E341-7701-154E-9377-ABB9C5D289AC}" destId="{61C8481A-0782-4C40-9EB2-EC1035EC8917}" srcOrd="0" destOrd="6" presId="urn:microsoft.com/office/officeart/2005/8/layout/vList2"/>
     <dgm:cxn modelId="{E4EBD939-4D9C-AA40-AE0A-3D985A271A7C}" srcId="{0C433654-E965-D74A-8D2B-CA12390B1BE6}" destId="{8331E341-7701-154E-9377-ABB9C5D289AC}" srcOrd="6" destOrd="0" parTransId="{242C600C-54D5-224F-8A6D-EB9AAB883F07}" sibTransId="{29AA2112-587E-BE46-BB18-39F1574E087F}"/>
     <dgm:cxn modelId="{8F1FCC3F-AC9D-2142-A459-AC3AA30927EA}" type="presOf" srcId="{412A7F39-A00B-D044-AB39-A09D665D6A1C}" destId="{61C8481A-0782-4C40-9EB2-EC1035EC8917}" srcOrd="0" destOrd="8" presId="urn:microsoft.com/office/officeart/2005/8/layout/vList2"/>
+    <dgm:cxn modelId="{31C73560-D88E-7644-9DCF-0CA82CEAF294}" srcId="{0C433654-E965-D74A-8D2B-CA12390B1BE6}" destId="{9B8B9F17-DF99-9342-AC93-119D0C88718A}" srcOrd="0" destOrd="0" parTransId="{3F03B0A6-64CD-7340-B8D3-3386CCC6E47C}" sibTransId="{87E57475-B415-F348-A241-4AB0464EBD3A}"/>
+    <dgm:cxn modelId="{37B9D666-A530-9D49-B91C-BB30B9EB94C6}" type="presOf" srcId="{564D7D85-61B0-AC47-BE50-D8FF1763EA3C}" destId="{9AAA45CE-0B7E-7146-A7A0-1EC71B403540}" srcOrd="0" destOrd="0" presId="urn:microsoft.com/office/officeart/2005/8/layout/vList2"/>
     <dgm:cxn modelId="{0DBA0C47-A04C-EE4B-B15E-ABDACFDA8700}" srcId="{564D7D85-61B0-AC47-BE50-D8FF1763EA3C}" destId="{6D7B3B08-3472-674C-8386-5760EF70E103}" srcOrd="2" destOrd="0" parTransId="{07B7C3BE-3920-1145-8C48-E8F733CF99B6}" sibTransId="{3AD5037C-774D-AC47-936E-138152EB244A}"/>
+    <dgm:cxn modelId="{D1341868-450A-0B48-956C-A3EC53293CFB}" srcId="{0C433654-E965-D74A-8D2B-CA12390B1BE6}" destId="{61718454-EC50-9E4B-AD8C-1BE44430F727}" srcOrd="4" destOrd="0" parTransId="{C75A1FD0-2289-ED4C-8567-EE1BF745405B}" sibTransId="{46204773-C91F-8D4D-9E63-0CBE17D3D70A}"/>
     <dgm:cxn modelId="{3ACD654E-CAD7-294E-972E-F084A36FF2D6}" srcId="{0C433654-E965-D74A-8D2B-CA12390B1BE6}" destId="{412A7F39-A00B-D044-AB39-A09D665D6A1C}" srcOrd="8" destOrd="0" parTransId="{A9BD4D71-B275-F843-99ED-BF7376717AE8}" sibTransId="{61907A69-2E29-3148-86C5-227ED8D0E835}"/>
     <dgm:cxn modelId="{AEC94F50-C001-CE4E-85E2-2D142FD7D93B}" type="presOf" srcId="{8C308D2C-AAB2-C845-BFC3-8EA589820AA1}" destId="{2DAA50D5-FA14-BE45-86DA-B9A9730BC9F6}" srcOrd="0" destOrd="1" presId="urn:microsoft.com/office/officeart/2005/8/layout/vList2"/>
+    <dgm:cxn modelId="{73B84877-7856-CD45-A61D-6F1AADC4E3FF}" srcId="{BACCFF47-C623-E34F-A983-98843F300FAF}" destId="{0C433654-E965-D74A-8D2B-CA12390B1BE6}" srcOrd="0" destOrd="0" parTransId="{02FFCEB3-A515-E346-B11C-37D9A7BBD5B7}" sibTransId="{834BB999-CFD7-CE45-9282-1EF61039DE75}"/>
     <dgm:cxn modelId="{00CF9958-02E4-3D49-9DF8-87CFB77C7C48}" type="presOf" srcId="{6D7B3B08-3472-674C-8386-5760EF70E103}" destId="{2DAA50D5-FA14-BE45-86DA-B9A9730BC9F6}" srcOrd="0" destOrd="2" presId="urn:microsoft.com/office/officeart/2005/8/layout/vList2"/>
-    <dgm:cxn modelId="{31C73560-D88E-7644-9DCF-0CA82CEAF294}" srcId="{0C433654-E965-D74A-8D2B-CA12390B1BE6}" destId="{9B8B9F17-DF99-9342-AC93-119D0C88718A}" srcOrd="0" destOrd="0" parTransId="{3F03B0A6-64CD-7340-B8D3-3386CCC6E47C}" sibTransId="{87E57475-B415-F348-A241-4AB0464EBD3A}"/>
-    <dgm:cxn modelId="{37B9D666-A530-9D49-B91C-BB30B9EB94C6}" type="presOf" srcId="{564D7D85-61B0-AC47-BE50-D8FF1763EA3C}" destId="{9AAA45CE-0B7E-7146-A7A0-1EC71B403540}" srcOrd="0" destOrd="0" presId="urn:microsoft.com/office/officeart/2005/8/layout/vList2"/>
-    <dgm:cxn modelId="{D1341868-450A-0B48-956C-A3EC53293CFB}" srcId="{0C433654-E965-D74A-8D2B-CA12390B1BE6}" destId="{61718454-EC50-9E4B-AD8C-1BE44430F727}" srcOrd="4" destOrd="0" parTransId="{C75A1FD0-2289-ED4C-8567-EE1BF745405B}" sibTransId="{46204773-C91F-8D4D-9E63-0CBE17D3D70A}"/>
-    <dgm:cxn modelId="{73B84877-7856-CD45-A61D-6F1AADC4E3FF}" srcId="{BACCFF47-C623-E34F-A983-98843F300FAF}" destId="{0C433654-E965-D74A-8D2B-CA12390B1BE6}" srcOrd="0" destOrd="0" parTransId="{02FFCEB3-A515-E346-B11C-37D9A7BBD5B7}" sibTransId="{834BB999-CFD7-CE45-9282-1EF61039DE75}"/>
     <dgm:cxn modelId="{25752579-793D-164C-9313-6A418016C33F}" srcId="{0C433654-E965-D74A-8D2B-CA12390B1BE6}" destId="{04676674-70B1-6E41-9B28-5C6D5F171FD5}" srcOrd="3" destOrd="0" parTransId="{A8E85219-AA3C-4E48-A072-54F871E1E868}" sibTransId="{AD2B3E56-40F9-2746-9A3A-9DCE4C7EE261}"/>
     <dgm:cxn modelId="{3E60E693-B1F3-2245-AF12-4F5A90578EBB}" srcId="{0C433654-E965-D74A-8D2B-CA12390B1BE6}" destId="{E06A1110-479A-7F4C-B39D-4DAEABA963E7}" srcOrd="5" destOrd="0" parTransId="{BC5F00FC-2D3E-1745-BE31-54072544D41B}" sibTransId="{1724AF55-FDE9-C446-9307-B9D0D809BF81}"/>
     <dgm:cxn modelId="{C0C61C9C-4D95-3447-A23F-0E2369C120BB}" srcId="{564D7D85-61B0-AC47-BE50-D8FF1763EA3C}" destId="{8C308D2C-AAB2-C845-BFC3-8EA589820AA1}" srcOrd="1" destOrd="0" parTransId="{B0C5C1FB-9BBA-444D-9C0B-C8D73317BF17}" sibTransId="{03134B21-BD65-3442-BA91-03A4BBF740F1}"/>
@@ -10973,10 +10994,10 @@
     <dgm:cxn modelId="{45732234-20E2-A647-BA2C-88D0388AE703}" type="presOf" srcId="{8331E341-7701-154E-9377-ABB9C5D289AC}" destId="{61C8481A-0782-4C40-9EB2-EC1035EC8917}" srcOrd="0" destOrd="6" presId="urn:microsoft.com/office/officeart/2005/8/layout/vList2"/>
     <dgm:cxn modelId="{E4EBD939-4D9C-AA40-AE0A-3D985A271A7C}" srcId="{FE524CFC-88AA-674E-B029-F632042AD10E}" destId="{8331E341-7701-154E-9377-ABB9C5D289AC}" srcOrd="2" destOrd="0" parTransId="{242C600C-54D5-224F-8A6D-EB9AAB883F07}" sibTransId="{29AA2112-587E-BE46-BB18-39F1574E087F}"/>
     <dgm:cxn modelId="{8F1FCC3F-AC9D-2142-A459-AC3AA30927EA}" type="presOf" srcId="{412A7F39-A00B-D044-AB39-A09D665D6A1C}" destId="{61C8481A-0782-4C40-9EB2-EC1035EC8917}" srcOrd="0" destOrd="8" presId="urn:microsoft.com/office/officeart/2005/8/layout/vList2"/>
-    <dgm:cxn modelId="{3ACD654E-CAD7-294E-972E-F084A36FF2D6}" srcId="{0C433654-E965-D74A-8D2B-CA12390B1BE6}" destId="{412A7F39-A00B-D044-AB39-A09D665D6A1C}" srcOrd="2" destOrd="0" parTransId="{A9BD4D71-B275-F843-99ED-BF7376717AE8}" sibTransId="{61907A69-2E29-3148-86C5-227ED8D0E835}"/>
     <dgm:cxn modelId="{31C73560-D88E-7644-9DCF-0CA82CEAF294}" srcId="{0C433654-E965-D74A-8D2B-CA12390B1BE6}" destId="{9B8B9F17-DF99-9342-AC93-119D0C88718A}" srcOrd="0" destOrd="0" parTransId="{3F03B0A6-64CD-7340-B8D3-3386CCC6E47C}" sibTransId="{87E57475-B415-F348-A241-4AB0464EBD3A}"/>
     <dgm:cxn modelId="{37B9D666-A530-9D49-B91C-BB30B9EB94C6}" type="presOf" srcId="{564D7D85-61B0-AC47-BE50-D8FF1763EA3C}" destId="{9AAA45CE-0B7E-7146-A7A0-1EC71B403540}" srcOrd="0" destOrd="0" presId="urn:microsoft.com/office/officeart/2005/8/layout/vList2"/>
     <dgm:cxn modelId="{D1341868-450A-0B48-956C-A3EC53293CFB}" srcId="{FE524CFC-88AA-674E-B029-F632042AD10E}" destId="{61718454-EC50-9E4B-AD8C-1BE44430F727}" srcOrd="1" destOrd="0" parTransId="{C75A1FD0-2289-ED4C-8567-EE1BF745405B}" sibTransId="{46204773-C91F-8D4D-9E63-0CBE17D3D70A}"/>
+    <dgm:cxn modelId="{3ACD654E-CAD7-294E-972E-F084A36FF2D6}" srcId="{0C433654-E965-D74A-8D2B-CA12390B1BE6}" destId="{412A7F39-A00B-D044-AB39-A09D665D6A1C}" srcOrd="2" destOrd="0" parTransId="{A9BD4D71-B275-F843-99ED-BF7376717AE8}" sibTransId="{61907A69-2E29-3148-86C5-227ED8D0E835}"/>
     <dgm:cxn modelId="{73B84877-7856-CD45-A61D-6F1AADC4E3FF}" srcId="{BACCFF47-C623-E34F-A983-98843F300FAF}" destId="{0C433654-E965-D74A-8D2B-CA12390B1BE6}" srcOrd="0" destOrd="0" parTransId="{02FFCEB3-A515-E346-B11C-37D9A7BBD5B7}" sibTransId="{834BB999-CFD7-CE45-9282-1EF61039DE75}"/>
     <dgm:cxn modelId="{25752579-793D-164C-9313-6A418016C33F}" srcId="{1F1A98DE-37C8-724C-90C4-423F3F4894B0}" destId="{04676674-70B1-6E41-9B28-5C6D5F171FD5}" srcOrd="0" destOrd="0" parTransId="{A8E85219-AA3C-4E48-A072-54F871E1E868}" sibTransId="{AD2B3E56-40F9-2746-9A3A-9DCE4C7EE261}"/>
     <dgm:cxn modelId="{55222693-B5A2-174C-A10D-35FFFC2E9316}" type="presOf" srcId="{2C1AC6BD-D5FA-1A46-8AF3-B47147C12ADA}" destId="{2DAA50D5-FA14-BE45-86DA-B9A9730BC9F6}" srcOrd="0" destOrd="0" presId="urn:microsoft.com/office/officeart/2005/8/layout/vList2"/>
@@ -11569,11 +11590,11 @@
     <dgm:cxn modelId="{45732234-20E2-A647-BA2C-88D0388AE703}" type="presOf" srcId="{8331E341-7701-154E-9377-ABB9C5D289AC}" destId="{61C8481A-0782-4C40-9EB2-EC1035EC8917}" srcOrd="0" destOrd="6" presId="urn:microsoft.com/office/officeart/2005/8/layout/vList2"/>
     <dgm:cxn modelId="{E4EBD939-4D9C-AA40-AE0A-3D985A271A7C}" srcId="{FE524CFC-88AA-674E-B029-F632042AD10E}" destId="{8331E341-7701-154E-9377-ABB9C5D289AC}" srcOrd="2" destOrd="0" parTransId="{242C600C-54D5-224F-8A6D-EB9AAB883F07}" sibTransId="{29AA2112-587E-BE46-BB18-39F1574E087F}"/>
     <dgm:cxn modelId="{8F1FCC3F-AC9D-2142-A459-AC3AA30927EA}" type="presOf" srcId="{412A7F39-A00B-D044-AB39-A09D665D6A1C}" destId="{61C8481A-0782-4C40-9EB2-EC1035EC8917}" srcOrd="0" destOrd="8" presId="urn:microsoft.com/office/officeart/2005/8/layout/vList2"/>
-    <dgm:cxn modelId="{3ACD654E-CAD7-294E-972E-F084A36FF2D6}" srcId="{0C433654-E965-D74A-8D2B-CA12390B1BE6}" destId="{412A7F39-A00B-D044-AB39-A09D665D6A1C}" srcOrd="2" destOrd="0" parTransId="{A9BD4D71-B275-F843-99ED-BF7376717AE8}" sibTransId="{61907A69-2E29-3148-86C5-227ED8D0E835}"/>
-    <dgm:cxn modelId="{E9426954-DD17-7442-9B0C-4523BFC5103C}" type="presOf" srcId="{55952B83-399C-A440-A094-953E65E935A3}" destId="{2DAA50D5-FA14-BE45-86DA-B9A9730BC9F6}" srcOrd="0" destOrd="2" presId="urn:microsoft.com/office/officeart/2005/8/layout/vList2"/>
     <dgm:cxn modelId="{31C73560-D88E-7644-9DCF-0CA82CEAF294}" srcId="{0C433654-E965-D74A-8D2B-CA12390B1BE6}" destId="{9B8B9F17-DF99-9342-AC93-119D0C88718A}" srcOrd="0" destOrd="0" parTransId="{3F03B0A6-64CD-7340-B8D3-3386CCC6E47C}" sibTransId="{87E57475-B415-F348-A241-4AB0464EBD3A}"/>
     <dgm:cxn modelId="{37B9D666-A530-9D49-B91C-BB30B9EB94C6}" type="presOf" srcId="{564D7D85-61B0-AC47-BE50-D8FF1763EA3C}" destId="{9AAA45CE-0B7E-7146-A7A0-1EC71B403540}" srcOrd="0" destOrd="0" presId="urn:microsoft.com/office/officeart/2005/8/layout/vList2"/>
     <dgm:cxn modelId="{D1341868-450A-0B48-956C-A3EC53293CFB}" srcId="{FE524CFC-88AA-674E-B029-F632042AD10E}" destId="{61718454-EC50-9E4B-AD8C-1BE44430F727}" srcOrd="1" destOrd="0" parTransId="{C75A1FD0-2289-ED4C-8567-EE1BF745405B}" sibTransId="{46204773-C91F-8D4D-9E63-0CBE17D3D70A}"/>
+    <dgm:cxn modelId="{3ACD654E-CAD7-294E-972E-F084A36FF2D6}" srcId="{0C433654-E965-D74A-8D2B-CA12390B1BE6}" destId="{412A7F39-A00B-D044-AB39-A09D665D6A1C}" srcOrd="2" destOrd="0" parTransId="{A9BD4D71-B275-F843-99ED-BF7376717AE8}" sibTransId="{61907A69-2E29-3148-86C5-227ED8D0E835}"/>
+    <dgm:cxn modelId="{E9426954-DD17-7442-9B0C-4523BFC5103C}" type="presOf" srcId="{55952B83-399C-A440-A094-953E65E935A3}" destId="{2DAA50D5-FA14-BE45-86DA-B9A9730BC9F6}" srcOrd="0" destOrd="2" presId="urn:microsoft.com/office/officeart/2005/8/layout/vList2"/>
     <dgm:cxn modelId="{73B84877-7856-CD45-A61D-6F1AADC4E3FF}" srcId="{BACCFF47-C623-E34F-A983-98843F300FAF}" destId="{0C433654-E965-D74A-8D2B-CA12390B1BE6}" srcOrd="0" destOrd="0" parTransId="{02FFCEB3-A515-E346-B11C-37D9A7BBD5B7}" sibTransId="{834BB999-CFD7-CE45-9282-1EF61039DE75}"/>
     <dgm:cxn modelId="{25752579-793D-164C-9313-6A418016C33F}" srcId="{1F1A98DE-37C8-724C-90C4-423F3F4894B0}" destId="{04676674-70B1-6E41-9B28-5C6D5F171FD5}" srcOrd="0" destOrd="0" parTransId="{A8E85219-AA3C-4E48-A072-54F871E1E868}" sibTransId="{AD2B3E56-40F9-2746-9A3A-9DCE4C7EE261}"/>
     <dgm:cxn modelId="{3E60E693-B1F3-2245-AF12-4F5A90578EBB}" srcId="{61718454-EC50-9E4B-AD8C-1BE44430F727}" destId="{E06A1110-479A-7F4C-B39D-4DAEABA963E7}" srcOrd="0" destOrd="0" parTransId="{BC5F00FC-2D3E-1745-BE31-54072544D41B}" sibTransId="{1724AF55-FDE9-C446-9307-B9D0D809BF81}"/>
@@ -12171,10 +12192,10 @@
     <dgm:cxn modelId="{E73FB338-3184-8C4A-8B81-78ADB3683F61}" type="presOf" srcId="{ABBFD3D8-3393-0342-AAD5-13A25D3F0CE5}" destId="{2DAA50D5-FA14-BE45-86DA-B9A9730BC9F6}" srcOrd="0" destOrd="0" presId="urn:microsoft.com/office/officeart/2005/8/layout/vList2"/>
     <dgm:cxn modelId="{E4EBD939-4D9C-AA40-AE0A-3D985A271A7C}" srcId="{FE524CFC-88AA-674E-B029-F632042AD10E}" destId="{8331E341-7701-154E-9377-ABB9C5D289AC}" srcOrd="2" destOrd="0" parTransId="{242C600C-54D5-224F-8A6D-EB9AAB883F07}" sibTransId="{29AA2112-587E-BE46-BB18-39F1574E087F}"/>
     <dgm:cxn modelId="{8F1FCC3F-AC9D-2142-A459-AC3AA30927EA}" type="presOf" srcId="{412A7F39-A00B-D044-AB39-A09D665D6A1C}" destId="{61C8481A-0782-4C40-9EB2-EC1035EC8917}" srcOrd="0" destOrd="8" presId="urn:microsoft.com/office/officeart/2005/8/layout/vList2"/>
-    <dgm:cxn modelId="{3ACD654E-CAD7-294E-972E-F084A36FF2D6}" srcId="{0C433654-E965-D74A-8D2B-CA12390B1BE6}" destId="{412A7F39-A00B-D044-AB39-A09D665D6A1C}" srcOrd="1" destOrd="0" parTransId="{A9BD4D71-B275-F843-99ED-BF7376717AE8}" sibTransId="{61907A69-2E29-3148-86C5-227ED8D0E835}"/>
     <dgm:cxn modelId="{31C73560-D88E-7644-9DCF-0CA82CEAF294}" srcId="{0C433654-E965-D74A-8D2B-CA12390B1BE6}" destId="{9B8B9F17-DF99-9342-AC93-119D0C88718A}" srcOrd="0" destOrd="0" parTransId="{3F03B0A6-64CD-7340-B8D3-3386CCC6E47C}" sibTransId="{87E57475-B415-F348-A241-4AB0464EBD3A}"/>
     <dgm:cxn modelId="{37B9D666-A530-9D49-B91C-BB30B9EB94C6}" type="presOf" srcId="{564D7D85-61B0-AC47-BE50-D8FF1763EA3C}" destId="{9AAA45CE-0B7E-7146-A7A0-1EC71B403540}" srcOrd="0" destOrd="0" presId="urn:microsoft.com/office/officeart/2005/8/layout/vList2"/>
     <dgm:cxn modelId="{D1341868-450A-0B48-956C-A3EC53293CFB}" srcId="{FE524CFC-88AA-674E-B029-F632042AD10E}" destId="{61718454-EC50-9E4B-AD8C-1BE44430F727}" srcOrd="1" destOrd="0" parTransId="{C75A1FD0-2289-ED4C-8567-EE1BF745405B}" sibTransId="{46204773-C91F-8D4D-9E63-0CBE17D3D70A}"/>
+    <dgm:cxn modelId="{3ACD654E-CAD7-294E-972E-F084A36FF2D6}" srcId="{0C433654-E965-D74A-8D2B-CA12390B1BE6}" destId="{412A7F39-A00B-D044-AB39-A09D665D6A1C}" srcOrd="1" destOrd="0" parTransId="{A9BD4D71-B275-F843-99ED-BF7376717AE8}" sibTransId="{61907A69-2E29-3148-86C5-227ED8D0E835}"/>
     <dgm:cxn modelId="{73B84877-7856-CD45-A61D-6F1AADC4E3FF}" srcId="{BACCFF47-C623-E34F-A983-98843F300FAF}" destId="{0C433654-E965-D74A-8D2B-CA12390B1BE6}" srcOrd="0" destOrd="0" parTransId="{02FFCEB3-A515-E346-B11C-37D9A7BBD5B7}" sibTransId="{834BB999-CFD7-CE45-9282-1EF61039DE75}"/>
     <dgm:cxn modelId="{25752579-793D-164C-9313-6A418016C33F}" srcId="{1F1A98DE-37C8-724C-90C4-423F3F4894B0}" destId="{04676674-70B1-6E41-9B28-5C6D5F171FD5}" srcOrd="0" destOrd="0" parTransId="{A8E85219-AA3C-4E48-A072-54F871E1E868}" sibTransId="{AD2B3E56-40F9-2746-9A3A-9DCE4C7EE261}"/>
     <dgm:cxn modelId="{3E60E693-B1F3-2245-AF12-4F5A90578EBB}" srcId="{61718454-EC50-9E4B-AD8C-1BE44430F727}" destId="{E06A1110-479A-7F4C-B39D-4DAEABA963E7}" srcOrd="0" destOrd="0" parTransId="{BC5F00FC-2D3E-1745-BE31-54072544D41B}" sibTransId="{1724AF55-FDE9-C446-9307-B9D0D809BF81}"/>
@@ -12763,11 +12784,11 @@
     <dgm:cxn modelId="{E73FB338-3184-8C4A-8B81-78ADB3683F61}" type="presOf" srcId="{ABBFD3D8-3393-0342-AAD5-13A25D3F0CE5}" destId="{2DAA50D5-FA14-BE45-86DA-B9A9730BC9F6}" srcOrd="0" destOrd="1" presId="urn:microsoft.com/office/officeart/2005/8/layout/vList2"/>
     <dgm:cxn modelId="{E4EBD939-4D9C-AA40-AE0A-3D985A271A7C}" srcId="{FE524CFC-88AA-674E-B029-F632042AD10E}" destId="{8331E341-7701-154E-9377-ABB9C5D289AC}" srcOrd="2" destOrd="0" parTransId="{242C600C-54D5-224F-8A6D-EB9AAB883F07}" sibTransId="{29AA2112-587E-BE46-BB18-39F1574E087F}"/>
     <dgm:cxn modelId="{8F1FCC3F-AC9D-2142-A459-AC3AA30927EA}" type="presOf" srcId="{412A7F39-A00B-D044-AB39-A09D665D6A1C}" destId="{61C8481A-0782-4C40-9EB2-EC1035EC8917}" srcOrd="0" destOrd="8" presId="urn:microsoft.com/office/officeart/2005/8/layout/vList2"/>
-    <dgm:cxn modelId="{3ACD654E-CAD7-294E-972E-F084A36FF2D6}" srcId="{626B8BD0-FA65-9645-A6A2-A38F76483048}" destId="{412A7F39-A00B-D044-AB39-A09D665D6A1C}" srcOrd="0" destOrd="0" parTransId="{A9BD4D71-B275-F843-99ED-BF7376717AE8}" sibTransId="{61907A69-2E29-3148-86C5-227ED8D0E835}"/>
     <dgm:cxn modelId="{31C73560-D88E-7644-9DCF-0CA82CEAF294}" srcId="{0C433654-E965-D74A-8D2B-CA12390B1BE6}" destId="{9B8B9F17-DF99-9342-AC93-119D0C88718A}" srcOrd="0" destOrd="0" parTransId="{3F03B0A6-64CD-7340-B8D3-3386CCC6E47C}" sibTransId="{87E57475-B415-F348-A241-4AB0464EBD3A}"/>
     <dgm:cxn modelId="{37B9D666-A530-9D49-B91C-BB30B9EB94C6}" type="presOf" srcId="{564D7D85-61B0-AC47-BE50-D8FF1763EA3C}" destId="{9AAA45CE-0B7E-7146-A7A0-1EC71B403540}" srcOrd="0" destOrd="0" presId="urn:microsoft.com/office/officeart/2005/8/layout/vList2"/>
     <dgm:cxn modelId="{D1341868-450A-0B48-956C-A3EC53293CFB}" srcId="{FE524CFC-88AA-674E-B029-F632042AD10E}" destId="{61718454-EC50-9E4B-AD8C-1BE44430F727}" srcOrd="1" destOrd="0" parTransId="{C75A1FD0-2289-ED4C-8567-EE1BF745405B}" sibTransId="{46204773-C91F-8D4D-9E63-0CBE17D3D70A}"/>
     <dgm:cxn modelId="{1E853569-0EB3-CF4C-9304-1C59DD9C8346}" srcId="{564D7D85-61B0-AC47-BE50-D8FF1763EA3C}" destId="{E34EB159-103B-3E44-B3F4-4EE7A5A1938B}" srcOrd="0" destOrd="0" parTransId="{60EE78DF-44B6-1845-B61E-100A5C499562}" sibTransId="{7F96CEA7-CF43-B84B-9910-31CD9C836490}"/>
+    <dgm:cxn modelId="{3ACD654E-CAD7-294E-972E-F084A36FF2D6}" srcId="{626B8BD0-FA65-9645-A6A2-A38F76483048}" destId="{412A7F39-A00B-D044-AB39-A09D665D6A1C}" srcOrd="0" destOrd="0" parTransId="{A9BD4D71-B275-F843-99ED-BF7376717AE8}" sibTransId="{61907A69-2E29-3148-86C5-227ED8D0E835}"/>
     <dgm:cxn modelId="{73B84877-7856-CD45-A61D-6F1AADC4E3FF}" srcId="{BACCFF47-C623-E34F-A983-98843F300FAF}" destId="{0C433654-E965-D74A-8D2B-CA12390B1BE6}" srcOrd="0" destOrd="0" parTransId="{02FFCEB3-A515-E346-B11C-37D9A7BBD5B7}" sibTransId="{834BB999-CFD7-CE45-9282-1EF61039DE75}"/>
     <dgm:cxn modelId="{25752579-793D-164C-9313-6A418016C33F}" srcId="{1F1A98DE-37C8-724C-90C4-423F3F4894B0}" destId="{04676674-70B1-6E41-9B28-5C6D5F171FD5}" srcOrd="0" destOrd="0" parTransId="{A8E85219-AA3C-4E48-A072-54F871E1E868}" sibTransId="{AD2B3E56-40F9-2746-9A3A-9DCE4C7EE261}"/>
     <dgm:cxn modelId="{3E60E693-B1F3-2245-AF12-4F5A90578EBB}" srcId="{61718454-EC50-9E4B-AD8C-1BE44430F727}" destId="{E06A1110-479A-7F4C-B39D-4DAEABA963E7}" srcOrd="0" destOrd="0" parTransId="{BC5F00FC-2D3E-1745-BE31-54072544D41B}" sibTransId="{1724AF55-FDE9-C446-9307-B9D0D809BF81}"/>
@@ -13338,14 +13359,14 @@
     <dgm:cxn modelId="{45732234-20E2-A647-BA2C-88D0388AE703}" type="presOf" srcId="{8331E341-7701-154E-9377-ABB9C5D289AC}" destId="{61C8481A-0782-4C40-9EB2-EC1035EC8917}" srcOrd="0" destOrd="6" presId="urn:microsoft.com/office/officeart/2005/8/layout/vList2"/>
     <dgm:cxn modelId="{E4EBD939-4D9C-AA40-AE0A-3D985A271A7C}" srcId="{0C433654-E965-D74A-8D2B-CA12390B1BE6}" destId="{8331E341-7701-154E-9377-ABB9C5D289AC}" srcOrd="6" destOrd="0" parTransId="{242C600C-54D5-224F-8A6D-EB9AAB883F07}" sibTransId="{29AA2112-587E-BE46-BB18-39F1574E087F}"/>
     <dgm:cxn modelId="{8F1FCC3F-AC9D-2142-A459-AC3AA30927EA}" type="presOf" srcId="{412A7F39-A00B-D044-AB39-A09D665D6A1C}" destId="{61C8481A-0782-4C40-9EB2-EC1035EC8917}" srcOrd="0" destOrd="8" presId="urn:microsoft.com/office/officeart/2005/8/layout/vList2"/>
+    <dgm:cxn modelId="{31C73560-D88E-7644-9DCF-0CA82CEAF294}" srcId="{0C433654-E965-D74A-8D2B-CA12390B1BE6}" destId="{9B8B9F17-DF99-9342-AC93-119D0C88718A}" srcOrd="0" destOrd="0" parTransId="{3F03B0A6-64CD-7340-B8D3-3386CCC6E47C}" sibTransId="{87E57475-B415-F348-A241-4AB0464EBD3A}"/>
+    <dgm:cxn modelId="{37B9D666-A530-9D49-B91C-BB30B9EB94C6}" type="presOf" srcId="{564D7D85-61B0-AC47-BE50-D8FF1763EA3C}" destId="{9AAA45CE-0B7E-7146-A7A0-1EC71B403540}" srcOrd="0" destOrd="0" presId="urn:microsoft.com/office/officeart/2005/8/layout/vList2"/>
     <dgm:cxn modelId="{0DBA0C47-A04C-EE4B-B15E-ABDACFDA8700}" srcId="{564D7D85-61B0-AC47-BE50-D8FF1763EA3C}" destId="{6D7B3B08-3472-674C-8386-5760EF70E103}" srcOrd="2" destOrd="0" parTransId="{07B7C3BE-3920-1145-8C48-E8F733CF99B6}" sibTransId="{3AD5037C-774D-AC47-936E-138152EB244A}"/>
+    <dgm:cxn modelId="{D1341868-450A-0B48-956C-A3EC53293CFB}" srcId="{0C433654-E965-D74A-8D2B-CA12390B1BE6}" destId="{61718454-EC50-9E4B-AD8C-1BE44430F727}" srcOrd="4" destOrd="0" parTransId="{C75A1FD0-2289-ED4C-8567-EE1BF745405B}" sibTransId="{46204773-C91F-8D4D-9E63-0CBE17D3D70A}"/>
     <dgm:cxn modelId="{3ACD654E-CAD7-294E-972E-F084A36FF2D6}" srcId="{0C433654-E965-D74A-8D2B-CA12390B1BE6}" destId="{412A7F39-A00B-D044-AB39-A09D665D6A1C}" srcOrd="8" destOrd="0" parTransId="{A9BD4D71-B275-F843-99ED-BF7376717AE8}" sibTransId="{61907A69-2E29-3148-86C5-227ED8D0E835}"/>
     <dgm:cxn modelId="{AEC94F50-C001-CE4E-85E2-2D142FD7D93B}" type="presOf" srcId="{8C308D2C-AAB2-C845-BFC3-8EA589820AA1}" destId="{2DAA50D5-FA14-BE45-86DA-B9A9730BC9F6}" srcOrd="0" destOrd="1" presId="urn:microsoft.com/office/officeart/2005/8/layout/vList2"/>
+    <dgm:cxn modelId="{73B84877-7856-CD45-A61D-6F1AADC4E3FF}" srcId="{BACCFF47-C623-E34F-A983-98843F300FAF}" destId="{0C433654-E965-D74A-8D2B-CA12390B1BE6}" srcOrd="0" destOrd="0" parTransId="{02FFCEB3-A515-E346-B11C-37D9A7BBD5B7}" sibTransId="{834BB999-CFD7-CE45-9282-1EF61039DE75}"/>
     <dgm:cxn modelId="{00CF9958-02E4-3D49-9DF8-87CFB77C7C48}" type="presOf" srcId="{6D7B3B08-3472-674C-8386-5760EF70E103}" destId="{2DAA50D5-FA14-BE45-86DA-B9A9730BC9F6}" srcOrd="0" destOrd="2" presId="urn:microsoft.com/office/officeart/2005/8/layout/vList2"/>
-    <dgm:cxn modelId="{31C73560-D88E-7644-9DCF-0CA82CEAF294}" srcId="{0C433654-E965-D74A-8D2B-CA12390B1BE6}" destId="{9B8B9F17-DF99-9342-AC93-119D0C88718A}" srcOrd="0" destOrd="0" parTransId="{3F03B0A6-64CD-7340-B8D3-3386CCC6E47C}" sibTransId="{87E57475-B415-F348-A241-4AB0464EBD3A}"/>
-    <dgm:cxn modelId="{37B9D666-A530-9D49-B91C-BB30B9EB94C6}" type="presOf" srcId="{564D7D85-61B0-AC47-BE50-D8FF1763EA3C}" destId="{9AAA45CE-0B7E-7146-A7A0-1EC71B403540}" srcOrd="0" destOrd="0" presId="urn:microsoft.com/office/officeart/2005/8/layout/vList2"/>
-    <dgm:cxn modelId="{D1341868-450A-0B48-956C-A3EC53293CFB}" srcId="{0C433654-E965-D74A-8D2B-CA12390B1BE6}" destId="{61718454-EC50-9E4B-AD8C-1BE44430F727}" srcOrd="4" destOrd="0" parTransId="{C75A1FD0-2289-ED4C-8567-EE1BF745405B}" sibTransId="{46204773-C91F-8D4D-9E63-0CBE17D3D70A}"/>
-    <dgm:cxn modelId="{73B84877-7856-CD45-A61D-6F1AADC4E3FF}" srcId="{BACCFF47-C623-E34F-A983-98843F300FAF}" destId="{0C433654-E965-D74A-8D2B-CA12390B1BE6}" srcOrd="0" destOrd="0" parTransId="{02FFCEB3-A515-E346-B11C-37D9A7BBD5B7}" sibTransId="{834BB999-CFD7-CE45-9282-1EF61039DE75}"/>
     <dgm:cxn modelId="{25752579-793D-164C-9313-6A418016C33F}" srcId="{0C433654-E965-D74A-8D2B-CA12390B1BE6}" destId="{04676674-70B1-6E41-9B28-5C6D5F171FD5}" srcOrd="3" destOrd="0" parTransId="{A8E85219-AA3C-4E48-A072-54F871E1E868}" sibTransId="{AD2B3E56-40F9-2746-9A3A-9DCE4C7EE261}"/>
     <dgm:cxn modelId="{3E60E693-B1F3-2245-AF12-4F5A90578EBB}" srcId="{0C433654-E965-D74A-8D2B-CA12390B1BE6}" destId="{E06A1110-479A-7F4C-B39D-4DAEABA963E7}" srcOrd="5" destOrd="0" parTransId="{BC5F00FC-2D3E-1745-BE31-54072544D41B}" sibTransId="{1724AF55-FDE9-C446-9307-B9D0D809BF81}"/>
     <dgm:cxn modelId="{C0C61C9C-4D95-3447-A23F-0E2369C120BB}" srcId="{564D7D85-61B0-AC47-BE50-D8FF1763EA3C}" destId="{8C308D2C-AAB2-C845-BFC3-8EA589820AA1}" srcOrd="1" destOrd="0" parTransId="{B0C5C1FB-9BBA-444D-9C0B-C8D73317BF17}" sibTransId="{03134B21-BD65-3442-BA91-03A4BBF740F1}"/>
@@ -13895,13 +13916,13 @@
     <dgm:cxn modelId="{45732234-20E2-A647-BA2C-88D0388AE703}" type="presOf" srcId="{8331E341-7701-154E-9377-ABB9C5D289AC}" destId="{61C8481A-0782-4C40-9EB2-EC1035EC8917}" srcOrd="0" destOrd="6" presId="urn:microsoft.com/office/officeart/2005/8/layout/vList2"/>
     <dgm:cxn modelId="{E4EBD939-4D9C-AA40-AE0A-3D985A271A7C}" srcId="{0C433654-E965-D74A-8D2B-CA12390B1BE6}" destId="{8331E341-7701-154E-9377-ABB9C5D289AC}" srcOrd="5" destOrd="0" parTransId="{242C600C-54D5-224F-8A6D-EB9AAB883F07}" sibTransId="{29AA2112-587E-BE46-BB18-39F1574E087F}"/>
     <dgm:cxn modelId="{8F1FCC3F-AC9D-2142-A459-AC3AA30927EA}" type="presOf" srcId="{412A7F39-A00B-D044-AB39-A09D665D6A1C}" destId="{61C8481A-0782-4C40-9EB2-EC1035EC8917}" srcOrd="0" destOrd="8" presId="urn:microsoft.com/office/officeart/2005/8/layout/vList2"/>
-    <dgm:cxn modelId="{3ACD654E-CAD7-294E-972E-F084A36FF2D6}" srcId="{0C433654-E965-D74A-8D2B-CA12390B1BE6}" destId="{412A7F39-A00B-D044-AB39-A09D665D6A1C}" srcOrd="7" destOrd="0" parTransId="{A9BD4D71-B275-F843-99ED-BF7376717AE8}" sibTransId="{61907A69-2E29-3148-86C5-227ED8D0E835}"/>
-    <dgm:cxn modelId="{F5E9A05A-885B-6A4A-A015-60AA49DB642C}" type="presOf" srcId="{85E40287-40E7-BF41-B794-DB8815F8A4F1}" destId="{2DAA50D5-FA14-BE45-86DA-B9A9730BC9F6}" srcOrd="0" destOrd="2" presId="urn:microsoft.com/office/officeart/2005/8/layout/vList2"/>
     <dgm:cxn modelId="{31C73560-D88E-7644-9DCF-0CA82CEAF294}" srcId="{0C433654-E965-D74A-8D2B-CA12390B1BE6}" destId="{9B8B9F17-DF99-9342-AC93-119D0C88718A}" srcOrd="0" destOrd="0" parTransId="{3F03B0A6-64CD-7340-B8D3-3386CCC6E47C}" sibTransId="{87E57475-B415-F348-A241-4AB0464EBD3A}"/>
     <dgm:cxn modelId="{37B9D666-A530-9D49-B91C-BB30B9EB94C6}" type="presOf" srcId="{564D7D85-61B0-AC47-BE50-D8FF1763EA3C}" destId="{9AAA45CE-0B7E-7146-A7A0-1EC71B403540}" srcOrd="0" destOrd="0" presId="urn:microsoft.com/office/officeart/2005/8/layout/vList2"/>
     <dgm:cxn modelId="{D1341868-450A-0B48-956C-A3EC53293CFB}" srcId="{0C433654-E965-D74A-8D2B-CA12390B1BE6}" destId="{61718454-EC50-9E4B-AD8C-1BE44430F727}" srcOrd="3" destOrd="0" parTransId="{C75A1FD0-2289-ED4C-8567-EE1BF745405B}" sibTransId="{46204773-C91F-8D4D-9E63-0CBE17D3D70A}"/>
+    <dgm:cxn modelId="{3ACD654E-CAD7-294E-972E-F084A36FF2D6}" srcId="{0C433654-E965-D74A-8D2B-CA12390B1BE6}" destId="{412A7F39-A00B-D044-AB39-A09D665D6A1C}" srcOrd="7" destOrd="0" parTransId="{A9BD4D71-B275-F843-99ED-BF7376717AE8}" sibTransId="{61907A69-2E29-3148-86C5-227ED8D0E835}"/>
     <dgm:cxn modelId="{73B84877-7856-CD45-A61D-6F1AADC4E3FF}" srcId="{BACCFF47-C623-E34F-A983-98843F300FAF}" destId="{0C433654-E965-D74A-8D2B-CA12390B1BE6}" srcOrd="0" destOrd="0" parTransId="{02FFCEB3-A515-E346-B11C-37D9A7BBD5B7}" sibTransId="{834BB999-CFD7-CE45-9282-1EF61039DE75}"/>
     <dgm:cxn modelId="{25752579-793D-164C-9313-6A418016C33F}" srcId="{0C433654-E965-D74A-8D2B-CA12390B1BE6}" destId="{04676674-70B1-6E41-9B28-5C6D5F171FD5}" srcOrd="2" destOrd="0" parTransId="{A8E85219-AA3C-4E48-A072-54F871E1E868}" sibTransId="{AD2B3E56-40F9-2746-9A3A-9DCE4C7EE261}"/>
+    <dgm:cxn modelId="{F5E9A05A-885B-6A4A-A015-60AA49DB642C}" type="presOf" srcId="{85E40287-40E7-BF41-B794-DB8815F8A4F1}" destId="{2DAA50D5-FA14-BE45-86DA-B9A9730BC9F6}" srcOrd="0" destOrd="2" presId="urn:microsoft.com/office/officeart/2005/8/layout/vList2"/>
     <dgm:cxn modelId="{2605EF92-57D7-ED48-8995-FB3AC03D61DA}" srcId="{564D7D85-61B0-AC47-BE50-D8FF1763EA3C}" destId="{85E40287-40E7-BF41-B794-DB8815F8A4F1}" srcOrd="2" destOrd="0" parTransId="{06D349B5-AC2B-9445-BB53-379E01D91BD8}" sibTransId="{0A388481-4554-0741-AAEE-FE50D9F6C188}"/>
     <dgm:cxn modelId="{3E60E693-B1F3-2245-AF12-4F5A90578EBB}" srcId="{0C433654-E965-D74A-8D2B-CA12390B1BE6}" destId="{E06A1110-479A-7F4C-B39D-4DAEABA963E7}" srcOrd="4" destOrd="0" parTransId="{BC5F00FC-2D3E-1745-BE31-54072544D41B}" sibTransId="{1724AF55-FDE9-C446-9307-B9D0D809BF81}"/>
     <dgm:cxn modelId="{DC3F889D-2A99-7E44-A4F9-9B86566F62AB}" type="presOf" srcId="{1F1A98DE-37C8-724C-90C4-423F3F4894B0}" destId="{61C8481A-0782-4C40-9EB2-EC1035EC8917}" srcOrd="0" destOrd="2" presId="urn:microsoft.com/office/officeart/2005/8/layout/vList2"/>
@@ -14457,11 +14478,11 @@
     <dgm:cxn modelId="{45732234-20E2-A647-BA2C-88D0388AE703}" type="presOf" srcId="{8331E341-7701-154E-9377-ABB9C5D289AC}" destId="{61C8481A-0782-4C40-9EB2-EC1035EC8917}" srcOrd="0" destOrd="6" presId="urn:microsoft.com/office/officeart/2005/8/layout/vList2"/>
     <dgm:cxn modelId="{E4EBD939-4D9C-AA40-AE0A-3D985A271A7C}" srcId="{0C433654-E965-D74A-8D2B-CA12390B1BE6}" destId="{8331E341-7701-154E-9377-ABB9C5D289AC}" srcOrd="4" destOrd="0" parTransId="{242C600C-54D5-224F-8A6D-EB9AAB883F07}" sibTransId="{29AA2112-587E-BE46-BB18-39F1574E087F}"/>
     <dgm:cxn modelId="{8F1FCC3F-AC9D-2142-A459-AC3AA30927EA}" type="presOf" srcId="{412A7F39-A00B-D044-AB39-A09D665D6A1C}" destId="{61C8481A-0782-4C40-9EB2-EC1035EC8917}" srcOrd="0" destOrd="8" presId="urn:microsoft.com/office/officeart/2005/8/layout/vList2"/>
-    <dgm:cxn modelId="{3ACD654E-CAD7-294E-972E-F084A36FF2D6}" srcId="{0C433654-E965-D74A-8D2B-CA12390B1BE6}" destId="{412A7F39-A00B-D044-AB39-A09D665D6A1C}" srcOrd="6" destOrd="0" parTransId="{A9BD4D71-B275-F843-99ED-BF7376717AE8}" sibTransId="{61907A69-2E29-3148-86C5-227ED8D0E835}"/>
-    <dgm:cxn modelId="{866EB956-F85A-224E-9DAE-6D277B75116C}" type="presOf" srcId="{7FC45CBE-3D8C-9349-B4BF-19466F2662BC}" destId="{2DAA50D5-FA14-BE45-86DA-B9A9730BC9F6}" srcOrd="0" destOrd="0" presId="urn:microsoft.com/office/officeart/2005/8/layout/vList2"/>
     <dgm:cxn modelId="{31C73560-D88E-7644-9DCF-0CA82CEAF294}" srcId="{0C433654-E965-D74A-8D2B-CA12390B1BE6}" destId="{9B8B9F17-DF99-9342-AC93-119D0C88718A}" srcOrd="0" destOrd="0" parTransId="{3F03B0A6-64CD-7340-B8D3-3386CCC6E47C}" sibTransId="{87E57475-B415-F348-A241-4AB0464EBD3A}"/>
     <dgm:cxn modelId="{37B9D666-A530-9D49-B91C-BB30B9EB94C6}" type="presOf" srcId="{564D7D85-61B0-AC47-BE50-D8FF1763EA3C}" destId="{9AAA45CE-0B7E-7146-A7A0-1EC71B403540}" srcOrd="0" destOrd="0" presId="urn:microsoft.com/office/officeart/2005/8/layout/vList2"/>
     <dgm:cxn modelId="{D1341868-450A-0B48-956C-A3EC53293CFB}" srcId="{0C433654-E965-D74A-8D2B-CA12390B1BE6}" destId="{61718454-EC50-9E4B-AD8C-1BE44430F727}" srcOrd="2" destOrd="0" parTransId="{C75A1FD0-2289-ED4C-8567-EE1BF745405B}" sibTransId="{46204773-C91F-8D4D-9E63-0CBE17D3D70A}"/>
+    <dgm:cxn modelId="{3ACD654E-CAD7-294E-972E-F084A36FF2D6}" srcId="{0C433654-E965-D74A-8D2B-CA12390B1BE6}" destId="{412A7F39-A00B-D044-AB39-A09D665D6A1C}" srcOrd="6" destOrd="0" parTransId="{A9BD4D71-B275-F843-99ED-BF7376717AE8}" sibTransId="{61907A69-2E29-3148-86C5-227ED8D0E835}"/>
+    <dgm:cxn modelId="{866EB956-F85A-224E-9DAE-6D277B75116C}" type="presOf" srcId="{7FC45CBE-3D8C-9349-B4BF-19466F2662BC}" destId="{2DAA50D5-FA14-BE45-86DA-B9A9730BC9F6}" srcOrd="0" destOrd="0" presId="urn:microsoft.com/office/officeart/2005/8/layout/vList2"/>
     <dgm:cxn modelId="{73B84877-7856-CD45-A61D-6F1AADC4E3FF}" srcId="{BACCFF47-C623-E34F-A983-98843F300FAF}" destId="{0C433654-E965-D74A-8D2B-CA12390B1BE6}" srcOrd="0" destOrd="0" parTransId="{02FFCEB3-A515-E346-B11C-37D9A7BBD5B7}" sibTransId="{834BB999-CFD7-CE45-9282-1EF61039DE75}"/>
     <dgm:cxn modelId="{25752579-793D-164C-9313-6A418016C33F}" srcId="{0C433654-E965-D74A-8D2B-CA12390B1BE6}" destId="{04676674-70B1-6E41-9B28-5C6D5F171FD5}" srcOrd="1" destOrd="0" parTransId="{A8E85219-AA3C-4E48-A072-54F871E1E868}" sibTransId="{AD2B3E56-40F9-2746-9A3A-9DCE4C7EE261}"/>
     <dgm:cxn modelId="{3E60E693-B1F3-2245-AF12-4F5A90578EBB}" srcId="{0C433654-E965-D74A-8D2B-CA12390B1BE6}" destId="{E06A1110-479A-7F4C-B39D-4DAEABA963E7}" srcOrd="3" destOrd="0" parTransId="{BC5F00FC-2D3E-1745-BE31-54072544D41B}" sibTransId="{1724AF55-FDE9-C446-9307-B9D0D809BF81}"/>
@@ -15034,10 +15055,10 @@
     <dgm:cxn modelId="{45732234-20E2-A647-BA2C-88D0388AE703}" type="presOf" srcId="{8331E341-7701-154E-9377-ABB9C5D289AC}" destId="{61C8481A-0782-4C40-9EB2-EC1035EC8917}" srcOrd="0" destOrd="6" presId="urn:microsoft.com/office/officeart/2005/8/layout/vList2"/>
     <dgm:cxn modelId="{E4EBD939-4D9C-AA40-AE0A-3D985A271A7C}" srcId="{0C433654-E965-D74A-8D2B-CA12390B1BE6}" destId="{8331E341-7701-154E-9377-ABB9C5D289AC}" srcOrd="3" destOrd="0" parTransId="{242C600C-54D5-224F-8A6D-EB9AAB883F07}" sibTransId="{29AA2112-587E-BE46-BB18-39F1574E087F}"/>
     <dgm:cxn modelId="{8F1FCC3F-AC9D-2142-A459-AC3AA30927EA}" type="presOf" srcId="{412A7F39-A00B-D044-AB39-A09D665D6A1C}" destId="{61C8481A-0782-4C40-9EB2-EC1035EC8917}" srcOrd="0" destOrd="8" presId="urn:microsoft.com/office/officeart/2005/8/layout/vList2"/>
-    <dgm:cxn modelId="{3ACD654E-CAD7-294E-972E-F084A36FF2D6}" srcId="{0C433654-E965-D74A-8D2B-CA12390B1BE6}" destId="{412A7F39-A00B-D044-AB39-A09D665D6A1C}" srcOrd="5" destOrd="0" parTransId="{A9BD4D71-B275-F843-99ED-BF7376717AE8}" sibTransId="{61907A69-2E29-3148-86C5-227ED8D0E835}"/>
     <dgm:cxn modelId="{31C73560-D88E-7644-9DCF-0CA82CEAF294}" srcId="{0C433654-E965-D74A-8D2B-CA12390B1BE6}" destId="{9B8B9F17-DF99-9342-AC93-119D0C88718A}" srcOrd="0" destOrd="0" parTransId="{3F03B0A6-64CD-7340-B8D3-3386CCC6E47C}" sibTransId="{87E57475-B415-F348-A241-4AB0464EBD3A}"/>
     <dgm:cxn modelId="{37B9D666-A530-9D49-B91C-BB30B9EB94C6}" type="presOf" srcId="{564D7D85-61B0-AC47-BE50-D8FF1763EA3C}" destId="{9AAA45CE-0B7E-7146-A7A0-1EC71B403540}" srcOrd="0" destOrd="0" presId="urn:microsoft.com/office/officeart/2005/8/layout/vList2"/>
     <dgm:cxn modelId="{D1341868-450A-0B48-956C-A3EC53293CFB}" srcId="{0C433654-E965-D74A-8D2B-CA12390B1BE6}" destId="{61718454-EC50-9E4B-AD8C-1BE44430F727}" srcOrd="1" destOrd="0" parTransId="{C75A1FD0-2289-ED4C-8567-EE1BF745405B}" sibTransId="{46204773-C91F-8D4D-9E63-0CBE17D3D70A}"/>
+    <dgm:cxn modelId="{3ACD654E-CAD7-294E-972E-F084A36FF2D6}" srcId="{0C433654-E965-D74A-8D2B-CA12390B1BE6}" destId="{412A7F39-A00B-D044-AB39-A09D665D6A1C}" srcOrd="5" destOrd="0" parTransId="{A9BD4D71-B275-F843-99ED-BF7376717AE8}" sibTransId="{61907A69-2E29-3148-86C5-227ED8D0E835}"/>
     <dgm:cxn modelId="{73B84877-7856-CD45-A61D-6F1AADC4E3FF}" srcId="{BACCFF47-C623-E34F-A983-98843F300FAF}" destId="{0C433654-E965-D74A-8D2B-CA12390B1BE6}" srcOrd="0" destOrd="0" parTransId="{02FFCEB3-A515-E346-B11C-37D9A7BBD5B7}" sibTransId="{834BB999-CFD7-CE45-9282-1EF61039DE75}"/>
     <dgm:cxn modelId="{25752579-793D-164C-9313-6A418016C33F}" srcId="{1F1A98DE-37C8-724C-90C4-423F3F4894B0}" destId="{04676674-70B1-6E41-9B28-5C6D5F171FD5}" srcOrd="0" destOrd="0" parTransId="{A8E85219-AA3C-4E48-A072-54F871E1E868}" sibTransId="{AD2B3E56-40F9-2746-9A3A-9DCE4C7EE261}"/>
     <dgm:cxn modelId="{3E60E693-B1F3-2245-AF12-4F5A90578EBB}" srcId="{0C433654-E965-D74A-8D2B-CA12390B1BE6}" destId="{E06A1110-479A-7F4C-B39D-4DAEABA963E7}" srcOrd="2" destOrd="0" parTransId="{BC5F00FC-2D3E-1745-BE31-54072544D41B}" sibTransId="{1724AF55-FDE9-C446-9307-B9D0D809BF81}"/>
@@ -15623,12 +15644,12 @@
     <dgm:cxn modelId="{45732234-20E2-A647-BA2C-88D0388AE703}" type="presOf" srcId="{8331E341-7701-154E-9377-ABB9C5D289AC}" destId="{61C8481A-0782-4C40-9EB2-EC1035EC8917}" srcOrd="0" destOrd="6" presId="urn:microsoft.com/office/officeart/2005/8/layout/vList2"/>
     <dgm:cxn modelId="{E4EBD939-4D9C-AA40-AE0A-3D985A271A7C}" srcId="{0C433654-E965-D74A-8D2B-CA12390B1BE6}" destId="{8331E341-7701-154E-9377-ABB9C5D289AC}" srcOrd="3" destOrd="0" parTransId="{242C600C-54D5-224F-8A6D-EB9AAB883F07}" sibTransId="{29AA2112-587E-BE46-BB18-39F1574E087F}"/>
     <dgm:cxn modelId="{8F1FCC3F-AC9D-2142-A459-AC3AA30927EA}" type="presOf" srcId="{412A7F39-A00B-D044-AB39-A09D665D6A1C}" destId="{61C8481A-0782-4C40-9EB2-EC1035EC8917}" srcOrd="0" destOrd="8" presId="urn:microsoft.com/office/officeart/2005/8/layout/vList2"/>
-    <dgm:cxn modelId="{3ACD654E-CAD7-294E-972E-F084A36FF2D6}" srcId="{0C433654-E965-D74A-8D2B-CA12390B1BE6}" destId="{412A7F39-A00B-D044-AB39-A09D665D6A1C}" srcOrd="5" destOrd="0" parTransId="{A9BD4D71-B275-F843-99ED-BF7376717AE8}" sibTransId="{61907A69-2E29-3148-86C5-227ED8D0E835}"/>
-    <dgm:cxn modelId="{5F959F56-1FC3-D44E-A6E0-BCC26F547B4C}" type="presOf" srcId="{73771D31-7550-4848-BBB1-45B457103D7B}" destId="{2DAA50D5-FA14-BE45-86DA-B9A9730BC9F6}" srcOrd="0" destOrd="2" presId="urn:microsoft.com/office/officeart/2005/8/layout/vList2"/>
     <dgm:cxn modelId="{31C73560-D88E-7644-9DCF-0CA82CEAF294}" srcId="{0C433654-E965-D74A-8D2B-CA12390B1BE6}" destId="{9B8B9F17-DF99-9342-AC93-119D0C88718A}" srcOrd="0" destOrd="0" parTransId="{3F03B0A6-64CD-7340-B8D3-3386CCC6E47C}" sibTransId="{87E57475-B415-F348-A241-4AB0464EBD3A}"/>
     <dgm:cxn modelId="{37B9D666-A530-9D49-B91C-BB30B9EB94C6}" type="presOf" srcId="{564D7D85-61B0-AC47-BE50-D8FF1763EA3C}" destId="{9AAA45CE-0B7E-7146-A7A0-1EC71B403540}" srcOrd="0" destOrd="0" presId="urn:microsoft.com/office/officeart/2005/8/layout/vList2"/>
     <dgm:cxn modelId="{D1341868-450A-0B48-956C-A3EC53293CFB}" srcId="{0C433654-E965-D74A-8D2B-CA12390B1BE6}" destId="{61718454-EC50-9E4B-AD8C-1BE44430F727}" srcOrd="1" destOrd="0" parTransId="{C75A1FD0-2289-ED4C-8567-EE1BF745405B}" sibTransId="{46204773-C91F-8D4D-9E63-0CBE17D3D70A}"/>
     <dgm:cxn modelId="{236B4C6A-8DFA-EF4F-B331-D013CDDD0BD4}" srcId="{564D7D85-61B0-AC47-BE50-D8FF1763EA3C}" destId="{73771D31-7550-4848-BBB1-45B457103D7B}" srcOrd="2" destOrd="0" parTransId="{159D9CC7-6B9F-4A40-AC64-25A291AF16D5}" sibTransId="{5574AE1C-3DE6-9C42-A029-30C88A101C78}"/>
+    <dgm:cxn modelId="{3ACD654E-CAD7-294E-972E-F084A36FF2D6}" srcId="{0C433654-E965-D74A-8D2B-CA12390B1BE6}" destId="{412A7F39-A00B-D044-AB39-A09D665D6A1C}" srcOrd="5" destOrd="0" parTransId="{A9BD4D71-B275-F843-99ED-BF7376717AE8}" sibTransId="{61907A69-2E29-3148-86C5-227ED8D0E835}"/>
+    <dgm:cxn modelId="{5F959F56-1FC3-D44E-A6E0-BCC26F547B4C}" type="presOf" srcId="{73771D31-7550-4848-BBB1-45B457103D7B}" destId="{2DAA50D5-FA14-BE45-86DA-B9A9730BC9F6}" srcOrd="0" destOrd="2" presId="urn:microsoft.com/office/officeart/2005/8/layout/vList2"/>
     <dgm:cxn modelId="{73B84877-7856-CD45-A61D-6F1AADC4E3FF}" srcId="{BACCFF47-C623-E34F-A983-98843F300FAF}" destId="{0C433654-E965-D74A-8D2B-CA12390B1BE6}" srcOrd="0" destOrd="0" parTransId="{02FFCEB3-A515-E346-B11C-37D9A7BBD5B7}" sibTransId="{834BB999-CFD7-CE45-9282-1EF61039DE75}"/>
     <dgm:cxn modelId="{25752579-793D-164C-9313-6A418016C33F}" srcId="{1F1A98DE-37C8-724C-90C4-423F3F4894B0}" destId="{04676674-70B1-6E41-9B28-5C6D5F171FD5}" srcOrd="0" destOrd="0" parTransId="{A8E85219-AA3C-4E48-A072-54F871E1E868}" sibTransId="{AD2B3E56-40F9-2746-9A3A-9DCE4C7EE261}"/>
     <dgm:cxn modelId="{3E60E693-B1F3-2245-AF12-4F5A90578EBB}" srcId="{0C433654-E965-D74A-8D2B-CA12390B1BE6}" destId="{E06A1110-479A-7F4C-B39D-4DAEABA963E7}" srcOrd="2" destOrd="0" parTransId="{BC5F00FC-2D3E-1745-BE31-54072544D41B}" sibTransId="{1724AF55-FDE9-C446-9307-B9D0D809BF81}"/>
@@ -16204,12 +16225,12 @@
     <dgm:cxn modelId="{45732234-20E2-A647-BA2C-88D0388AE703}" type="presOf" srcId="{8331E341-7701-154E-9377-ABB9C5D289AC}" destId="{61C8481A-0782-4C40-9EB2-EC1035EC8917}" srcOrd="0" destOrd="6" presId="urn:microsoft.com/office/officeart/2005/8/layout/vList2"/>
     <dgm:cxn modelId="{E4EBD939-4D9C-AA40-AE0A-3D985A271A7C}" srcId="{0C433654-E965-D74A-8D2B-CA12390B1BE6}" destId="{8331E341-7701-154E-9377-ABB9C5D289AC}" srcOrd="2" destOrd="0" parTransId="{242C600C-54D5-224F-8A6D-EB9AAB883F07}" sibTransId="{29AA2112-587E-BE46-BB18-39F1574E087F}"/>
     <dgm:cxn modelId="{8F1FCC3F-AC9D-2142-A459-AC3AA30927EA}" type="presOf" srcId="{412A7F39-A00B-D044-AB39-A09D665D6A1C}" destId="{61C8481A-0782-4C40-9EB2-EC1035EC8917}" srcOrd="0" destOrd="8" presId="urn:microsoft.com/office/officeart/2005/8/layout/vList2"/>
-    <dgm:cxn modelId="{3ACD654E-CAD7-294E-972E-F084A36FF2D6}" srcId="{0C433654-E965-D74A-8D2B-CA12390B1BE6}" destId="{412A7F39-A00B-D044-AB39-A09D665D6A1C}" srcOrd="4" destOrd="0" parTransId="{A9BD4D71-B275-F843-99ED-BF7376717AE8}" sibTransId="{61907A69-2E29-3148-86C5-227ED8D0E835}"/>
-    <dgm:cxn modelId="{B4D23251-5240-AD42-99C8-B4E1328AF168}" srcId="{564D7D85-61B0-AC47-BE50-D8FF1763EA3C}" destId="{BEA5AE8D-88E1-F34C-B887-355289E04180}" srcOrd="0" destOrd="0" parTransId="{831513FD-C84D-704D-ACAB-F94C1AF737AD}" sibTransId="{C4A55B03-A37B-EE4B-97F6-F1516E2931B7}"/>
     <dgm:cxn modelId="{31C73560-D88E-7644-9DCF-0CA82CEAF294}" srcId="{0C433654-E965-D74A-8D2B-CA12390B1BE6}" destId="{9B8B9F17-DF99-9342-AC93-119D0C88718A}" srcOrd="0" destOrd="0" parTransId="{3F03B0A6-64CD-7340-B8D3-3386CCC6E47C}" sibTransId="{87E57475-B415-F348-A241-4AB0464EBD3A}"/>
     <dgm:cxn modelId="{37B9D666-A530-9D49-B91C-BB30B9EB94C6}" type="presOf" srcId="{564D7D85-61B0-AC47-BE50-D8FF1763EA3C}" destId="{9AAA45CE-0B7E-7146-A7A0-1EC71B403540}" srcOrd="0" destOrd="0" presId="urn:microsoft.com/office/officeart/2005/8/layout/vList2"/>
     <dgm:cxn modelId="{D1341868-450A-0B48-956C-A3EC53293CFB}" srcId="{FE524CFC-88AA-674E-B029-F632042AD10E}" destId="{61718454-EC50-9E4B-AD8C-1BE44430F727}" srcOrd="1" destOrd="0" parTransId="{C75A1FD0-2289-ED4C-8567-EE1BF745405B}" sibTransId="{46204773-C91F-8D4D-9E63-0CBE17D3D70A}"/>
     <dgm:cxn modelId="{E0B4D46D-0BD0-3047-8DC5-88F8F41709EC}" type="presOf" srcId="{BEA5AE8D-88E1-F34C-B887-355289E04180}" destId="{2DAA50D5-FA14-BE45-86DA-B9A9730BC9F6}" srcOrd="0" destOrd="0" presId="urn:microsoft.com/office/officeart/2005/8/layout/vList2"/>
+    <dgm:cxn modelId="{3ACD654E-CAD7-294E-972E-F084A36FF2D6}" srcId="{0C433654-E965-D74A-8D2B-CA12390B1BE6}" destId="{412A7F39-A00B-D044-AB39-A09D665D6A1C}" srcOrd="4" destOrd="0" parTransId="{A9BD4D71-B275-F843-99ED-BF7376717AE8}" sibTransId="{61907A69-2E29-3148-86C5-227ED8D0E835}"/>
+    <dgm:cxn modelId="{B4D23251-5240-AD42-99C8-B4E1328AF168}" srcId="{564D7D85-61B0-AC47-BE50-D8FF1763EA3C}" destId="{BEA5AE8D-88E1-F34C-B887-355289E04180}" srcOrd="0" destOrd="0" parTransId="{831513FD-C84D-704D-ACAB-F94C1AF737AD}" sibTransId="{C4A55B03-A37B-EE4B-97F6-F1516E2931B7}"/>
     <dgm:cxn modelId="{73B84877-7856-CD45-A61D-6F1AADC4E3FF}" srcId="{BACCFF47-C623-E34F-A983-98843F300FAF}" destId="{0C433654-E965-D74A-8D2B-CA12390B1BE6}" srcOrd="0" destOrd="0" parTransId="{02FFCEB3-A515-E346-B11C-37D9A7BBD5B7}" sibTransId="{834BB999-CFD7-CE45-9282-1EF61039DE75}"/>
     <dgm:cxn modelId="{25752579-793D-164C-9313-6A418016C33F}" srcId="{1F1A98DE-37C8-724C-90C4-423F3F4894B0}" destId="{04676674-70B1-6E41-9B28-5C6D5F171FD5}" srcOrd="0" destOrd="0" parTransId="{A8E85219-AA3C-4E48-A072-54F871E1E868}" sibTransId="{AD2B3E56-40F9-2746-9A3A-9DCE4C7EE261}"/>
     <dgm:cxn modelId="{3E60E693-B1F3-2245-AF12-4F5A90578EBB}" srcId="{0C433654-E965-D74A-8D2B-CA12390B1BE6}" destId="{E06A1110-479A-7F4C-B39D-4DAEABA963E7}" srcOrd="1" destOrd="0" parTransId="{BC5F00FC-2D3E-1745-BE31-54072544D41B}" sibTransId="{1724AF55-FDE9-C446-9307-B9D0D809BF81}"/>
@@ -16790,10 +16811,10 @@
     <dgm:cxn modelId="{45732234-20E2-A647-BA2C-88D0388AE703}" type="presOf" srcId="{8331E341-7701-154E-9377-ABB9C5D289AC}" destId="{61C8481A-0782-4C40-9EB2-EC1035EC8917}" srcOrd="0" destOrd="6" presId="urn:microsoft.com/office/officeart/2005/8/layout/vList2"/>
     <dgm:cxn modelId="{E4EBD939-4D9C-AA40-AE0A-3D985A271A7C}" srcId="{0C433654-E965-D74A-8D2B-CA12390B1BE6}" destId="{8331E341-7701-154E-9377-ABB9C5D289AC}" srcOrd="1" destOrd="0" parTransId="{242C600C-54D5-224F-8A6D-EB9AAB883F07}" sibTransId="{29AA2112-587E-BE46-BB18-39F1574E087F}"/>
     <dgm:cxn modelId="{8F1FCC3F-AC9D-2142-A459-AC3AA30927EA}" type="presOf" srcId="{412A7F39-A00B-D044-AB39-A09D665D6A1C}" destId="{61C8481A-0782-4C40-9EB2-EC1035EC8917}" srcOrd="0" destOrd="8" presId="urn:microsoft.com/office/officeart/2005/8/layout/vList2"/>
-    <dgm:cxn modelId="{3ACD654E-CAD7-294E-972E-F084A36FF2D6}" srcId="{0C433654-E965-D74A-8D2B-CA12390B1BE6}" destId="{412A7F39-A00B-D044-AB39-A09D665D6A1C}" srcOrd="3" destOrd="0" parTransId="{A9BD4D71-B275-F843-99ED-BF7376717AE8}" sibTransId="{61907A69-2E29-3148-86C5-227ED8D0E835}"/>
     <dgm:cxn modelId="{31C73560-D88E-7644-9DCF-0CA82CEAF294}" srcId="{0C433654-E965-D74A-8D2B-CA12390B1BE6}" destId="{9B8B9F17-DF99-9342-AC93-119D0C88718A}" srcOrd="0" destOrd="0" parTransId="{3F03B0A6-64CD-7340-B8D3-3386CCC6E47C}" sibTransId="{87E57475-B415-F348-A241-4AB0464EBD3A}"/>
     <dgm:cxn modelId="{37B9D666-A530-9D49-B91C-BB30B9EB94C6}" type="presOf" srcId="{564D7D85-61B0-AC47-BE50-D8FF1763EA3C}" destId="{9AAA45CE-0B7E-7146-A7A0-1EC71B403540}" srcOrd="0" destOrd="0" presId="urn:microsoft.com/office/officeart/2005/8/layout/vList2"/>
     <dgm:cxn modelId="{D1341868-450A-0B48-956C-A3EC53293CFB}" srcId="{FE524CFC-88AA-674E-B029-F632042AD10E}" destId="{61718454-EC50-9E4B-AD8C-1BE44430F727}" srcOrd="1" destOrd="0" parTransId="{C75A1FD0-2289-ED4C-8567-EE1BF745405B}" sibTransId="{46204773-C91F-8D4D-9E63-0CBE17D3D70A}"/>
+    <dgm:cxn modelId="{3ACD654E-CAD7-294E-972E-F084A36FF2D6}" srcId="{0C433654-E965-D74A-8D2B-CA12390B1BE6}" destId="{412A7F39-A00B-D044-AB39-A09D665D6A1C}" srcOrd="3" destOrd="0" parTransId="{A9BD4D71-B275-F843-99ED-BF7376717AE8}" sibTransId="{61907A69-2E29-3148-86C5-227ED8D0E835}"/>
     <dgm:cxn modelId="{73B84877-7856-CD45-A61D-6F1AADC4E3FF}" srcId="{BACCFF47-C623-E34F-A983-98843F300FAF}" destId="{0C433654-E965-D74A-8D2B-CA12390B1BE6}" srcOrd="0" destOrd="0" parTransId="{02FFCEB3-A515-E346-B11C-37D9A7BBD5B7}" sibTransId="{834BB999-CFD7-CE45-9282-1EF61039DE75}"/>
     <dgm:cxn modelId="{25752579-793D-164C-9313-6A418016C33F}" srcId="{1F1A98DE-37C8-724C-90C4-423F3F4894B0}" destId="{04676674-70B1-6E41-9B28-5C6D5F171FD5}" srcOrd="0" destOrd="0" parTransId="{A8E85219-AA3C-4E48-A072-54F871E1E868}" sibTransId="{AD2B3E56-40F9-2746-9A3A-9DCE4C7EE261}"/>
     <dgm:cxn modelId="{3E60E693-B1F3-2245-AF12-4F5A90578EBB}" srcId="{61718454-EC50-9E4B-AD8C-1BE44430F727}" destId="{E06A1110-479A-7F4C-B39D-4DAEABA963E7}" srcOrd="0" destOrd="0" parTransId="{BC5F00FC-2D3E-1745-BE31-54072544D41B}" sibTransId="{1724AF55-FDE9-C446-9307-B9D0D809BF81}"/>
@@ -17384,11 +17405,11 @@
     <dgm:cxn modelId="{45732234-20E2-A647-BA2C-88D0388AE703}" type="presOf" srcId="{8331E341-7701-154E-9377-ABB9C5D289AC}" destId="{61C8481A-0782-4C40-9EB2-EC1035EC8917}" srcOrd="0" destOrd="6" presId="urn:microsoft.com/office/officeart/2005/8/layout/vList2"/>
     <dgm:cxn modelId="{E4EBD939-4D9C-AA40-AE0A-3D985A271A7C}" srcId="{0C433654-E965-D74A-8D2B-CA12390B1BE6}" destId="{8331E341-7701-154E-9377-ABB9C5D289AC}" srcOrd="1" destOrd="0" parTransId="{242C600C-54D5-224F-8A6D-EB9AAB883F07}" sibTransId="{29AA2112-587E-BE46-BB18-39F1574E087F}"/>
     <dgm:cxn modelId="{8F1FCC3F-AC9D-2142-A459-AC3AA30927EA}" type="presOf" srcId="{412A7F39-A00B-D044-AB39-A09D665D6A1C}" destId="{61C8481A-0782-4C40-9EB2-EC1035EC8917}" srcOrd="0" destOrd="8" presId="urn:microsoft.com/office/officeart/2005/8/layout/vList2"/>
-    <dgm:cxn modelId="{3ACD654E-CAD7-294E-972E-F084A36FF2D6}" srcId="{0C433654-E965-D74A-8D2B-CA12390B1BE6}" destId="{412A7F39-A00B-D044-AB39-A09D665D6A1C}" srcOrd="3" destOrd="0" parTransId="{A9BD4D71-B275-F843-99ED-BF7376717AE8}" sibTransId="{61907A69-2E29-3148-86C5-227ED8D0E835}"/>
-    <dgm:cxn modelId="{E9426954-DD17-7442-9B0C-4523BFC5103C}" type="presOf" srcId="{55952B83-399C-A440-A094-953E65E935A3}" destId="{2DAA50D5-FA14-BE45-86DA-B9A9730BC9F6}" srcOrd="0" destOrd="2" presId="urn:microsoft.com/office/officeart/2005/8/layout/vList2"/>
     <dgm:cxn modelId="{31C73560-D88E-7644-9DCF-0CA82CEAF294}" srcId="{0C433654-E965-D74A-8D2B-CA12390B1BE6}" destId="{9B8B9F17-DF99-9342-AC93-119D0C88718A}" srcOrd="0" destOrd="0" parTransId="{3F03B0A6-64CD-7340-B8D3-3386CCC6E47C}" sibTransId="{87E57475-B415-F348-A241-4AB0464EBD3A}"/>
     <dgm:cxn modelId="{37B9D666-A530-9D49-B91C-BB30B9EB94C6}" type="presOf" srcId="{564D7D85-61B0-AC47-BE50-D8FF1763EA3C}" destId="{9AAA45CE-0B7E-7146-A7A0-1EC71B403540}" srcOrd="0" destOrd="0" presId="urn:microsoft.com/office/officeart/2005/8/layout/vList2"/>
     <dgm:cxn modelId="{D1341868-450A-0B48-956C-A3EC53293CFB}" srcId="{FE524CFC-88AA-674E-B029-F632042AD10E}" destId="{61718454-EC50-9E4B-AD8C-1BE44430F727}" srcOrd="1" destOrd="0" parTransId="{C75A1FD0-2289-ED4C-8567-EE1BF745405B}" sibTransId="{46204773-C91F-8D4D-9E63-0CBE17D3D70A}"/>
+    <dgm:cxn modelId="{3ACD654E-CAD7-294E-972E-F084A36FF2D6}" srcId="{0C433654-E965-D74A-8D2B-CA12390B1BE6}" destId="{412A7F39-A00B-D044-AB39-A09D665D6A1C}" srcOrd="3" destOrd="0" parTransId="{A9BD4D71-B275-F843-99ED-BF7376717AE8}" sibTransId="{61907A69-2E29-3148-86C5-227ED8D0E835}"/>
+    <dgm:cxn modelId="{E9426954-DD17-7442-9B0C-4523BFC5103C}" type="presOf" srcId="{55952B83-399C-A440-A094-953E65E935A3}" destId="{2DAA50D5-FA14-BE45-86DA-B9A9730BC9F6}" srcOrd="0" destOrd="2" presId="urn:microsoft.com/office/officeart/2005/8/layout/vList2"/>
     <dgm:cxn modelId="{73B84877-7856-CD45-A61D-6F1AADC4E3FF}" srcId="{BACCFF47-C623-E34F-A983-98843F300FAF}" destId="{0C433654-E965-D74A-8D2B-CA12390B1BE6}" srcOrd="0" destOrd="0" parTransId="{02FFCEB3-A515-E346-B11C-37D9A7BBD5B7}" sibTransId="{834BB999-CFD7-CE45-9282-1EF61039DE75}"/>
     <dgm:cxn modelId="{25752579-793D-164C-9313-6A418016C33F}" srcId="{1F1A98DE-37C8-724C-90C4-423F3F4894B0}" destId="{04676674-70B1-6E41-9B28-5C6D5F171FD5}" srcOrd="0" destOrd="0" parTransId="{A8E85219-AA3C-4E48-A072-54F871E1E868}" sibTransId="{AD2B3E56-40F9-2746-9A3A-9DCE4C7EE261}"/>
     <dgm:cxn modelId="{3E60E693-B1F3-2245-AF12-4F5A90578EBB}" srcId="{61718454-EC50-9E4B-AD8C-1BE44430F727}" destId="{E06A1110-479A-7F4C-B39D-4DAEABA963E7}" srcOrd="0" destOrd="0" parTransId="{BC5F00FC-2D3E-1745-BE31-54072544D41B}" sibTransId="{1724AF55-FDE9-C446-9307-B9D0D809BF81}"/>
@@ -39584,7 +39605,7 @@
               <a:pPr>
                 <a:defRPr/>
               </a:pPr>
-              <a:t>29.06.2018</a:t>
+              <a:t>21.02.2021</a:t>
             </a:fld>
             <a:endParaRPr lang="pl-PL"/>
           </a:p>
@@ -40065,7 +40086,7 @@
               <a:pPr>
                 <a:defRPr/>
               </a:pPr>
-              <a:t>29.06.2018</a:t>
+              <a:t>21.02.2021</a:t>
             </a:fld>
             <a:endParaRPr lang="pl-PL"/>
           </a:p>
@@ -40273,7 +40294,7 @@
               <a:pPr>
                 <a:defRPr/>
               </a:pPr>
-              <a:t>29.06.2018</a:t>
+              <a:t>21.02.2021</a:t>
             </a:fld>
             <a:endParaRPr lang="pl-PL"/>
           </a:p>
@@ -40491,7 +40512,7 @@
               <a:pPr>
                 <a:defRPr/>
               </a:pPr>
-              <a:t>29.06.2018</a:t>
+              <a:t>21.02.2021</a:t>
             </a:fld>
             <a:endParaRPr lang="pl-PL"/>
           </a:p>
@@ -40699,7 +40720,7 @@
               <a:pPr>
                 <a:defRPr/>
               </a:pPr>
-              <a:t>29.06.2018</a:t>
+              <a:t>21.02.2021</a:t>
             </a:fld>
             <a:endParaRPr lang="pl-PL"/>
           </a:p>
@@ -40984,7 +41005,7 @@
               <a:pPr>
                 <a:defRPr/>
               </a:pPr>
-              <a:t>29.06.2018</a:t>
+              <a:t>21.02.2021</a:t>
             </a:fld>
             <a:endParaRPr lang="pl-PL"/>
           </a:p>
@@ -41253,7 +41274,7 @@
               <a:pPr>
                 <a:defRPr/>
               </a:pPr>
-              <a:t>29.06.2018</a:t>
+              <a:t>21.02.2021</a:t>
             </a:fld>
             <a:endParaRPr lang="pl-PL"/>
           </a:p>
@@ -41657,7 +41678,7 @@
               <a:pPr>
                 <a:defRPr/>
               </a:pPr>
-              <a:t>29.06.2018</a:t>
+              <a:t>21.02.2021</a:t>
             </a:fld>
             <a:endParaRPr lang="pl-PL"/>
           </a:p>
@@ -41814,7 +41835,7 @@
               <a:pPr>
                 <a:defRPr/>
               </a:pPr>
-              <a:t>29.06.2018</a:t>
+              <a:t>21.02.2021</a:t>
             </a:fld>
             <a:endParaRPr lang="pl-PL"/>
           </a:p>
@@ -41949,7 +41970,7 @@
               <a:pPr>
                 <a:defRPr/>
               </a:pPr>
-              <a:t>29.06.2018</a:t>
+              <a:t>21.02.2021</a:t>
             </a:fld>
             <a:endParaRPr lang="pl-PL"/>
           </a:p>
@@ -42264,7 +42285,7 @@
               <a:pPr>
                 <a:defRPr/>
               </a:pPr>
-              <a:t>29.06.2018</a:t>
+              <a:t>21.02.2021</a:t>
             </a:fld>
             <a:endParaRPr lang="pl-PL"/>
           </a:p>
@@ -42559,7 +42580,7 @@
               <a:pPr>
                 <a:defRPr/>
               </a:pPr>
-              <a:t>29.06.2018</a:t>
+              <a:t>21.02.2021</a:t>
             </a:fld>
             <a:endParaRPr lang="pl-PL"/>
           </a:p>
@@ -42880,7 +42901,7 @@
               <a:pPr>
                 <a:defRPr/>
               </a:pPr>
-              <a:t>29.06.2018</a:t>
+              <a:t>21.02.2021</a:t>
             </a:fld>
             <a:endParaRPr lang="pl-PL"/>
           </a:p>
@@ -43550,532 +43571,7 @@
         <p:nvGraphicFramePr>
           <p:cNvPr id="7" name="Diagram 6"/>
           <p:cNvGraphicFramePr/>
-          <p:nvPr>
-            <p:extLst>
-              <p:ext uri="{D42A27DB-BD31-4B8C-83A1-F6EECF244321}">
-                <p14:modId xmlns:p14="http://schemas.microsoft.com/office/powerpoint/2010/main" val="1036529082"/>
-              </p:ext>
-            </p:extLst>
-          </p:nvPr>
-        </p:nvGraphicFramePr>
-        <p:xfrm>
-          <a:off x="5874419" y="639129"/>
-          <a:ext cx="5423613" cy="5278786"/>
-        </p:xfrm>
-        <a:graphic>
-          <a:graphicData uri="http://schemas.openxmlformats.org/drawingml/2006/diagram">
-            <dgm:relIds xmlns:dgm="http://schemas.openxmlformats.org/drawingml/2006/diagram" xmlns:r="http://schemas.openxmlformats.org/officeDocument/2006/relationships" r:dm="rId2" r:lo="rId3" r:qs="rId4" r:cs="rId5"/>
-          </a:graphicData>
-        </a:graphic>
-      </p:graphicFrame>
-      <p:sp>
-        <p:nvSpPr>
-          <p:cNvPr id="42" name="pole tekstowe 41">
-            <a:extLst>
-              <a:ext uri="{FF2B5EF4-FFF2-40B4-BE49-F238E27FC236}">
-                <a16:creationId xmlns:a16="http://schemas.microsoft.com/office/drawing/2014/main" id="{35EE22A1-F34D-7D4B-BC0C-1EE767C0ADF3}"/>
-              </a:ext>
-            </a:extLst>
-          </p:cNvPr>
-          <p:cNvSpPr txBox="1"/>
           <p:nvPr/>
-        </p:nvSpPr>
-        <p:spPr>
-          <a:xfrm>
-            <a:off x="676346" y="117480"/>
-            <a:ext cx="11515653" cy="523220"/>
-          </a:xfrm>
-          <a:prstGeom prst="rect">
-            <a:avLst/>
-          </a:prstGeom>
-          <a:noFill/>
-        </p:spPr>
-        <p:txBody>
-          <a:bodyPr wrap="square" rtlCol="0">
-            <a:spAutoFit/>
-          </a:bodyPr>
-          <a:lstStyle/>
-          <a:p>
-            <a:r>
-              <a:rPr lang="pl-PL" sz="2800" b="1" dirty="0">
-                <a:latin typeface="+mj-lt"/>
-              </a:rPr>
-              <a:t>Wyrzucamy pudełko 4</a:t>
-            </a:r>
-          </a:p>
-        </p:txBody>
-      </p:sp>
-      <p:grpSp>
-        <p:nvGrpSpPr>
-          <p:cNvPr id="43" name="Grupa 38">
-            <a:extLst>
-              <a:ext uri="{FF2B5EF4-FFF2-40B4-BE49-F238E27FC236}">
-                <a16:creationId xmlns:a16="http://schemas.microsoft.com/office/drawing/2014/main" id="{3FB6C04F-ED80-BB41-AE79-24450FEBD822}"/>
-              </a:ext>
-            </a:extLst>
-          </p:cNvPr>
-          <p:cNvGrpSpPr>
-            <a:grpSpLocks/>
-          </p:cNvGrpSpPr>
-          <p:nvPr/>
-        </p:nvGrpSpPr>
-        <p:grpSpPr bwMode="auto">
-          <a:xfrm>
-            <a:off x="676346" y="938694"/>
-            <a:ext cx="4402138" cy="4979221"/>
-            <a:chOff x="3487784" y="1711236"/>
-            <a:chExt cx="4402182" cy="4977019"/>
-          </a:xfrm>
-        </p:grpSpPr>
-        <p:sp>
-          <p:nvSpPr>
-            <p:cNvPr id="46" name="Prostokąt 45">
-              <a:extLst>
-                <a:ext uri="{FF2B5EF4-FFF2-40B4-BE49-F238E27FC236}">
-                  <a16:creationId xmlns:a16="http://schemas.microsoft.com/office/drawing/2014/main" id="{CC3C324B-0D55-6645-A09C-2BA1C51349DB}"/>
-                </a:ext>
-              </a:extLst>
-            </p:cNvPr>
-            <p:cNvSpPr/>
-            <p:nvPr/>
-          </p:nvSpPr>
-          <p:spPr>
-            <a:xfrm>
-              <a:off x="5834132" y="1968297"/>
-              <a:ext cx="1790718" cy="3805191"/>
-            </a:xfrm>
-            <a:prstGeom prst="rect">
-              <a:avLst/>
-            </a:prstGeom>
-            <a:noFill/>
-          </p:spPr>
-          <p:style>
-            <a:lnRef idx="2">
-              <a:schemeClr val="accent1">
-                <a:shade val="50000"/>
-              </a:schemeClr>
-            </a:lnRef>
-            <a:fillRef idx="1">
-              <a:schemeClr val="accent1"/>
-            </a:fillRef>
-            <a:effectRef idx="0">
-              <a:schemeClr val="accent1"/>
-            </a:effectRef>
-            <a:fontRef idx="minor">
-              <a:schemeClr val="lt1"/>
-            </a:fontRef>
-          </p:style>
-          <p:txBody>
-            <a:bodyPr anchor="ctr"/>
-            <a:lstStyle/>
-            <a:p>
-              <a:pPr algn="ctr" fontAlgn="auto">
-                <a:spcBef>
-                  <a:spcPts val="0"/>
-                </a:spcBef>
-                <a:spcAft>
-                  <a:spcPts val="0"/>
-                </a:spcAft>
-                <a:defRPr/>
-              </a:pPr>
-              <a:endParaRPr lang="pl-PL"/>
-            </a:p>
-          </p:txBody>
-        </p:sp>
-        <p:sp>
-          <p:nvSpPr>
-            <p:cNvPr id="47" name="Prostokąt 46">
-              <a:extLst>
-                <a:ext uri="{FF2B5EF4-FFF2-40B4-BE49-F238E27FC236}">
-                  <a16:creationId xmlns:a16="http://schemas.microsoft.com/office/drawing/2014/main" id="{51A61060-F834-2041-8CB0-976217A1DE7D}"/>
-                </a:ext>
-              </a:extLst>
-            </p:cNvPr>
-            <p:cNvSpPr/>
-            <p:nvPr/>
-          </p:nvSpPr>
-          <p:spPr>
-            <a:xfrm>
-              <a:off x="3752900" y="2238052"/>
-              <a:ext cx="1720867" cy="3967530"/>
-            </a:xfrm>
-            <a:prstGeom prst="rect">
-              <a:avLst/>
-            </a:prstGeom>
-            <a:noFill/>
-          </p:spPr>
-          <p:style>
-            <a:lnRef idx="2">
-              <a:schemeClr val="accent1">
-                <a:shade val="50000"/>
-              </a:schemeClr>
-            </a:lnRef>
-            <a:fillRef idx="1">
-              <a:schemeClr val="accent1"/>
-            </a:fillRef>
-            <a:effectRef idx="0">
-              <a:schemeClr val="accent1"/>
-            </a:effectRef>
-            <a:fontRef idx="minor">
-              <a:schemeClr val="lt1"/>
-            </a:fontRef>
-          </p:style>
-          <p:txBody>
-            <a:bodyPr anchor="ctr"/>
-            <a:lstStyle/>
-            <a:p>
-              <a:pPr algn="ctr" fontAlgn="auto">
-                <a:spcBef>
-                  <a:spcPts val="0"/>
-                </a:spcBef>
-                <a:spcAft>
-                  <a:spcPts val="0"/>
-                </a:spcAft>
-                <a:defRPr/>
-              </a:pPr>
-              <a:endParaRPr lang="pl-PL"/>
-            </a:p>
-          </p:txBody>
-        </p:sp>
-        <p:sp>
-          <p:nvSpPr>
-            <p:cNvPr id="48" name="Prostokąt 47">
-              <a:extLst>
-                <a:ext uri="{FF2B5EF4-FFF2-40B4-BE49-F238E27FC236}">
-                  <a16:creationId xmlns:a16="http://schemas.microsoft.com/office/drawing/2014/main" id="{7EC55D12-4F95-6347-8339-6C288767BC27}"/>
-                </a:ext>
-              </a:extLst>
-            </p:cNvPr>
-            <p:cNvSpPr/>
-            <p:nvPr/>
-          </p:nvSpPr>
-          <p:spPr>
-            <a:xfrm>
-              <a:off x="3487784" y="1711236"/>
-              <a:ext cx="4402182" cy="4977019"/>
-            </a:xfrm>
-            <a:prstGeom prst="rect">
-              <a:avLst/>
-            </a:prstGeom>
-            <a:noFill/>
-            <a:ln w="25400"/>
-          </p:spPr>
-          <p:style>
-            <a:lnRef idx="2">
-              <a:schemeClr val="accent1">
-                <a:shade val="50000"/>
-              </a:schemeClr>
-            </a:lnRef>
-            <a:fillRef idx="1">
-              <a:schemeClr val="accent1"/>
-            </a:fillRef>
-            <a:effectRef idx="0">
-              <a:schemeClr val="accent1"/>
-            </a:effectRef>
-            <a:fontRef idx="minor">
-              <a:schemeClr val="lt1"/>
-            </a:fontRef>
-          </p:style>
-          <p:txBody>
-            <a:bodyPr anchor="ctr"/>
-            <a:lstStyle/>
-            <a:p>
-              <a:pPr algn="ctr" fontAlgn="auto">
-                <a:spcBef>
-                  <a:spcPts val="0"/>
-                </a:spcBef>
-                <a:spcAft>
-                  <a:spcPts val="0"/>
-                </a:spcAft>
-                <a:defRPr/>
-              </a:pPr>
-              <a:endParaRPr lang="pl-PL"/>
-            </a:p>
-          </p:txBody>
-        </p:sp>
-        <p:grpSp>
-          <p:nvGrpSpPr>
-            <p:cNvPr id="55" name="Grupa 29">
-              <a:extLst>
-                <a:ext uri="{FF2B5EF4-FFF2-40B4-BE49-F238E27FC236}">
-                  <a16:creationId xmlns:a16="http://schemas.microsoft.com/office/drawing/2014/main" id="{FBD6FFA2-7AA2-F540-8570-F01D61FB0BB7}"/>
-                </a:ext>
-              </a:extLst>
-            </p:cNvPr>
-            <p:cNvGrpSpPr>
-              <a:grpSpLocks/>
-            </p:cNvGrpSpPr>
-            <p:nvPr/>
-          </p:nvGrpSpPr>
-          <p:grpSpPr bwMode="auto">
-            <a:xfrm>
-              <a:off x="5929448" y="1998613"/>
-              <a:ext cx="339728" cy="369333"/>
-              <a:chOff x="8631869" y="71250"/>
-              <a:chExt cx="522658" cy="604361"/>
-            </a:xfrm>
-          </p:grpSpPr>
-          <p:sp>
-            <p:nvSpPr>
-              <p:cNvPr id="59" name="Elipsa 30">
-                <a:extLst>
-                  <a:ext uri="{FF2B5EF4-FFF2-40B4-BE49-F238E27FC236}">
-                    <a16:creationId xmlns:a16="http://schemas.microsoft.com/office/drawing/2014/main" id="{FAB08FB6-71B1-544E-A34A-EA201798B272}"/>
-                  </a:ext>
-                </a:extLst>
-              </p:cNvPr>
-              <p:cNvSpPr/>
-              <p:nvPr/>
-            </p:nvSpPr>
-            <p:spPr>
-              <a:xfrm>
-                <a:off x="8631869" y="138442"/>
-                <a:ext cx="522658" cy="469979"/>
-              </a:xfrm>
-              <a:prstGeom prst="ellipse">
-                <a:avLst/>
-              </a:prstGeom>
-            </p:spPr>
-            <p:style>
-              <a:lnRef idx="2">
-                <a:schemeClr val="accent1">
-                  <a:shade val="50000"/>
-                </a:schemeClr>
-              </a:lnRef>
-              <a:fillRef idx="1">
-                <a:schemeClr val="accent1"/>
-              </a:fillRef>
-              <a:effectRef idx="0">
-                <a:schemeClr val="accent1"/>
-              </a:effectRef>
-              <a:fontRef idx="minor">
-                <a:schemeClr val="lt1"/>
-              </a:fontRef>
-            </p:style>
-            <p:txBody>
-              <a:bodyPr anchor="ctr"/>
-              <a:lstStyle/>
-              <a:p>
-                <a:pPr algn="ctr" fontAlgn="auto">
-                  <a:spcBef>
-                    <a:spcPts val="0"/>
-                  </a:spcBef>
-                  <a:spcAft>
-                    <a:spcPts val="0"/>
-                  </a:spcAft>
-                  <a:defRPr/>
-                </a:pPr>
-                <a:endParaRPr lang="pl-PL"/>
-              </a:p>
-            </p:txBody>
-          </p:sp>
-          <p:sp>
-            <p:nvSpPr>
-              <p:cNvPr id="60" name="pole tekstowe 31">
-                <a:extLst>
-                  <a:ext uri="{FF2B5EF4-FFF2-40B4-BE49-F238E27FC236}">
-                    <a16:creationId xmlns:a16="http://schemas.microsoft.com/office/drawing/2014/main" id="{40D58FDA-5317-3746-A52F-90CDD4171FA2}"/>
-                  </a:ext>
-                </a:extLst>
-              </p:cNvPr>
-              <p:cNvSpPr txBox="1">
-                <a:spLocks noChangeArrowheads="1"/>
-              </p:cNvSpPr>
-              <p:nvPr/>
-            </p:nvSpPr>
-            <p:spPr bwMode="auto">
-              <a:xfrm>
-                <a:off x="8704474" y="71250"/>
-                <a:ext cx="313509" cy="604361"/>
-              </a:xfrm>
-              <a:prstGeom prst="rect">
-                <a:avLst/>
-              </a:prstGeom>
-              <a:noFill/>
-              <a:ln>
-                <a:noFill/>
-              </a:ln>
-              <a:extLst>
-                <a:ext uri="{909E8E84-426E-40DD-AFC4-6F175D3DCCD1}">
-                  <a14:hiddenFill xmlns:a14="http://schemas.microsoft.com/office/drawing/2010/main">
-                    <a:solidFill>
-                      <a:srgbClr val="FFFFFF"/>
-                    </a:solidFill>
-                  </a14:hiddenFill>
-                </a:ext>
-                <a:ext uri="{91240B29-F687-4F45-9708-019B960494DF}">
-                  <a14:hiddenLine xmlns:a14="http://schemas.microsoft.com/office/drawing/2010/main" w="9525">
-                    <a:solidFill>
-                      <a:srgbClr val="000000"/>
-                    </a:solidFill>
-                    <a:miter lim="800000"/>
-                    <a:headEnd/>
-                    <a:tailEnd/>
-                  </a14:hiddenLine>
-                </a:ext>
-              </a:extLst>
-            </p:spPr>
-            <p:txBody>
-              <a:bodyPr>
-                <a:spAutoFit/>
-              </a:bodyPr>
-              <a:lstStyle>
-                <a:lvl1pPr eaLnBrk="0" hangingPunct="0">
-                  <a:defRPr>
-                    <a:solidFill>
-                      <a:schemeClr val="tx1"/>
-                    </a:solidFill>
-                    <a:latin typeface="Arial" panose="020B0604020202020204" pitchFamily="34" charset="0"/>
-                    <a:cs typeface="Arial" panose="020B0604020202020204" pitchFamily="34" charset="0"/>
-                  </a:defRPr>
-                </a:lvl1pPr>
-                <a:lvl2pPr marL="742950" indent="-285750" eaLnBrk="0" hangingPunct="0">
-                  <a:defRPr>
-                    <a:solidFill>
-                      <a:schemeClr val="tx1"/>
-                    </a:solidFill>
-                    <a:latin typeface="Arial" panose="020B0604020202020204" pitchFamily="34" charset="0"/>
-                    <a:cs typeface="Arial" panose="020B0604020202020204" pitchFamily="34" charset="0"/>
-                  </a:defRPr>
-                </a:lvl2pPr>
-                <a:lvl3pPr marL="1143000" indent="-228600" eaLnBrk="0" hangingPunct="0">
-                  <a:defRPr>
-                    <a:solidFill>
-                      <a:schemeClr val="tx1"/>
-                    </a:solidFill>
-                    <a:latin typeface="Arial" panose="020B0604020202020204" pitchFamily="34" charset="0"/>
-                    <a:cs typeface="Arial" panose="020B0604020202020204" pitchFamily="34" charset="0"/>
-                  </a:defRPr>
-                </a:lvl3pPr>
-                <a:lvl4pPr marL="1600200" indent="-228600" eaLnBrk="0" hangingPunct="0">
-                  <a:defRPr>
-                    <a:solidFill>
-                      <a:schemeClr val="tx1"/>
-                    </a:solidFill>
-                    <a:latin typeface="Arial" panose="020B0604020202020204" pitchFamily="34" charset="0"/>
-                    <a:cs typeface="Arial" panose="020B0604020202020204" pitchFamily="34" charset="0"/>
-                  </a:defRPr>
-                </a:lvl4pPr>
-                <a:lvl5pPr marL="2057400" indent="-228600" eaLnBrk="0" hangingPunct="0">
-                  <a:defRPr>
-                    <a:solidFill>
-                      <a:schemeClr val="tx1"/>
-                    </a:solidFill>
-                    <a:latin typeface="Arial" panose="020B0604020202020204" pitchFamily="34" charset="0"/>
-                    <a:cs typeface="Arial" panose="020B0604020202020204" pitchFamily="34" charset="0"/>
-                  </a:defRPr>
-                </a:lvl5pPr>
-                <a:lvl6pPr marL="2514600" indent="-228600" eaLnBrk="0" fontAlgn="base" hangingPunct="0">
-                  <a:spcBef>
-                    <a:spcPct val="0"/>
-                  </a:spcBef>
-                  <a:spcAft>
-                    <a:spcPct val="0"/>
-                  </a:spcAft>
-                  <a:defRPr>
-                    <a:solidFill>
-                      <a:schemeClr val="tx1"/>
-                    </a:solidFill>
-                    <a:latin typeface="Arial" panose="020B0604020202020204" pitchFamily="34" charset="0"/>
-                    <a:cs typeface="Arial" panose="020B0604020202020204" pitchFamily="34" charset="0"/>
-                  </a:defRPr>
-                </a:lvl6pPr>
-                <a:lvl7pPr marL="2971800" indent="-228600" eaLnBrk="0" fontAlgn="base" hangingPunct="0">
-                  <a:spcBef>
-                    <a:spcPct val="0"/>
-                  </a:spcBef>
-                  <a:spcAft>
-                    <a:spcPct val="0"/>
-                  </a:spcAft>
-                  <a:defRPr>
-                    <a:solidFill>
-                      <a:schemeClr val="tx1"/>
-                    </a:solidFill>
-                    <a:latin typeface="Arial" panose="020B0604020202020204" pitchFamily="34" charset="0"/>
-                    <a:cs typeface="Arial" panose="020B0604020202020204" pitchFamily="34" charset="0"/>
-                  </a:defRPr>
-                </a:lvl7pPr>
-                <a:lvl8pPr marL="3429000" indent="-228600" eaLnBrk="0" fontAlgn="base" hangingPunct="0">
-                  <a:spcBef>
-                    <a:spcPct val="0"/>
-                  </a:spcBef>
-                  <a:spcAft>
-                    <a:spcPct val="0"/>
-                  </a:spcAft>
-                  <a:defRPr>
-                    <a:solidFill>
-                      <a:schemeClr val="tx1"/>
-                    </a:solidFill>
-                    <a:latin typeface="Arial" panose="020B0604020202020204" pitchFamily="34" charset="0"/>
-                    <a:cs typeface="Arial" panose="020B0604020202020204" pitchFamily="34" charset="0"/>
-                  </a:defRPr>
-                </a:lvl8pPr>
-                <a:lvl9pPr marL="3886200" indent="-228600" eaLnBrk="0" fontAlgn="base" hangingPunct="0">
-                  <a:spcBef>
-                    <a:spcPct val="0"/>
-                  </a:spcBef>
-                  <a:spcAft>
-                    <a:spcPct val="0"/>
-                  </a:spcAft>
-                  <a:defRPr>
-                    <a:solidFill>
-                      <a:schemeClr val="tx1"/>
-                    </a:solidFill>
-                    <a:latin typeface="Arial" panose="020B0604020202020204" pitchFamily="34" charset="0"/>
-                    <a:cs typeface="Arial" panose="020B0604020202020204" pitchFamily="34" charset="0"/>
-                  </a:defRPr>
-                </a:lvl9pPr>
-              </a:lstStyle>
-              <a:p>
-                <a:pPr eaLnBrk="1" hangingPunct="1"/>
-                <a:r>
-                  <a:rPr lang="pl-PL" altLang="pl-PL" dirty="0">
-                    <a:latin typeface="Calibri" panose="020F0502020204030204" pitchFamily="34" charset="0"/>
-                  </a:rPr>
-                  <a:t>5</a:t>
-                </a:r>
-              </a:p>
-            </p:txBody>
-          </p:sp>
-        </p:grpSp>
-      </p:grpSp>
-    </p:spTree>
-    <p:extLst>
-      <p:ext uri="{BB962C8B-B14F-4D97-AF65-F5344CB8AC3E}">
-        <p14:creationId xmlns:p14="http://schemas.microsoft.com/office/powerpoint/2010/main" val="4008179404"/>
-      </p:ext>
-    </p:extLst>
-  </p:cSld>
-  <p:clrMapOvr>
-    <a:masterClrMapping/>
-  </p:clrMapOvr>
-</p:sld>
-</file>
-
-<file path=ppt/slides/slide11.xml><?xml version="1.0" encoding="utf-8"?>
-<p:sld xmlns:a="http://schemas.openxmlformats.org/drawingml/2006/main" xmlns:r="http://schemas.openxmlformats.org/officeDocument/2006/relationships" xmlns:p="http://schemas.openxmlformats.org/presentationml/2006/main">
-  <p:cSld>
-    <p:spTree>
-      <p:nvGrpSpPr>
-        <p:cNvPr id="1" name=""/>
-        <p:cNvGrpSpPr/>
-        <p:nvPr/>
-      </p:nvGrpSpPr>
-      <p:grpSpPr>
-        <a:xfrm>
-          <a:off x="0" y="0"/>
-          <a:ext cx="0" cy="0"/>
-          <a:chOff x="0" y="0"/>
-          <a:chExt cx="0" cy="0"/>
-        </a:xfrm>
-      </p:grpSpPr>
-      <p:graphicFrame>
-        <p:nvGraphicFramePr>
-          <p:cNvPr id="7" name="Diagram 6"/>
-          <p:cNvGraphicFramePr/>
-          <p:nvPr>
-            <p:extLst/>
-          </p:nvPr>
         </p:nvGraphicFramePr>
         <p:xfrm>
           <a:off x="5874419" y="639129"/>
@@ -44571,7 +44067,7 @@
 </p:sld>
 </file>
 
-<file path=ppt/slides/slide12.xml><?xml version="1.0" encoding="utf-8"?>
+<file path=ppt/slides/slide11.xml><?xml version="1.0" encoding="utf-8"?>
 <p:sld xmlns:a="http://schemas.openxmlformats.org/drawingml/2006/main" xmlns:r="http://schemas.openxmlformats.org/officeDocument/2006/relationships" xmlns:p="http://schemas.openxmlformats.org/presentationml/2006/main">
   <p:cSld>
     <p:spTree>
@@ -45039,7 +44535,7 @@
 </p:sld>
 </file>
 
-<file path=ppt/slides/slide13.xml><?xml version="1.0" encoding="utf-8"?>
+<file path=ppt/slides/slide12.xml><?xml version="1.0" encoding="utf-8"?>
 <p:sld xmlns:a="http://schemas.openxmlformats.org/drawingml/2006/main" xmlns:r="http://schemas.openxmlformats.org/officeDocument/2006/relationships" xmlns:p="http://schemas.openxmlformats.org/presentationml/2006/main">
   <p:cSld>
     <p:spTree>
@@ -45060,9 +44556,7 @@
         <p:nvGraphicFramePr>
           <p:cNvPr id="7" name="Diagram 6"/>
           <p:cNvGraphicFramePr/>
-          <p:nvPr>
-            <p:extLst/>
-          </p:nvPr>
+          <p:nvPr/>
         </p:nvGraphicFramePr>
         <p:xfrm>
           <a:off x="5874419" y="639129"/>
@@ -45503,7 +44997,7 @@
 </p:sld>
 </file>
 
-<file path=ppt/slides/slide14.xml><?xml version="1.0" encoding="utf-8"?>
+<file path=ppt/slides/slide13.xml><?xml version="1.0" encoding="utf-8"?>
 <p:sld xmlns:a="http://schemas.openxmlformats.org/drawingml/2006/main" xmlns:r="http://schemas.openxmlformats.org/officeDocument/2006/relationships" xmlns:p="http://schemas.openxmlformats.org/presentationml/2006/main">
   <p:cSld>
     <p:spTree>
@@ -46026,7 +45520,7 @@
 </p:sld>
 </file>
 
-<file path=ppt/slides/slide15.xml><?xml version="1.0" encoding="utf-8"?>
+<file path=ppt/slides/slide14.xml><?xml version="1.0" encoding="utf-8"?>
 <p:sld xmlns:a="http://schemas.openxmlformats.org/drawingml/2006/main" xmlns:r="http://schemas.openxmlformats.org/officeDocument/2006/relationships" xmlns:p="http://schemas.openxmlformats.org/presentationml/2006/main">
   <p:cSld>
     <p:spTree>
@@ -46404,1165 +45898,7 @@
 </p:sld>
 </file>
 
-<file path=ppt/slides/slide16.xml><?xml version="1.0" encoding="utf-8"?>
-<p:sld xmlns:a="http://schemas.openxmlformats.org/drawingml/2006/main" xmlns:r="http://schemas.openxmlformats.org/officeDocument/2006/relationships" xmlns:p="http://schemas.openxmlformats.org/presentationml/2006/main">
-  <p:cSld>
-    <p:spTree>
-      <p:nvGrpSpPr>
-        <p:cNvPr id="1" name=""/>
-        <p:cNvGrpSpPr/>
-        <p:nvPr/>
-      </p:nvGrpSpPr>
-      <p:grpSpPr>
-        <a:xfrm>
-          <a:off x="0" y="0"/>
-          <a:ext cx="0" cy="0"/>
-          <a:chOff x="0" y="0"/>
-          <a:chExt cx="0" cy="0"/>
-        </a:xfrm>
-      </p:grpSpPr>
-      <p:grpSp>
-        <p:nvGrpSpPr>
-          <p:cNvPr id="14338" name="Grupa 19">
-            <a:extLst>
-              <a:ext uri="{FF2B5EF4-FFF2-40B4-BE49-F238E27FC236}">
-                <a16:creationId xmlns:a16="http://schemas.microsoft.com/office/drawing/2014/main" id="{EC33985E-61EB-364D-9610-788DCBAD9813}"/>
-              </a:ext>
-            </a:extLst>
-          </p:cNvPr>
-          <p:cNvGrpSpPr>
-            <a:grpSpLocks/>
-          </p:cNvGrpSpPr>
-          <p:nvPr/>
-        </p:nvGrpSpPr>
-        <p:grpSpPr bwMode="auto">
-          <a:xfrm>
-            <a:off x="3657600" y="182563"/>
-            <a:ext cx="4259263" cy="6186487"/>
-            <a:chOff x="7040200" y="352425"/>
-            <a:chExt cx="4259262" cy="6186309"/>
-          </a:xfrm>
-        </p:grpSpPr>
-        <p:sp>
-          <p:nvSpPr>
-            <p:cNvPr id="21" name="pole tekstowe 39">
-              <a:extLst>
-                <a:ext uri="{FF2B5EF4-FFF2-40B4-BE49-F238E27FC236}">
-                  <a16:creationId xmlns:a16="http://schemas.microsoft.com/office/drawing/2014/main" id="{F4CCB4CF-BA9E-1245-9598-2CBE2165F5C4}"/>
-                </a:ext>
-              </a:extLst>
-            </p:cNvPr>
-            <p:cNvSpPr txBox="1">
-              <a:spLocks noChangeArrowheads="1"/>
-            </p:cNvSpPr>
-            <p:nvPr/>
-          </p:nvSpPr>
-          <p:spPr bwMode="auto">
-            <a:xfrm>
-              <a:off x="7040200" y="352425"/>
-              <a:ext cx="4259262" cy="6186309"/>
-            </a:xfrm>
-            <a:prstGeom prst="rect">
-              <a:avLst/>
-            </a:prstGeom>
-            <a:noFill/>
-            <a:ln w="9525">
-              <a:noFill/>
-              <a:miter lim="800000"/>
-              <a:headEnd/>
-              <a:tailEnd/>
-            </a:ln>
-          </p:spPr>
-          <p:txBody>
-            <a:bodyPr>
-              <a:spAutoFit/>
-            </a:bodyPr>
-            <a:lstStyle/>
-            <a:p>
-              <a:pPr marL="342900" indent="-342900">
-                <a:defRPr/>
-              </a:pPr>
-              <a:r>
-                <a:rPr lang="pl-PL" u="sng" dirty="0">
-                  <a:solidFill>
-                    <a:schemeClr val="accent1">
-                      <a:lumMod val="50000"/>
-                    </a:schemeClr>
-                  </a:solidFill>
-                  <a:latin typeface="Calibri" pitchFamily="34" charset="0"/>
-                  <a:cs typeface="Arial" charset="0"/>
-                </a:rPr>
-                <a:t>Sprawdź pudełko (1)</a:t>
-              </a:r>
-            </a:p>
-            <a:p>
-              <a:pPr marL="342900" indent="-342900">
-                <a:defRPr/>
-              </a:pPr>
-              <a:r>
-                <a:rPr lang="pl-PL" dirty="0">
-                  <a:latin typeface="Calibri" pitchFamily="34" charset="0"/>
-                  <a:cs typeface="Arial" charset="0"/>
-                </a:rPr>
-                <a:t>   Otwórz pudełko 1</a:t>
-              </a:r>
-            </a:p>
-            <a:p>
-              <a:pPr marL="342900" indent="-342900">
-                <a:defRPr/>
-              </a:pPr>
-              <a:r>
-                <a:rPr lang="pl-PL" dirty="0">
-                  <a:latin typeface="Calibri" pitchFamily="34" charset="0"/>
-                  <a:cs typeface="Arial" charset="0"/>
-                </a:rPr>
-                <a:t>   </a:t>
-              </a:r>
-              <a:r>
-                <a:rPr lang="pl-PL" u="sng" dirty="0">
-                  <a:solidFill>
-                    <a:schemeClr val="accent1">
-                      <a:lumMod val="50000"/>
-                    </a:schemeClr>
-                  </a:solidFill>
-                  <a:latin typeface="Calibri" pitchFamily="34" charset="0"/>
-                  <a:cs typeface="Arial" charset="0"/>
-                </a:rPr>
-                <a:t>Sprawdź pudełko (2)</a:t>
-              </a:r>
-            </a:p>
-            <a:p>
-              <a:pPr marL="342900" indent="-342900">
-                <a:defRPr/>
-              </a:pPr>
-              <a:r>
-                <a:rPr lang="pl-PL" dirty="0">
-                  <a:latin typeface="Calibri" pitchFamily="34" charset="0"/>
-                  <a:cs typeface="Arial" charset="0"/>
-                </a:rPr>
-                <a:t>     Otwórz pudełko 2</a:t>
-              </a:r>
-            </a:p>
-            <a:p>
-              <a:pPr marL="342900" indent="-342900">
-                <a:defRPr/>
-              </a:pPr>
-              <a:r>
-                <a:rPr lang="pl-PL" dirty="0">
-                  <a:latin typeface="Calibri" pitchFamily="34" charset="0"/>
-                  <a:cs typeface="Arial" charset="0"/>
-                </a:rPr>
-                <a:t>     </a:t>
-              </a:r>
-              <a:r>
-                <a:rPr lang="pl-PL" u="sng" dirty="0">
-                  <a:solidFill>
-                    <a:schemeClr val="accent1">
-                      <a:lumMod val="50000"/>
-                    </a:schemeClr>
-                  </a:solidFill>
-                  <a:latin typeface="Calibri" pitchFamily="34" charset="0"/>
-                  <a:cs typeface="Arial" charset="0"/>
-                </a:rPr>
-                <a:t>Sprawdź pudełko (3)</a:t>
-              </a:r>
-            </a:p>
-            <a:p>
-              <a:pPr marL="342900" indent="-342900">
-                <a:defRPr/>
-              </a:pPr>
-              <a:r>
-                <a:rPr lang="pl-PL" dirty="0">
-                  <a:latin typeface="Calibri" pitchFamily="34" charset="0"/>
-                  <a:cs typeface="Arial" charset="0"/>
-                </a:rPr>
-                <a:t>       Otwórz pudełko (3)</a:t>
-              </a:r>
-            </a:p>
-            <a:p>
-              <a:pPr marL="342900" indent="-342900">
-                <a:defRPr/>
-              </a:pPr>
-              <a:r>
-                <a:rPr lang="pl-PL" dirty="0">
-                  <a:latin typeface="Calibri" pitchFamily="34" charset="0"/>
-                  <a:cs typeface="Arial" charset="0"/>
-                </a:rPr>
-                <a:t>       Wyrzuć pudełko (3)</a:t>
-              </a:r>
-            </a:p>
-            <a:p>
-              <a:pPr marL="342900" indent="-342900">
-                <a:defRPr/>
-              </a:pPr>
-              <a:r>
-                <a:rPr lang="pl-PL" dirty="0">
-                  <a:solidFill>
-                    <a:srgbClr val="FF0000"/>
-                  </a:solidFill>
-                  <a:latin typeface="Calibri" pitchFamily="34" charset="0"/>
-                  <a:cs typeface="Arial" charset="0"/>
-                </a:rPr>
-                <a:t>     </a:t>
-              </a:r>
-              <a:r>
-                <a:rPr lang="pl-PL" u="sng" dirty="0">
-                  <a:solidFill>
-                    <a:srgbClr val="FF0000"/>
-                  </a:solidFill>
-                  <a:latin typeface="Calibri" pitchFamily="34" charset="0"/>
-                  <a:cs typeface="Arial" charset="0"/>
-                </a:rPr>
-                <a:t>Koniec Sprawdź pudełko (3)</a:t>
-              </a:r>
-            </a:p>
-            <a:p>
-              <a:pPr marL="342900" indent="-342900">
-                <a:defRPr/>
-              </a:pPr>
-              <a:r>
-                <a:rPr lang="pl-PL" dirty="0">
-                  <a:solidFill>
-                    <a:schemeClr val="accent1">
-                      <a:lumMod val="75000"/>
-                    </a:schemeClr>
-                  </a:solidFill>
-                  <a:latin typeface="Calibri" pitchFamily="34" charset="0"/>
-                  <a:cs typeface="Arial" charset="0"/>
-                </a:rPr>
-                <a:t>     </a:t>
-              </a:r>
-              <a:r>
-                <a:rPr lang="pl-PL" u="sng" dirty="0">
-                  <a:solidFill>
-                    <a:schemeClr val="accent1">
-                      <a:lumMod val="75000"/>
-                    </a:schemeClr>
-                  </a:solidFill>
-                  <a:latin typeface="Calibri" pitchFamily="34" charset="0"/>
-                  <a:cs typeface="Arial" charset="0"/>
-                </a:rPr>
-                <a:t>Sprawdź pudełko (4) </a:t>
-              </a:r>
-            </a:p>
-            <a:p>
-              <a:pPr marL="342900" indent="-342900">
-                <a:defRPr/>
-              </a:pPr>
-              <a:r>
-                <a:rPr lang="pl-PL" dirty="0">
-                  <a:latin typeface="Calibri" pitchFamily="34" charset="0"/>
-                  <a:cs typeface="Arial" charset="0"/>
-                </a:rPr>
-                <a:t>       Otwórz pudełko (4)</a:t>
-              </a:r>
-            </a:p>
-            <a:p>
-              <a:pPr marL="342900" indent="-342900">
-                <a:defRPr/>
-              </a:pPr>
-              <a:r>
-                <a:rPr lang="pl-PL" dirty="0">
-                  <a:latin typeface="Calibri" pitchFamily="34" charset="0"/>
-                  <a:cs typeface="Arial" charset="0"/>
-                </a:rPr>
-                <a:t>        Wyrzuć pudełko (4)</a:t>
-              </a:r>
-            </a:p>
-            <a:p>
-              <a:pPr marL="342900" indent="-342900">
-                <a:defRPr/>
-              </a:pPr>
-              <a:r>
-                <a:rPr lang="pl-PL" dirty="0">
-                  <a:latin typeface="Calibri" pitchFamily="34" charset="0"/>
-                  <a:cs typeface="Arial" charset="0"/>
-                </a:rPr>
-                <a:t>      </a:t>
-              </a:r>
-              <a:r>
-                <a:rPr lang="pl-PL" u="sng" dirty="0">
-                  <a:solidFill>
-                    <a:srgbClr val="FF0000"/>
-                  </a:solidFill>
-                  <a:latin typeface="Calibri" pitchFamily="34" charset="0"/>
-                  <a:cs typeface="Arial" charset="0"/>
-                </a:rPr>
-                <a:t>Koniec Sprawdź pudełko (4)</a:t>
-              </a:r>
-            </a:p>
-            <a:p>
-              <a:pPr marL="342900" indent="-342900">
-                <a:defRPr/>
-              </a:pPr>
-              <a:r>
-                <a:rPr lang="pl-PL" dirty="0">
-                  <a:latin typeface="Calibri" pitchFamily="34" charset="0"/>
-                  <a:cs typeface="Arial" charset="0"/>
-                </a:rPr>
-                <a:t>    Wyrzuć pudełko (2)</a:t>
-              </a:r>
-            </a:p>
-            <a:p>
-              <a:pPr marL="342900" indent="-342900">
-                <a:defRPr/>
-              </a:pPr>
-              <a:r>
-                <a:rPr lang="pl-PL" dirty="0">
-                  <a:solidFill>
-                    <a:srgbClr val="FF0000"/>
-                  </a:solidFill>
-                  <a:latin typeface="Calibri" pitchFamily="34" charset="0"/>
-                  <a:cs typeface="Arial" charset="0"/>
-                </a:rPr>
-                <a:t>   </a:t>
-              </a:r>
-              <a:r>
-                <a:rPr lang="pl-PL" u="sng" dirty="0">
-                  <a:solidFill>
-                    <a:srgbClr val="FF0000"/>
-                  </a:solidFill>
-                  <a:latin typeface="Calibri" pitchFamily="34" charset="0"/>
-                  <a:cs typeface="Arial" charset="0"/>
-                </a:rPr>
-                <a:t>Koniec Sprawdź pudełko (2)</a:t>
-              </a:r>
-            </a:p>
-            <a:p>
-              <a:pPr marL="342900" indent="-342900">
-                <a:defRPr/>
-              </a:pPr>
-              <a:r>
-                <a:rPr lang="pl-PL" dirty="0">
-                  <a:solidFill>
-                    <a:schemeClr val="accent1">
-                      <a:lumMod val="50000"/>
-                    </a:schemeClr>
-                  </a:solidFill>
-                  <a:latin typeface="Calibri" pitchFamily="34" charset="0"/>
-                  <a:cs typeface="Arial" charset="0"/>
-                </a:rPr>
-                <a:t>   </a:t>
-              </a:r>
-              <a:r>
-                <a:rPr lang="pl-PL" u="sng" dirty="0">
-                  <a:solidFill>
-                    <a:schemeClr val="accent1">
-                      <a:lumMod val="50000"/>
-                    </a:schemeClr>
-                  </a:solidFill>
-                  <a:latin typeface="Calibri" pitchFamily="34" charset="0"/>
-                  <a:cs typeface="Arial" charset="0"/>
-                </a:rPr>
-                <a:t>Sprawdź pudełko (5)</a:t>
-              </a:r>
-              <a:endParaRPr lang="pl-PL" dirty="0">
-                <a:latin typeface="Calibri" pitchFamily="34" charset="0"/>
-                <a:cs typeface="Arial" charset="0"/>
-              </a:endParaRPr>
-            </a:p>
-            <a:p>
-              <a:pPr marL="342900" indent="-342900">
-                <a:defRPr/>
-              </a:pPr>
-              <a:r>
-                <a:rPr lang="pl-PL" dirty="0">
-                  <a:latin typeface="Calibri" pitchFamily="34" charset="0"/>
-                  <a:cs typeface="Arial" charset="0"/>
-                </a:rPr>
-                <a:t>     Otwórz pudełko (6)</a:t>
-              </a:r>
-            </a:p>
-            <a:p>
-              <a:pPr marL="342900" indent="-342900">
-                <a:defRPr/>
-              </a:pPr>
-              <a:r>
-                <a:rPr lang="pl-PL" dirty="0">
-                  <a:latin typeface="Calibri" pitchFamily="34" charset="0"/>
-                  <a:cs typeface="Arial" charset="0"/>
-                </a:rPr>
-                <a:t>     </a:t>
-              </a:r>
-              <a:r>
-                <a:rPr lang="pl-PL" u="sng" dirty="0">
-                  <a:solidFill>
-                    <a:schemeClr val="accent1">
-                      <a:lumMod val="50000"/>
-                    </a:schemeClr>
-                  </a:solidFill>
-                  <a:latin typeface="Calibri" pitchFamily="34" charset="0"/>
-                  <a:cs typeface="Arial" charset="0"/>
-                </a:rPr>
-                <a:t>Sprawdź pudełko (6)</a:t>
-              </a:r>
-              <a:endParaRPr lang="pl-PL" dirty="0">
-                <a:latin typeface="Calibri" pitchFamily="34" charset="0"/>
-                <a:cs typeface="Arial" charset="0"/>
-              </a:endParaRPr>
-            </a:p>
-            <a:p>
-              <a:pPr marL="342900" indent="-342900">
-                <a:defRPr/>
-              </a:pPr>
-              <a:r>
-                <a:rPr lang="pl-PL" dirty="0">
-                  <a:latin typeface="Calibri" pitchFamily="34" charset="0"/>
-                  <a:cs typeface="Arial" charset="0"/>
-                </a:rPr>
-                <a:t>        Otwórz pudełko (6) </a:t>
-              </a:r>
-            </a:p>
-            <a:p>
-              <a:pPr marL="342900" indent="-342900">
-                <a:defRPr/>
-              </a:pPr>
-              <a:r>
-                <a:rPr lang="pl-PL" dirty="0">
-                  <a:latin typeface="Calibri" pitchFamily="34" charset="0"/>
-                  <a:cs typeface="Arial" charset="0"/>
-                </a:rPr>
-                <a:t>       </a:t>
-              </a:r>
-              <a:r>
-                <a:rPr lang="pl-PL" b="1" dirty="0">
-                  <a:latin typeface="Calibri" pitchFamily="34" charset="0"/>
-                  <a:cs typeface="Arial" charset="0"/>
-                </a:rPr>
-                <a:t>Klucz znaleziony – koniec zadania</a:t>
-              </a:r>
-            </a:p>
-            <a:p>
-              <a:pPr marL="342900" indent="-342900">
-                <a:defRPr/>
-              </a:pPr>
-              <a:r>
-                <a:rPr lang="pl-PL" dirty="0">
-                  <a:latin typeface="Calibri" pitchFamily="34" charset="0"/>
-                  <a:cs typeface="Arial" charset="0"/>
-                </a:rPr>
-                <a:t>     </a:t>
-              </a:r>
-              <a:r>
-                <a:rPr lang="pl-PL" u="sng" dirty="0">
-                  <a:solidFill>
-                    <a:srgbClr val="FF0000"/>
-                  </a:solidFill>
-                  <a:latin typeface="Calibri" pitchFamily="34" charset="0"/>
-                  <a:cs typeface="Arial" charset="0"/>
-                </a:rPr>
-                <a:t>Koniec Sprawdź pudełko (6)</a:t>
-              </a:r>
-            </a:p>
-            <a:p>
-              <a:pPr marL="342900" indent="-342900">
-                <a:defRPr/>
-              </a:pPr>
-              <a:r>
-                <a:rPr lang="pl-PL" dirty="0">
-                  <a:solidFill>
-                    <a:srgbClr val="FF0000"/>
-                  </a:solidFill>
-                  <a:latin typeface="Calibri" pitchFamily="34" charset="0"/>
-                  <a:cs typeface="Arial" charset="0"/>
-                </a:rPr>
-                <a:t>   </a:t>
-              </a:r>
-              <a:r>
-                <a:rPr lang="pl-PL" u="sng" dirty="0">
-                  <a:solidFill>
-                    <a:srgbClr val="FF0000"/>
-                  </a:solidFill>
-                  <a:latin typeface="Calibri" pitchFamily="34" charset="0"/>
-                  <a:cs typeface="Arial" charset="0"/>
-                </a:rPr>
-                <a:t>Koniec Sprawdź pudełko (5)</a:t>
-              </a:r>
-            </a:p>
-            <a:p>
-              <a:pPr marL="342900" indent="-342900">
-                <a:defRPr/>
-              </a:pPr>
-              <a:r>
-                <a:rPr lang="pl-PL" u="sng" dirty="0">
-                  <a:solidFill>
-                    <a:srgbClr val="FF0000"/>
-                  </a:solidFill>
-                  <a:latin typeface="Calibri" pitchFamily="34" charset="0"/>
-                  <a:cs typeface="Arial" charset="0"/>
-                </a:rPr>
-                <a:t>Koniec Sprawdź pudełko (1)</a:t>
-              </a:r>
-              <a:endParaRPr lang="pl-PL" dirty="0">
-                <a:latin typeface="Calibri" pitchFamily="34" charset="0"/>
-                <a:cs typeface="Arial" charset="0"/>
-              </a:endParaRPr>
-            </a:p>
-          </p:txBody>
-        </p:sp>
-        <p:cxnSp>
-          <p:nvCxnSpPr>
-            <p:cNvPr id="22" name="Łącznik prosty 21">
-              <a:extLst>
-                <a:ext uri="{FF2B5EF4-FFF2-40B4-BE49-F238E27FC236}">
-                  <a16:creationId xmlns:a16="http://schemas.microsoft.com/office/drawing/2014/main" id="{D0C68AE5-64FD-D441-A244-99B302E34134}"/>
-                </a:ext>
-              </a:extLst>
-            </p:cNvPr>
-            <p:cNvCxnSpPr/>
-            <p:nvPr/>
-          </p:nvCxnSpPr>
-          <p:spPr bwMode="auto">
-            <a:xfrm flipV="1">
-              <a:off x="9026163" y="534982"/>
-              <a:ext cx="2128837" cy="26987"/>
-            </a:xfrm>
-            <a:prstGeom prst="line">
-              <a:avLst/>
-            </a:prstGeom>
-          </p:spPr>
-          <p:style>
-            <a:lnRef idx="1">
-              <a:schemeClr val="accent1"/>
-            </a:lnRef>
-            <a:fillRef idx="0">
-              <a:schemeClr val="accent1"/>
-            </a:fillRef>
-            <a:effectRef idx="0">
-              <a:schemeClr val="accent1"/>
-            </a:effectRef>
-            <a:fontRef idx="minor">
-              <a:schemeClr val="tx1"/>
-            </a:fontRef>
-          </p:style>
-        </p:cxnSp>
-        <p:cxnSp>
-          <p:nvCxnSpPr>
-            <p:cNvPr id="23" name="Łącznik prosty 22">
-              <a:extLst>
-                <a:ext uri="{FF2B5EF4-FFF2-40B4-BE49-F238E27FC236}">
-                  <a16:creationId xmlns:a16="http://schemas.microsoft.com/office/drawing/2014/main" id="{0972EE9D-71E5-DE46-A3C7-03616E34C93A}"/>
-                </a:ext>
-              </a:extLst>
-            </p:cNvPr>
-            <p:cNvCxnSpPr/>
-            <p:nvPr/>
-          </p:nvCxnSpPr>
-          <p:spPr bwMode="auto">
-            <a:xfrm flipH="1">
-              <a:off x="9731012" y="6322840"/>
-              <a:ext cx="1463675" cy="12700"/>
-            </a:xfrm>
-            <a:prstGeom prst="line">
-              <a:avLst/>
-            </a:prstGeom>
-          </p:spPr>
-          <p:style>
-            <a:lnRef idx="1">
-              <a:schemeClr val="accent1"/>
-            </a:lnRef>
-            <a:fillRef idx="0">
-              <a:schemeClr val="accent1"/>
-            </a:fillRef>
-            <a:effectRef idx="0">
-              <a:schemeClr val="accent1"/>
-            </a:effectRef>
-            <a:fontRef idx="minor">
-              <a:schemeClr val="tx1"/>
-            </a:fontRef>
-          </p:style>
-        </p:cxnSp>
-        <p:cxnSp>
-          <p:nvCxnSpPr>
-            <p:cNvPr id="24" name="Łącznik prosty 23">
-              <a:extLst>
-                <a:ext uri="{FF2B5EF4-FFF2-40B4-BE49-F238E27FC236}">
-                  <a16:creationId xmlns:a16="http://schemas.microsoft.com/office/drawing/2014/main" id="{5AEF0B0C-4D2F-C643-AA22-289E9494BB0C}"/>
-                </a:ext>
-              </a:extLst>
-            </p:cNvPr>
-            <p:cNvCxnSpPr/>
-            <p:nvPr/>
-          </p:nvCxnSpPr>
-          <p:spPr bwMode="auto">
-            <a:xfrm flipV="1">
-              <a:off x="9235712" y="1631913"/>
-              <a:ext cx="914400" cy="14287"/>
-            </a:xfrm>
-            <a:prstGeom prst="line">
-              <a:avLst/>
-            </a:prstGeom>
-          </p:spPr>
-          <p:style>
-            <a:lnRef idx="1">
-              <a:schemeClr val="accent1"/>
-            </a:lnRef>
-            <a:fillRef idx="0">
-              <a:schemeClr val="accent1"/>
-            </a:fillRef>
-            <a:effectRef idx="0">
-              <a:schemeClr val="accent1"/>
-            </a:effectRef>
-            <a:fontRef idx="minor">
-              <a:schemeClr val="tx1"/>
-            </a:fontRef>
-          </p:style>
-        </p:cxnSp>
-        <p:cxnSp>
-          <p:nvCxnSpPr>
-            <p:cNvPr id="25" name="Łącznik prosty 24">
-              <a:extLst>
-                <a:ext uri="{FF2B5EF4-FFF2-40B4-BE49-F238E27FC236}">
-                  <a16:creationId xmlns:a16="http://schemas.microsoft.com/office/drawing/2014/main" id="{F661DF8A-8C0D-4B45-9852-23B96817966A}"/>
-                </a:ext>
-              </a:extLst>
-            </p:cNvPr>
-            <p:cNvCxnSpPr/>
-            <p:nvPr/>
-          </p:nvCxnSpPr>
-          <p:spPr bwMode="auto">
-            <a:xfrm>
-              <a:off x="10175512" y="1631913"/>
-              <a:ext cx="14287" cy="811189"/>
-            </a:xfrm>
-            <a:prstGeom prst="line">
-              <a:avLst/>
-            </a:prstGeom>
-          </p:spPr>
-          <p:style>
-            <a:lnRef idx="1">
-              <a:schemeClr val="accent1"/>
-            </a:lnRef>
-            <a:fillRef idx="0">
-              <a:schemeClr val="accent1"/>
-            </a:fillRef>
-            <a:effectRef idx="0">
-              <a:schemeClr val="accent1"/>
-            </a:effectRef>
-            <a:fontRef idx="minor">
-              <a:schemeClr val="tx1"/>
-            </a:fontRef>
-          </p:style>
-        </p:cxnSp>
-        <p:cxnSp>
-          <p:nvCxnSpPr>
-            <p:cNvPr id="26" name="Łącznik prosty 25">
-              <a:extLst>
-                <a:ext uri="{FF2B5EF4-FFF2-40B4-BE49-F238E27FC236}">
-                  <a16:creationId xmlns:a16="http://schemas.microsoft.com/office/drawing/2014/main" id="{33F20EF4-8439-9640-8183-CD52A52D759D}"/>
-                </a:ext>
-              </a:extLst>
-            </p:cNvPr>
-            <p:cNvCxnSpPr/>
-            <p:nvPr/>
-          </p:nvCxnSpPr>
-          <p:spPr bwMode="auto">
-            <a:xfrm flipH="1">
-              <a:off x="9953262" y="2441515"/>
-              <a:ext cx="209550" cy="1587"/>
-            </a:xfrm>
-            <a:prstGeom prst="line">
-              <a:avLst/>
-            </a:prstGeom>
-          </p:spPr>
-          <p:style>
-            <a:lnRef idx="1">
-              <a:schemeClr val="accent1"/>
-            </a:lnRef>
-            <a:fillRef idx="0">
-              <a:schemeClr val="accent1"/>
-            </a:fillRef>
-            <a:effectRef idx="0">
-              <a:schemeClr val="accent1"/>
-            </a:effectRef>
-            <a:fontRef idx="minor">
-              <a:schemeClr val="tx1"/>
-            </a:fontRef>
-          </p:style>
-        </p:cxnSp>
-        <p:cxnSp>
-          <p:nvCxnSpPr>
-            <p:cNvPr id="27" name="Łącznik prosty 26">
-              <a:extLst>
-                <a:ext uri="{FF2B5EF4-FFF2-40B4-BE49-F238E27FC236}">
-                  <a16:creationId xmlns:a16="http://schemas.microsoft.com/office/drawing/2014/main" id="{C407BB90-44C3-9641-B72F-BE532F55970D}"/>
-                </a:ext>
-              </a:extLst>
-            </p:cNvPr>
-            <p:cNvCxnSpPr/>
-            <p:nvPr/>
-          </p:nvCxnSpPr>
-          <p:spPr bwMode="auto">
-            <a:xfrm>
-              <a:off x="9000763" y="1122340"/>
-              <a:ext cx="1501775" cy="14288"/>
-            </a:xfrm>
-            <a:prstGeom prst="line">
-              <a:avLst/>
-            </a:prstGeom>
-          </p:spPr>
-          <p:style>
-            <a:lnRef idx="1">
-              <a:schemeClr val="accent1"/>
-            </a:lnRef>
-            <a:fillRef idx="0">
-              <a:schemeClr val="accent1"/>
-            </a:fillRef>
-            <a:effectRef idx="0">
-              <a:schemeClr val="accent1"/>
-            </a:effectRef>
-            <a:fontRef idx="minor">
-              <a:schemeClr val="tx1"/>
-            </a:fontRef>
-          </p:style>
-        </p:cxnSp>
-        <p:cxnSp>
-          <p:nvCxnSpPr>
-            <p:cNvPr id="28" name="Łącznik prosty 27">
-              <a:extLst>
-                <a:ext uri="{FF2B5EF4-FFF2-40B4-BE49-F238E27FC236}">
-                  <a16:creationId xmlns:a16="http://schemas.microsoft.com/office/drawing/2014/main" id="{D3AF6E00-A774-654E-AADB-3E8BC523AEE7}"/>
-                </a:ext>
-              </a:extLst>
-            </p:cNvPr>
-            <p:cNvCxnSpPr/>
-            <p:nvPr/>
-          </p:nvCxnSpPr>
-          <p:spPr bwMode="auto">
-            <a:xfrm flipH="1">
-              <a:off x="10489837" y="1123928"/>
-              <a:ext cx="38100" cy="3028863"/>
-            </a:xfrm>
-            <a:prstGeom prst="line">
-              <a:avLst/>
-            </a:prstGeom>
-          </p:spPr>
-          <p:style>
-            <a:lnRef idx="1">
-              <a:schemeClr val="accent1"/>
-            </a:lnRef>
-            <a:fillRef idx="0">
-              <a:schemeClr val="accent1"/>
-            </a:fillRef>
-            <a:effectRef idx="0">
-              <a:schemeClr val="accent1"/>
-            </a:effectRef>
-            <a:fontRef idx="minor">
-              <a:schemeClr val="tx1"/>
-            </a:fontRef>
-          </p:style>
-        </p:cxnSp>
-        <p:cxnSp>
-          <p:nvCxnSpPr>
-            <p:cNvPr id="29" name="Łącznik prosty 28">
-              <a:extLst>
-                <a:ext uri="{FF2B5EF4-FFF2-40B4-BE49-F238E27FC236}">
-                  <a16:creationId xmlns:a16="http://schemas.microsoft.com/office/drawing/2014/main" id="{F6AD4099-9F9E-454A-B18B-7004E657326A}"/>
-                </a:ext>
-              </a:extLst>
-            </p:cNvPr>
-            <p:cNvCxnSpPr/>
-            <p:nvPr/>
-          </p:nvCxnSpPr>
-          <p:spPr bwMode="auto">
-            <a:xfrm flipH="1">
-              <a:off x="9848487" y="4152791"/>
-              <a:ext cx="639762" cy="0"/>
-            </a:xfrm>
-            <a:prstGeom prst="line">
-              <a:avLst/>
-            </a:prstGeom>
-          </p:spPr>
-          <p:style>
-            <a:lnRef idx="1">
-              <a:schemeClr val="accent1"/>
-            </a:lnRef>
-            <a:fillRef idx="0">
-              <a:schemeClr val="accent1"/>
-            </a:fillRef>
-            <a:effectRef idx="0">
-              <a:schemeClr val="accent1"/>
-            </a:effectRef>
-            <a:fontRef idx="minor">
-              <a:schemeClr val="tx1"/>
-            </a:fontRef>
-          </p:style>
-        </p:cxnSp>
-        <p:cxnSp>
-          <p:nvCxnSpPr>
-            <p:cNvPr id="30" name="Łącznik prosty 29">
-              <a:extLst>
-                <a:ext uri="{FF2B5EF4-FFF2-40B4-BE49-F238E27FC236}">
-                  <a16:creationId xmlns:a16="http://schemas.microsoft.com/office/drawing/2014/main" id="{03D5F869-1495-4847-A738-13AC7FA024DC}"/>
-                </a:ext>
-              </a:extLst>
-            </p:cNvPr>
-            <p:cNvCxnSpPr/>
-            <p:nvPr/>
-          </p:nvCxnSpPr>
-          <p:spPr bwMode="auto">
-            <a:xfrm>
-              <a:off x="9249999" y="2703444"/>
-              <a:ext cx="925513" cy="0"/>
-            </a:xfrm>
-            <a:prstGeom prst="line">
-              <a:avLst/>
-            </a:prstGeom>
-          </p:spPr>
-          <p:style>
-            <a:lnRef idx="1">
-              <a:schemeClr val="accent1"/>
-            </a:lnRef>
-            <a:fillRef idx="0">
-              <a:schemeClr val="accent1"/>
-            </a:fillRef>
-            <a:effectRef idx="0">
-              <a:schemeClr val="accent1"/>
-            </a:effectRef>
-            <a:fontRef idx="minor">
-              <a:schemeClr val="tx1"/>
-            </a:fontRef>
-          </p:style>
-        </p:cxnSp>
-        <p:cxnSp>
-          <p:nvCxnSpPr>
-            <p:cNvPr id="31" name="Łącznik prosty 30">
-              <a:extLst>
-                <a:ext uri="{FF2B5EF4-FFF2-40B4-BE49-F238E27FC236}">
-                  <a16:creationId xmlns:a16="http://schemas.microsoft.com/office/drawing/2014/main" id="{84E12F57-1248-554A-B6E5-EEE105F1DCA1}"/>
-                </a:ext>
-              </a:extLst>
-            </p:cNvPr>
-            <p:cNvCxnSpPr/>
-            <p:nvPr/>
-          </p:nvCxnSpPr>
-          <p:spPr bwMode="auto">
-            <a:xfrm flipH="1" flipV="1">
-              <a:off x="9196024" y="4963979"/>
-              <a:ext cx="1528763" cy="0"/>
-            </a:xfrm>
-            <a:prstGeom prst="line">
-              <a:avLst/>
-            </a:prstGeom>
-          </p:spPr>
-          <p:style>
-            <a:lnRef idx="1">
-              <a:schemeClr val="accent1"/>
-            </a:lnRef>
-            <a:fillRef idx="0">
-              <a:schemeClr val="accent1"/>
-            </a:fillRef>
-            <a:effectRef idx="0">
-              <a:schemeClr val="accent1"/>
-            </a:effectRef>
-            <a:fontRef idx="minor">
-              <a:schemeClr val="tx1"/>
-            </a:fontRef>
-          </p:style>
-        </p:cxnSp>
-        <p:cxnSp>
-          <p:nvCxnSpPr>
-            <p:cNvPr id="32" name="Łącznik prosty 31">
-              <a:extLst>
-                <a:ext uri="{FF2B5EF4-FFF2-40B4-BE49-F238E27FC236}">
-                  <a16:creationId xmlns:a16="http://schemas.microsoft.com/office/drawing/2014/main" id="{0B2BA1C4-22BA-7942-96EA-677142044AAF}"/>
-                </a:ext>
-              </a:extLst>
-            </p:cNvPr>
-            <p:cNvCxnSpPr/>
-            <p:nvPr/>
-          </p:nvCxnSpPr>
-          <p:spPr bwMode="auto">
-            <a:xfrm>
-              <a:off x="9223012" y="4349635"/>
-              <a:ext cx="1749425" cy="12700"/>
-            </a:xfrm>
-            <a:prstGeom prst="line">
-              <a:avLst/>
-            </a:prstGeom>
-          </p:spPr>
-          <p:style>
-            <a:lnRef idx="1">
-              <a:schemeClr val="accent1"/>
-            </a:lnRef>
-            <a:fillRef idx="0">
-              <a:schemeClr val="accent1"/>
-            </a:fillRef>
-            <a:effectRef idx="0">
-              <a:schemeClr val="accent1"/>
-            </a:effectRef>
-            <a:fontRef idx="minor">
-              <a:schemeClr val="tx1"/>
-            </a:fontRef>
-          </p:style>
-        </p:cxnSp>
-        <p:cxnSp>
-          <p:nvCxnSpPr>
-            <p:cNvPr id="33" name="Łącznik prosty 32">
-              <a:extLst>
-                <a:ext uri="{FF2B5EF4-FFF2-40B4-BE49-F238E27FC236}">
-                  <a16:creationId xmlns:a16="http://schemas.microsoft.com/office/drawing/2014/main" id="{0BED5232-6F65-8C40-B2C4-C6053BC5CE93}"/>
-                </a:ext>
-              </a:extLst>
-            </p:cNvPr>
-            <p:cNvCxnSpPr/>
-            <p:nvPr/>
-          </p:nvCxnSpPr>
-          <p:spPr bwMode="auto">
-            <a:xfrm flipH="1">
-              <a:off x="9850074" y="3565433"/>
-              <a:ext cx="300038" cy="0"/>
-            </a:xfrm>
-            <a:prstGeom prst="line">
-              <a:avLst/>
-            </a:prstGeom>
-          </p:spPr>
-          <p:style>
-            <a:lnRef idx="1">
-              <a:schemeClr val="accent1"/>
-            </a:lnRef>
-            <a:fillRef idx="0">
-              <a:schemeClr val="accent1"/>
-            </a:fillRef>
-            <a:effectRef idx="0">
-              <a:schemeClr val="accent1"/>
-            </a:effectRef>
-            <a:fontRef idx="minor">
-              <a:schemeClr val="tx1"/>
-            </a:fontRef>
-          </p:style>
-        </p:cxnSp>
-        <p:cxnSp>
-          <p:nvCxnSpPr>
-            <p:cNvPr id="34" name="Łącznik prosty 33">
-              <a:extLst>
-                <a:ext uri="{FF2B5EF4-FFF2-40B4-BE49-F238E27FC236}">
-                  <a16:creationId xmlns:a16="http://schemas.microsoft.com/office/drawing/2014/main" id="{100C1011-46A3-9C40-B96D-19BEA4FCE093}"/>
-                </a:ext>
-              </a:extLst>
-            </p:cNvPr>
-            <p:cNvCxnSpPr/>
-            <p:nvPr/>
-          </p:nvCxnSpPr>
-          <p:spPr bwMode="auto">
-            <a:xfrm flipH="1">
-              <a:off x="10947037" y="4297248"/>
-              <a:ext cx="0" cy="1738263"/>
-            </a:xfrm>
-            <a:prstGeom prst="line">
-              <a:avLst/>
-            </a:prstGeom>
-          </p:spPr>
-          <p:style>
-            <a:lnRef idx="1">
-              <a:schemeClr val="accent1"/>
-            </a:lnRef>
-            <a:fillRef idx="0">
-              <a:schemeClr val="accent1"/>
-            </a:fillRef>
-            <a:effectRef idx="0">
-              <a:schemeClr val="accent1"/>
-            </a:effectRef>
-            <a:fontRef idx="minor">
-              <a:schemeClr val="tx1"/>
-            </a:fontRef>
-          </p:style>
-        </p:cxnSp>
-        <p:cxnSp>
-          <p:nvCxnSpPr>
-            <p:cNvPr id="35" name="Łącznik prosty 34">
-              <a:extLst>
-                <a:ext uri="{FF2B5EF4-FFF2-40B4-BE49-F238E27FC236}">
-                  <a16:creationId xmlns:a16="http://schemas.microsoft.com/office/drawing/2014/main" id="{598D6714-9FBD-EA4F-A606-D624AFC4394E}"/>
-                </a:ext>
-              </a:extLst>
-            </p:cNvPr>
-            <p:cNvCxnSpPr/>
-            <p:nvPr/>
-          </p:nvCxnSpPr>
-          <p:spPr bwMode="auto">
-            <a:xfrm flipV="1">
-              <a:off x="9835787" y="6021224"/>
-              <a:ext cx="1123950" cy="14288"/>
-            </a:xfrm>
-            <a:prstGeom prst="line">
-              <a:avLst/>
-            </a:prstGeom>
-          </p:spPr>
-          <p:style>
-            <a:lnRef idx="1">
-              <a:schemeClr val="accent1"/>
-            </a:lnRef>
-            <a:fillRef idx="0">
-              <a:schemeClr val="accent1"/>
-            </a:fillRef>
-            <a:effectRef idx="0">
-              <a:schemeClr val="accent1"/>
-            </a:effectRef>
-            <a:fontRef idx="minor">
-              <a:schemeClr val="tx1"/>
-            </a:fontRef>
-          </p:style>
-        </p:cxnSp>
-        <p:cxnSp>
-          <p:nvCxnSpPr>
-            <p:cNvPr id="36" name="Łącznik prosty 35">
-              <a:extLst>
-                <a:ext uri="{FF2B5EF4-FFF2-40B4-BE49-F238E27FC236}">
-                  <a16:creationId xmlns:a16="http://schemas.microsoft.com/office/drawing/2014/main" id="{6873ECB4-2DF5-7448-A140-0840E1AEB0E5}"/>
-                </a:ext>
-              </a:extLst>
-            </p:cNvPr>
-            <p:cNvCxnSpPr/>
-            <p:nvPr/>
-          </p:nvCxnSpPr>
-          <p:spPr bwMode="auto">
-            <a:xfrm flipH="1" flipV="1">
-              <a:off x="9896112" y="5768819"/>
-              <a:ext cx="815975" cy="4762"/>
-            </a:xfrm>
-            <a:prstGeom prst="line">
-              <a:avLst/>
-            </a:prstGeom>
-          </p:spPr>
-          <p:style>
-            <a:lnRef idx="1">
-              <a:schemeClr val="accent1"/>
-            </a:lnRef>
-            <a:fillRef idx="0">
-              <a:schemeClr val="accent1"/>
-            </a:fillRef>
-            <a:effectRef idx="0">
-              <a:schemeClr val="accent1"/>
-            </a:effectRef>
-            <a:fontRef idx="minor">
-              <a:schemeClr val="tx1"/>
-            </a:fontRef>
-          </p:style>
-        </p:cxnSp>
-      </p:grpSp>
-      <p:cxnSp>
-        <p:nvCxnSpPr>
-          <p:cNvPr id="37" name="Łącznik prosty 36">
-            <a:extLst>
-              <a:ext uri="{FF2B5EF4-FFF2-40B4-BE49-F238E27FC236}">
-                <a16:creationId xmlns:a16="http://schemas.microsoft.com/office/drawing/2014/main" id="{CB025540-7E12-3B46-A03C-9EDDD7C3BDC0}"/>
-              </a:ext>
-            </a:extLst>
-          </p:cNvPr>
-          <p:cNvCxnSpPr/>
-          <p:nvPr/>
-        </p:nvCxnSpPr>
-        <p:spPr bwMode="auto">
-          <a:xfrm>
-            <a:off x="6788150" y="2541588"/>
-            <a:ext cx="12700" cy="811212"/>
-          </a:xfrm>
-          <a:prstGeom prst="line">
-            <a:avLst/>
-          </a:prstGeom>
-        </p:spPr>
-        <p:style>
-          <a:lnRef idx="1">
-            <a:schemeClr val="accent1"/>
-          </a:lnRef>
-          <a:fillRef idx="0">
-            <a:schemeClr val="accent1"/>
-          </a:fillRef>
-          <a:effectRef idx="0">
-            <a:schemeClr val="accent1"/>
-          </a:effectRef>
-          <a:fontRef idx="minor">
-            <a:schemeClr val="tx1"/>
-          </a:fontRef>
-        </p:style>
-      </p:cxnSp>
-      <p:cxnSp>
-        <p:nvCxnSpPr>
-          <p:cNvPr id="38" name="Łącznik prosty 37">
-            <a:extLst>
-              <a:ext uri="{FF2B5EF4-FFF2-40B4-BE49-F238E27FC236}">
-                <a16:creationId xmlns:a16="http://schemas.microsoft.com/office/drawing/2014/main" id="{96583A6B-A0F5-2944-9EC2-0AB0ECAE5255}"/>
-              </a:ext>
-            </a:extLst>
-          </p:cNvPr>
-          <p:cNvCxnSpPr/>
-          <p:nvPr/>
-        </p:nvCxnSpPr>
-        <p:spPr bwMode="auto">
-          <a:xfrm>
-            <a:off x="7375525" y="4789488"/>
-            <a:ext cx="14288" cy="809625"/>
-          </a:xfrm>
-          <a:prstGeom prst="line">
-            <a:avLst/>
-          </a:prstGeom>
-        </p:spPr>
-        <p:style>
-          <a:lnRef idx="1">
-            <a:schemeClr val="accent1"/>
-          </a:lnRef>
-          <a:fillRef idx="0">
-            <a:schemeClr val="accent1"/>
-          </a:fillRef>
-          <a:effectRef idx="0">
-            <a:schemeClr val="accent1"/>
-          </a:effectRef>
-          <a:fontRef idx="minor">
-            <a:schemeClr val="tx1"/>
-          </a:fontRef>
-        </p:style>
-      </p:cxnSp>
-      <p:cxnSp>
-        <p:nvCxnSpPr>
-          <p:cNvPr id="39" name="Łącznik prosty 38">
-            <a:extLst>
-              <a:ext uri="{FF2B5EF4-FFF2-40B4-BE49-F238E27FC236}">
-                <a16:creationId xmlns:a16="http://schemas.microsoft.com/office/drawing/2014/main" id="{93F25F32-1C91-8445-8469-53B8BE358D83}"/>
-              </a:ext>
-            </a:extLst>
-          </p:cNvPr>
-          <p:cNvCxnSpPr/>
-          <p:nvPr/>
-        </p:nvCxnSpPr>
-        <p:spPr bwMode="auto">
-          <a:xfrm>
-            <a:off x="7785100" y="379413"/>
-            <a:ext cx="26988" cy="5811837"/>
-          </a:xfrm>
-          <a:prstGeom prst="line">
-            <a:avLst/>
-          </a:prstGeom>
-          <a:ln w="25400">
-            <a:solidFill>
-              <a:schemeClr val="tx1"/>
-            </a:solidFill>
-          </a:ln>
-        </p:spPr>
-        <p:style>
-          <a:lnRef idx="1">
-            <a:schemeClr val="accent1"/>
-          </a:lnRef>
-          <a:fillRef idx="0">
-            <a:schemeClr val="accent1"/>
-          </a:fillRef>
-          <a:effectRef idx="0">
-            <a:schemeClr val="accent1"/>
-          </a:effectRef>
-          <a:fontRef idx="minor">
-            <a:schemeClr val="tx1"/>
-          </a:fontRef>
-        </p:style>
-      </p:cxnSp>
-    </p:spTree>
-  </p:cSld>
-  <p:clrMapOvr>
-    <a:masterClrMapping/>
-  </p:clrMapOvr>
-</p:sld>
-</file>
-
-<file path=ppt/slides/slide2.xml><?xml version="1.0" encoding="utf-8"?>
+<file path=ppt/slides/slide15.xml><?xml version="1.0" encoding="utf-8"?>
 <p:sld xmlns:a="http://schemas.openxmlformats.org/drawingml/2006/main" xmlns:r="http://schemas.openxmlformats.org/officeDocument/2006/relationships" xmlns:p="http://schemas.openxmlformats.org/presentationml/2006/main">
   <p:cSld>
     <p:spTree>
@@ -49495,7 +47831,1165 @@
 </p:sld>
 </file>
 
-<file path=ppt/slides/slide3.xml><?xml version="1.0" encoding="utf-8"?>
+<file path=ppt/slides/slide16.xml><?xml version="1.0" encoding="utf-8"?>
+<p:sld xmlns:a="http://schemas.openxmlformats.org/drawingml/2006/main" xmlns:r="http://schemas.openxmlformats.org/officeDocument/2006/relationships" xmlns:p="http://schemas.openxmlformats.org/presentationml/2006/main">
+  <p:cSld>
+    <p:spTree>
+      <p:nvGrpSpPr>
+        <p:cNvPr id="1" name=""/>
+        <p:cNvGrpSpPr/>
+        <p:nvPr/>
+      </p:nvGrpSpPr>
+      <p:grpSpPr>
+        <a:xfrm>
+          <a:off x="0" y="0"/>
+          <a:ext cx="0" cy="0"/>
+          <a:chOff x="0" y="0"/>
+          <a:chExt cx="0" cy="0"/>
+        </a:xfrm>
+      </p:grpSpPr>
+      <p:grpSp>
+        <p:nvGrpSpPr>
+          <p:cNvPr id="14338" name="Grupa 19">
+            <a:extLst>
+              <a:ext uri="{FF2B5EF4-FFF2-40B4-BE49-F238E27FC236}">
+                <a16:creationId xmlns:a16="http://schemas.microsoft.com/office/drawing/2014/main" id="{EC33985E-61EB-364D-9610-788DCBAD9813}"/>
+              </a:ext>
+            </a:extLst>
+          </p:cNvPr>
+          <p:cNvGrpSpPr>
+            <a:grpSpLocks/>
+          </p:cNvGrpSpPr>
+          <p:nvPr/>
+        </p:nvGrpSpPr>
+        <p:grpSpPr bwMode="auto">
+          <a:xfrm>
+            <a:off x="3657600" y="182563"/>
+            <a:ext cx="4259263" cy="6186487"/>
+            <a:chOff x="7040200" y="352425"/>
+            <a:chExt cx="4259262" cy="6186309"/>
+          </a:xfrm>
+        </p:grpSpPr>
+        <p:sp>
+          <p:nvSpPr>
+            <p:cNvPr id="21" name="pole tekstowe 39">
+              <a:extLst>
+                <a:ext uri="{FF2B5EF4-FFF2-40B4-BE49-F238E27FC236}">
+                  <a16:creationId xmlns:a16="http://schemas.microsoft.com/office/drawing/2014/main" id="{F4CCB4CF-BA9E-1245-9598-2CBE2165F5C4}"/>
+                </a:ext>
+              </a:extLst>
+            </p:cNvPr>
+            <p:cNvSpPr txBox="1">
+              <a:spLocks noChangeArrowheads="1"/>
+            </p:cNvSpPr>
+            <p:nvPr/>
+          </p:nvSpPr>
+          <p:spPr bwMode="auto">
+            <a:xfrm>
+              <a:off x="7040200" y="352425"/>
+              <a:ext cx="4259262" cy="6186309"/>
+            </a:xfrm>
+            <a:prstGeom prst="rect">
+              <a:avLst/>
+            </a:prstGeom>
+            <a:noFill/>
+            <a:ln w="9525">
+              <a:noFill/>
+              <a:miter lim="800000"/>
+              <a:headEnd/>
+              <a:tailEnd/>
+            </a:ln>
+          </p:spPr>
+          <p:txBody>
+            <a:bodyPr>
+              <a:spAutoFit/>
+            </a:bodyPr>
+            <a:lstStyle/>
+            <a:p>
+              <a:pPr marL="342900" indent="-342900">
+                <a:defRPr/>
+              </a:pPr>
+              <a:r>
+                <a:rPr lang="pl-PL" u="sng" dirty="0">
+                  <a:solidFill>
+                    <a:schemeClr val="accent1">
+                      <a:lumMod val="50000"/>
+                    </a:schemeClr>
+                  </a:solidFill>
+                  <a:latin typeface="Calibri" pitchFamily="34" charset="0"/>
+                  <a:cs typeface="Arial" charset="0"/>
+                </a:rPr>
+                <a:t>Sprawdź pudełko (1)</a:t>
+              </a:r>
+            </a:p>
+            <a:p>
+              <a:pPr marL="342900" indent="-342900">
+                <a:defRPr/>
+              </a:pPr>
+              <a:r>
+                <a:rPr lang="pl-PL" dirty="0">
+                  <a:latin typeface="Calibri" pitchFamily="34" charset="0"/>
+                  <a:cs typeface="Arial" charset="0"/>
+                </a:rPr>
+                <a:t>   Otwórz pudełko 1</a:t>
+              </a:r>
+            </a:p>
+            <a:p>
+              <a:pPr marL="342900" indent="-342900">
+                <a:defRPr/>
+              </a:pPr>
+              <a:r>
+                <a:rPr lang="pl-PL" dirty="0">
+                  <a:latin typeface="Calibri" pitchFamily="34" charset="0"/>
+                  <a:cs typeface="Arial" charset="0"/>
+                </a:rPr>
+                <a:t>   </a:t>
+              </a:r>
+              <a:r>
+                <a:rPr lang="pl-PL" u="sng" dirty="0">
+                  <a:solidFill>
+                    <a:schemeClr val="accent1">
+                      <a:lumMod val="50000"/>
+                    </a:schemeClr>
+                  </a:solidFill>
+                  <a:latin typeface="Calibri" pitchFamily="34" charset="0"/>
+                  <a:cs typeface="Arial" charset="0"/>
+                </a:rPr>
+                <a:t>Sprawdź pudełko (2)</a:t>
+              </a:r>
+            </a:p>
+            <a:p>
+              <a:pPr marL="342900" indent="-342900">
+                <a:defRPr/>
+              </a:pPr>
+              <a:r>
+                <a:rPr lang="pl-PL" dirty="0">
+                  <a:latin typeface="Calibri" pitchFamily="34" charset="0"/>
+                  <a:cs typeface="Arial" charset="0"/>
+                </a:rPr>
+                <a:t>     Otwórz pudełko 2</a:t>
+              </a:r>
+            </a:p>
+            <a:p>
+              <a:pPr marL="342900" indent="-342900">
+                <a:defRPr/>
+              </a:pPr>
+              <a:r>
+                <a:rPr lang="pl-PL" dirty="0">
+                  <a:latin typeface="Calibri" pitchFamily="34" charset="0"/>
+                  <a:cs typeface="Arial" charset="0"/>
+                </a:rPr>
+                <a:t>     </a:t>
+              </a:r>
+              <a:r>
+                <a:rPr lang="pl-PL" u="sng" dirty="0">
+                  <a:solidFill>
+                    <a:schemeClr val="accent1">
+                      <a:lumMod val="50000"/>
+                    </a:schemeClr>
+                  </a:solidFill>
+                  <a:latin typeface="Calibri" pitchFamily="34" charset="0"/>
+                  <a:cs typeface="Arial" charset="0"/>
+                </a:rPr>
+                <a:t>Sprawdź pudełko (3)</a:t>
+              </a:r>
+            </a:p>
+            <a:p>
+              <a:pPr marL="342900" indent="-342900">
+                <a:defRPr/>
+              </a:pPr>
+              <a:r>
+                <a:rPr lang="pl-PL" dirty="0">
+                  <a:latin typeface="Calibri" pitchFamily="34" charset="0"/>
+                  <a:cs typeface="Arial" charset="0"/>
+                </a:rPr>
+                <a:t>       Otwórz pudełko (3)</a:t>
+              </a:r>
+            </a:p>
+            <a:p>
+              <a:pPr marL="342900" indent="-342900">
+                <a:defRPr/>
+              </a:pPr>
+              <a:r>
+                <a:rPr lang="pl-PL" dirty="0">
+                  <a:latin typeface="Calibri" pitchFamily="34" charset="0"/>
+                  <a:cs typeface="Arial" charset="0"/>
+                </a:rPr>
+                <a:t>       Wyrzuć pudełko (3)</a:t>
+              </a:r>
+            </a:p>
+            <a:p>
+              <a:pPr marL="342900" indent="-342900">
+                <a:defRPr/>
+              </a:pPr>
+              <a:r>
+                <a:rPr lang="pl-PL" dirty="0">
+                  <a:solidFill>
+                    <a:srgbClr val="FF0000"/>
+                  </a:solidFill>
+                  <a:latin typeface="Calibri" pitchFamily="34" charset="0"/>
+                  <a:cs typeface="Arial" charset="0"/>
+                </a:rPr>
+                <a:t>     </a:t>
+              </a:r>
+              <a:r>
+                <a:rPr lang="pl-PL" u="sng" dirty="0">
+                  <a:solidFill>
+                    <a:srgbClr val="FF0000"/>
+                  </a:solidFill>
+                  <a:latin typeface="Calibri" pitchFamily="34" charset="0"/>
+                  <a:cs typeface="Arial" charset="0"/>
+                </a:rPr>
+                <a:t>Koniec Sprawdź pudełko (3)</a:t>
+              </a:r>
+            </a:p>
+            <a:p>
+              <a:pPr marL="342900" indent="-342900">
+                <a:defRPr/>
+              </a:pPr>
+              <a:r>
+                <a:rPr lang="pl-PL" dirty="0">
+                  <a:solidFill>
+                    <a:schemeClr val="accent1">
+                      <a:lumMod val="75000"/>
+                    </a:schemeClr>
+                  </a:solidFill>
+                  <a:latin typeface="Calibri" pitchFamily="34" charset="0"/>
+                  <a:cs typeface="Arial" charset="0"/>
+                </a:rPr>
+                <a:t>     </a:t>
+              </a:r>
+              <a:r>
+                <a:rPr lang="pl-PL" u="sng" dirty="0">
+                  <a:solidFill>
+                    <a:schemeClr val="accent1">
+                      <a:lumMod val="75000"/>
+                    </a:schemeClr>
+                  </a:solidFill>
+                  <a:latin typeface="Calibri" pitchFamily="34" charset="0"/>
+                  <a:cs typeface="Arial" charset="0"/>
+                </a:rPr>
+                <a:t>Sprawdź pudełko (4) </a:t>
+              </a:r>
+            </a:p>
+            <a:p>
+              <a:pPr marL="342900" indent="-342900">
+                <a:defRPr/>
+              </a:pPr>
+              <a:r>
+                <a:rPr lang="pl-PL" dirty="0">
+                  <a:latin typeface="Calibri" pitchFamily="34" charset="0"/>
+                  <a:cs typeface="Arial" charset="0"/>
+                </a:rPr>
+                <a:t>       Otwórz pudełko (4)</a:t>
+              </a:r>
+            </a:p>
+            <a:p>
+              <a:pPr marL="342900" indent="-342900">
+                <a:defRPr/>
+              </a:pPr>
+              <a:r>
+                <a:rPr lang="pl-PL" dirty="0">
+                  <a:latin typeface="Calibri" pitchFamily="34" charset="0"/>
+                  <a:cs typeface="Arial" charset="0"/>
+                </a:rPr>
+                <a:t>        Wyrzuć pudełko (4)</a:t>
+              </a:r>
+            </a:p>
+            <a:p>
+              <a:pPr marL="342900" indent="-342900">
+                <a:defRPr/>
+              </a:pPr>
+              <a:r>
+                <a:rPr lang="pl-PL" dirty="0">
+                  <a:latin typeface="Calibri" pitchFamily="34" charset="0"/>
+                  <a:cs typeface="Arial" charset="0"/>
+                </a:rPr>
+                <a:t>      </a:t>
+              </a:r>
+              <a:r>
+                <a:rPr lang="pl-PL" u="sng" dirty="0">
+                  <a:solidFill>
+                    <a:srgbClr val="FF0000"/>
+                  </a:solidFill>
+                  <a:latin typeface="Calibri" pitchFamily="34" charset="0"/>
+                  <a:cs typeface="Arial" charset="0"/>
+                </a:rPr>
+                <a:t>Koniec Sprawdź pudełko (4)</a:t>
+              </a:r>
+            </a:p>
+            <a:p>
+              <a:pPr marL="342900" indent="-342900">
+                <a:defRPr/>
+              </a:pPr>
+              <a:r>
+                <a:rPr lang="pl-PL" dirty="0">
+                  <a:latin typeface="Calibri" pitchFamily="34" charset="0"/>
+                  <a:cs typeface="Arial" charset="0"/>
+                </a:rPr>
+                <a:t>    Wyrzuć pudełko (2)</a:t>
+              </a:r>
+            </a:p>
+            <a:p>
+              <a:pPr marL="342900" indent="-342900">
+                <a:defRPr/>
+              </a:pPr>
+              <a:r>
+                <a:rPr lang="pl-PL" dirty="0">
+                  <a:solidFill>
+                    <a:srgbClr val="FF0000"/>
+                  </a:solidFill>
+                  <a:latin typeface="Calibri" pitchFamily="34" charset="0"/>
+                  <a:cs typeface="Arial" charset="0"/>
+                </a:rPr>
+                <a:t>   </a:t>
+              </a:r>
+              <a:r>
+                <a:rPr lang="pl-PL" u="sng" dirty="0">
+                  <a:solidFill>
+                    <a:srgbClr val="FF0000"/>
+                  </a:solidFill>
+                  <a:latin typeface="Calibri" pitchFamily="34" charset="0"/>
+                  <a:cs typeface="Arial" charset="0"/>
+                </a:rPr>
+                <a:t>Koniec Sprawdź pudełko (2)</a:t>
+              </a:r>
+            </a:p>
+            <a:p>
+              <a:pPr marL="342900" indent="-342900">
+                <a:defRPr/>
+              </a:pPr>
+              <a:r>
+                <a:rPr lang="pl-PL" dirty="0">
+                  <a:solidFill>
+                    <a:schemeClr val="accent1">
+                      <a:lumMod val="50000"/>
+                    </a:schemeClr>
+                  </a:solidFill>
+                  <a:latin typeface="Calibri" pitchFamily="34" charset="0"/>
+                  <a:cs typeface="Arial" charset="0"/>
+                </a:rPr>
+                <a:t>   </a:t>
+              </a:r>
+              <a:r>
+                <a:rPr lang="pl-PL" u="sng" dirty="0">
+                  <a:solidFill>
+                    <a:schemeClr val="accent1">
+                      <a:lumMod val="50000"/>
+                    </a:schemeClr>
+                  </a:solidFill>
+                  <a:latin typeface="Calibri" pitchFamily="34" charset="0"/>
+                  <a:cs typeface="Arial" charset="0"/>
+                </a:rPr>
+                <a:t>Sprawdź pudełko (5)</a:t>
+              </a:r>
+              <a:endParaRPr lang="pl-PL" dirty="0">
+                <a:latin typeface="Calibri" pitchFamily="34" charset="0"/>
+                <a:cs typeface="Arial" charset="0"/>
+              </a:endParaRPr>
+            </a:p>
+            <a:p>
+              <a:pPr marL="342900" indent="-342900">
+                <a:defRPr/>
+              </a:pPr>
+              <a:r>
+                <a:rPr lang="pl-PL" dirty="0">
+                  <a:latin typeface="Calibri" pitchFamily="34" charset="0"/>
+                  <a:cs typeface="Arial" charset="0"/>
+                </a:rPr>
+                <a:t>     Otwórz pudełko (6)</a:t>
+              </a:r>
+            </a:p>
+            <a:p>
+              <a:pPr marL="342900" indent="-342900">
+                <a:defRPr/>
+              </a:pPr>
+              <a:r>
+                <a:rPr lang="pl-PL" dirty="0">
+                  <a:latin typeface="Calibri" pitchFamily="34" charset="0"/>
+                  <a:cs typeface="Arial" charset="0"/>
+                </a:rPr>
+                <a:t>     </a:t>
+              </a:r>
+              <a:r>
+                <a:rPr lang="pl-PL" u="sng" dirty="0">
+                  <a:solidFill>
+                    <a:schemeClr val="accent1">
+                      <a:lumMod val="50000"/>
+                    </a:schemeClr>
+                  </a:solidFill>
+                  <a:latin typeface="Calibri" pitchFamily="34" charset="0"/>
+                  <a:cs typeface="Arial" charset="0"/>
+                </a:rPr>
+                <a:t>Sprawdź pudełko (6)</a:t>
+              </a:r>
+              <a:endParaRPr lang="pl-PL" dirty="0">
+                <a:latin typeface="Calibri" pitchFamily="34" charset="0"/>
+                <a:cs typeface="Arial" charset="0"/>
+              </a:endParaRPr>
+            </a:p>
+            <a:p>
+              <a:pPr marL="342900" indent="-342900">
+                <a:defRPr/>
+              </a:pPr>
+              <a:r>
+                <a:rPr lang="pl-PL" dirty="0">
+                  <a:latin typeface="Calibri" pitchFamily="34" charset="0"/>
+                  <a:cs typeface="Arial" charset="0"/>
+                </a:rPr>
+                <a:t>        Otwórz pudełko (6) </a:t>
+              </a:r>
+            </a:p>
+            <a:p>
+              <a:pPr marL="342900" indent="-342900">
+                <a:defRPr/>
+              </a:pPr>
+              <a:r>
+                <a:rPr lang="pl-PL" dirty="0">
+                  <a:latin typeface="Calibri" pitchFamily="34" charset="0"/>
+                  <a:cs typeface="Arial" charset="0"/>
+                </a:rPr>
+                <a:t>       </a:t>
+              </a:r>
+              <a:r>
+                <a:rPr lang="pl-PL" b="1" dirty="0">
+                  <a:latin typeface="Calibri" pitchFamily="34" charset="0"/>
+                  <a:cs typeface="Arial" charset="0"/>
+                </a:rPr>
+                <a:t>Klucz znaleziony – koniec zadania</a:t>
+              </a:r>
+            </a:p>
+            <a:p>
+              <a:pPr marL="342900" indent="-342900">
+                <a:defRPr/>
+              </a:pPr>
+              <a:r>
+                <a:rPr lang="pl-PL" dirty="0">
+                  <a:latin typeface="Calibri" pitchFamily="34" charset="0"/>
+                  <a:cs typeface="Arial" charset="0"/>
+                </a:rPr>
+                <a:t>     </a:t>
+              </a:r>
+              <a:r>
+                <a:rPr lang="pl-PL" u="sng" dirty="0">
+                  <a:solidFill>
+                    <a:srgbClr val="FF0000"/>
+                  </a:solidFill>
+                  <a:latin typeface="Calibri" pitchFamily="34" charset="0"/>
+                  <a:cs typeface="Arial" charset="0"/>
+                </a:rPr>
+                <a:t>Koniec Sprawdź pudełko (6)</a:t>
+              </a:r>
+            </a:p>
+            <a:p>
+              <a:pPr marL="342900" indent="-342900">
+                <a:defRPr/>
+              </a:pPr>
+              <a:r>
+                <a:rPr lang="pl-PL" dirty="0">
+                  <a:solidFill>
+                    <a:srgbClr val="FF0000"/>
+                  </a:solidFill>
+                  <a:latin typeface="Calibri" pitchFamily="34" charset="0"/>
+                  <a:cs typeface="Arial" charset="0"/>
+                </a:rPr>
+                <a:t>   </a:t>
+              </a:r>
+              <a:r>
+                <a:rPr lang="pl-PL" u="sng" dirty="0">
+                  <a:solidFill>
+                    <a:srgbClr val="FF0000"/>
+                  </a:solidFill>
+                  <a:latin typeface="Calibri" pitchFamily="34" charset="0"/>
+                  <a:cs typeface="Arial" charset="0"/>
+                </a:rPr>
+                <a:t>Koniec Sprawdź pudełko (5)</a:t>
+              </a:r>
+            </a:p>
+            <a:p>
+              <a:pPr marL="342900" indent="-342900">
+                <a:defRPr/>
+              </a:pPr>
+              <a:r>
+                <a:rPr lang="pl-PL" u="sng" dirty="0">
+                  <a:solidFill>
+                    <a:srgbClr val="FF0000"/>
+                  </a:solidFill>
+                  <a:latin typeface="Calibri" pitchFamily="34" charset="0"/>
+                  <a:cs typeface="Arial" charset="0"/>
+                </a:rPr>
+                <a:t>Koniec Sprawdź pudełko (1)</a:t>
+              </a:r>
+              <a:endParaRPr lang="pl-PL" dirty="0">
+                <a:latin typeface="Calibri" pitchFamily="34" charset="0"/>
+                <a:cs typeface="Arial" charset="0"/>
+              </a:endParaRPr>
+            </a:p>
+          </p:txBody>
+        </p:sp>
+        <p:cxnSp>
+          <p:nvCxnSpPr>
+            <p:cNvPr id="22" name="Łącznik prosty 21">
+              <a:extLst>
+                <a:ext uri="{FF2B5EF4-FFF2-40B4-BE49-F238E27FC236}">
+                  <a16:creationId xmlns:a16="http://schemas.microsoft.com/office/drawing/2014/main" id="{D0C68AE5-64FD-D441-A244-99B302E34134}"/>
+                </a:ext>
+              </a:extLst>
+            </p:cNvPr>
+            <p:cNvCxnSpPr/>
+            <p:nvPr/>
+          </p:nvCxnSpPr>
+          <p:spPr bwMode="auto">
+            <a:xfrm flipV="1">
+              <a:off x="9026163" y="534982"/>
+              <a:ext cx="2128837" cy="26987"/>
+            </a:xfrm>
+            <a:prstGeom prst="line">
+              <a:avLst/>
+            </a:prstGeom>
+          </p:spPr>
+          <p:style>
+            <a:lnRef idx="1">
+              <a:schemeClr val="accent1"/>
+            </a:lnRef>
+            <a:fillRef idx="0">
+              <a:schemeClr val="accent1"/>
+            </a:fillRef>
+            <a:effectRef idx="0">
+              <a:schemeClr val="accent1"/>
+            </a:effectRef>
+            <a:fontRef idx="minor">
+              <a:schemeClr val="tx1"/>
+            </a:fontRef>
+          </p:style>
+        </p:cxnSp>
+        <p:cxnSp>
+          <p:nvCxnSpPr>
+            <p:cNvPr id="23" name="Łącznik prosty 22">
+              <a:extLst>
+                <a:ext uri="{FF2B5EF4-FFF2-40B4-BE49-F238E27FC236}">
+                  <a16:creationId xmlns:a16="http://schemas.microsoft.com/office/drawing/2014/main" id="{0972EE9D-71E5-DE46-A3C7-03616E34C93A}"/>
+                </a:ext>
+              </a:extLst>
+            </p:cNvPr>
+            <p:cNvCxnSpPr/>
+            <p:nvPr/>
+          </p:nvCxnSpPr>
+          <p:spPr bwMode="auto">
+            <a:xfrm flipH="1">
+              <a:off x="9731012" y="6322840"/>
+              <a:ext cx="1463675" cy="12700"/>
+            </a:xfrm>
+            <a:prstGeom prst="line">
+              <a:avLst/>
+            </a:prstGeom>
+          </p:spPr>
+          <p:style>
+            <a:lnRef idx="1">
+              <a:schemeClr val="accent1"/>
+            </a:lnRef>
+            <a:fillRef idx="0">
+              <a:schemeClr val="accent1"/>
+            </a:fillRef>
+            <a:effectRef idx="0">
+              <a:schemeClr val="accent1"/>
+            </a:effectRef>
+            <a:fontRef idx="minor">
+              <a:schemeClr val="tx1"/>
+            </a:fontRef>
+          </p:style>
+        </p:cxnSp>
+        <p:cxnSp>
+          <p:nvCxnSpPr>
+            <p:cNvPr id="24" name="Łącznik prosty 23">
+              <a:extLst>
+                <a:ext uri="{FF2B5EF4-FFF2-40B4-BE49-F238E27FC236}">
+                  <a16:creationId xmlns:a16="http://schemas.microsoft.com/office/drawing/2014/main" id="{5AEF0B0C-4D2F-C643-AA22-289E9494BB0C}"/>
+                </a:ext>
+              </a:extLst>
+            </p:cNvPr>
+            <p:cNvCxnSpPr/>
+            <p:nvPr/>
+          </p:nvCxnSpPr>
+          <p:spPr bwMode="auto">
+            <a:xfrm flipV="1">
+              <a:off x="9235712" y="1631913"/>
+              <a:ext cx="914400" cy="14287"/>
+            </a:xfrm>
+            <a:prstGeom prst="line">
+              <a:avLst/>
+            </a:prstGeom>
+          </p:spPr>
+          <p:style>
+            <a:lnRef idx="1">
+              <a:schemeClr val="accent1"/>
+            </a:lnRef>
+            <a:fillRef idx="0">
+              <a:schemeClr val="accent1"/>
+            </a:fillRef>
+            <a:effectRef idx="0">
+              <a:schemeClr val="accent1"/>
+            </a:effectRef>
+            <a:fontRef idx="minor">
+              <a:schemeClr val="tx1"/>
+            </a:fontRef>
+          </p:style>
+        </p:cxnSp>
+        <p:cxnSp>
+          <p:nvCxnSpPr>
+            <p:cNvPr id="25" name="Łącznik prosty 24">
+              <a:extLst>
+                <a:ext uri="{FF2B5EF4-FFF2-40B4-BE49-F238E27FC236}">
+                  <a16:creationId xmlns:a16="http://schemas.microsoft.com/office/drawing/2014/main" id="{F661DF8A-8C0D-4B45-9852-23B96817966A}"/>
+                </a:ext>
+              </a:extLst>
+            </p:cNvPr>
+            <p:cNvCxnSpPr/>
+            <p:nvPr/>
+          </p:nvCxnSpPr>
+          <p:spPr bwMode="auto">
+            <a:xfrm>
+              <a:off x="10175512" y="1631913"/>
+              <a:ext cx="14287" cy="811189"/>
+            </a:xfrm>
+            <a:prstGeom prst="line">
+              <a:avLst/>
+            </a:prstGeom>
+          </p:spPr>
+          <p:style>
+            <a:lnRef idx="1">
+              <a:schemeClr val="accent1"/>
+            </a:lnRef>
+            <a:fillRef idx="0">
+              <a:schemeClr val="accent1"/>
+            </a:fillRef>
+            <a:effectRef idx="0">
+              <a:schemeClr val="accent1"/>
+            </a:effectRef>
+            <a:fontRef idx="minor">
+              <a:schemeClr val="tx1"/>
+            </a:fontRef>
+          </p:style>
+        </p:cxnSp>
+        <p:cxnSp>
+          <p:nvCxnSpPr>
+            <p:cNvPr id="26" name="Łącznik prosty 25">
+              <a:extLst>
+                <a:ext uri="{FF2B5EF4-FFF2-40B4-BE49-F238E27FC236}">
+                  <a16:creationId xmlns:a16="http://schemas.microsoft.com/office/drawing/2014/main" id="{33F20EF4-8439-9640-8183-CD52A52D759D}"/>
+                </a:ext>
+              </a:extLst>
+            </p:cNvPr>
+            <p:cNvCxnSpPr/>
+            <p:nvPr/>
+          </p:nvCxnSpPr>
+          <p:spPr bwMode="auto">
+            <a:xfrm flipH="1">
+              <a:off x="9953262" y="2441515"/>
+              <a:ext cx="209550" cy="1587"/>
+            </a:xfrm>
+            <a:prstGeom prst="line">
+              <a:avLst/>
+            </a:prstGeom>
+          </p:spPr>
+          <p:style>
+            <a:lnRef idx="1">
+              <a:schemeClr val="accent1"/>
+            </a:lnRef>
+            <a:fillRef idx="0">
+              <a:schemeClr val="accent1"/>
+            </a:fillRef>
+            <a:effectRef idx="0">
+              <a:schemeClr val="accent1"/>
+            </a:effectRef>
+            <a:fontRef idx="minor">
+              <a:schemeClr val="tx1"/>
+            </a:fontRef>
+          </p:style>
+        </p:cxnSp>
+        <p:cxnSp>
+          <p:nvCxnSpPr>
+            <p:cNvPr id="27" name="Łącznik prosty 26">
+              <a:extLst>
+                <a:ext uri="{FF2B5EF4-FFF2-40B4-BE49-F238E27FC236}">
+                  <a16:creationId xmlns:a16="http://schemas.microsoft.com/office/drawing/2014/main" id="{C407BB90-44C3-9641-B72F-BE532F55970D}"/>
+                </a:ext>
+              </a:extLst>
+            </p:cNvPr>
+            <p:cNvCxnSpPr/>
+            <p:nvPr/>
+          </p:nvCxnSpPr>
+          <p:spPr bwMode="auto">
+            <a:xfrm>
+              <a:off x="9000763" y="1122340"/>
+              <a:ext cx="1501775" cy="14288"/>
+            </a:xfrm>
+            <a:prstGeom prst="line">
+              <a:avLst/>
+            </a:prstGeom>
+          </p:spPr>
+          <p:style>
+            <a:lnRef idx="1">
+              <a:schemeClr val="accent1"/>
+            </a:lnRef>
+            <a:fillRef idx="0">
+              <a:schemeClr val="accent1"/>
+            </a:fillRef>
+            <a:effectRef idx="0">
+              <a:schemeClr val="accent1"/>
+            </a:effectRef>
+            <a:fontRef idx="minor">
+              <a:schemeClr val="tx1"/>
+            </a:fontRef>
+          </p:style>
+        </p:cxnSp>
+        <p:cxnSp>
+          <p:nvCxnSpPr>
+            <p:cNvPr id="28" name="Łącznik prosty 27">
+              <a:extLst>
+                <a:ext uri="{FF2B5EF4-FFF2-40B4-BE49-F238E27FC236}">
+                  <a16:creationId xmlns:a16="http://schemas.microsoft.com/office/drawing/2014/main" id="{D3AF6E00-A774-654E-AADB-3E8BC523AEE7}"/>
+                </a:ext>
+              </a:extLst>
+            </p:cNvPr>
+            <p:cNvCxnSpPr/>
+            <p:nvPr/>
+          </p:nvCxnSpPr>
+          <p:spPr bwMode="auto">
+            <a:xfrm flipH="1">
+              <a:off x="10489837" y="1123928"/>
+              <a:ext cx="38100" cy="3028863"/>
+            </a:xfrm>
+            <a:prstGeom prst="line">
+              <a:avLst/>
+            </a:prstGeom>
+          </p:spPr>
+          <p:style>
+            <a:lnRef idx="1">
+              <a:schemeClr val="accent1"/>
+            </a:lnRef>
+            <a:fillRef idx="0">
+              <a:schemeClr val="accent1"/>
+            </a:fillRef>
+            <a:effectRef idx="0">
+              <a:schemeClr val="accent1"/>
+            </a:effectRef>
+            <a:fontRef idx="minor">
+              <a:schemeClr val="tx1"/>
+            </a:fontRef>
+          </p:style>
+        </p:cxnSp>
+        <p:cxnSp>
+          <p:nvCxnSpPr>
+            <p:cNvPr id="29" name="Łącznik prosty 28">
+              <a:extLst>
+                <a:ext uri="{FF2B5EF4-FFF2-40B4-BE49-F238E27FC236}">
+                  <a16:creationId xmlns:a16="http://schemas.microsoft.com/office/drawing/2014/main" id="{F6AD4099-9F9E-454A-B18B-7004E657326A}"/>
+                </a:ext>
+              </a:extLst>
+            </p:cNvPr>
+            <p:cNvCxnSpPr/>
+            <p:nvPr/>
+          </p:nvCxnSpPr>
+          <p:spPr bwMode="auto">
+            <a:xfrm flipH="1">
+              <a:off x="9848487" y="4152791"/>
+              <a:ext cx="639762" cy="0"/>
+            </a:xfrm>
+            <a:prstGeom prst="line">
+              <a:avLst/>
+            </a:prstGeom>
+          </p:spPr>
+          <p:style>
+            <a:lnRef idx="1">
+              <a:schemeClr val="accent1"/>
+            </a:lnRef>
+            <a:fillRef idx="0">
+              <a:schemeClr val="accent1"/>
+            </a:fillRef>
+            <a:effectRef idx="0">
+              <a:schemeClr val="accent1"/>
+            </a:effectRef>
+            <a:fontRef idx="minor">
+              <a:schemeClr val="tx1"/>
+            </a:fontRef>
+          </p:style>
+        </p:cxnSp>
+        <p:cxnSp>
+          <p:nvCxnSpPr>
+            <p:cNvPr id="30" name="Łącznik prosty 29">
+              <a:extLst>
+                <a:ext uri="{FF2B5EF4-FFF2-40B4-BE49-F238E27FC236}">
+                  <a16:creationId xmlns:a16="http://schemas.microsoft.com/office/drawing/2014/main" id="{03D5F869-1495-4847-A738-13AC7FA024DC}"/>
+                </a:ext>
+              </a:extLst>
+            </p:cNvPr>
+            <p:cNvCxnSpPr/>
+            <p:nvPr/>
+          </p:nvCxnSpPr>
+          <p:spPr bwMode="auto">
+            <a:xfrm>
+              <a:off x="9249999" y="2703444"/>
+              <a:ext cx="925513" cy="0"/>
+            </a:xfrm>
+            <a:prstGeom prst="line">
+              <a:avLst/>
+            </a:prstGeom>
+          </p:spPr>
+          <p:style>
+            <a:lnRef idx="1">
+              <a:schemeClr val="accent1"/>
+            </a:lnRef>
+            <a:fillRef idx="0">
+              <a:schemeClr val="accent1"/>
+            </a:fillRef>
+            <a:effectRef idx="0">
+              <a:schemeClr val="accent1"/>
+            </a:effectRef>
+            <a:fontRef idx="minor">
+              <a:schemeClr val="tx1"/>
+            </a:fontRef>
+          </p:style>
+        </p:cxnSp>
+        <p:cxnSp>
+          <p:nvCxnSpPr>
+            <p:cNvPr id="31" name="Łącznik prosty 30">
+              <a:extLst>
+                <a:ext uri="{FF2B5EF4-FFF2-40B4-BE49-F238E27FC236}">
+                  <a16:creationId xmlns:a16="http://schemas.microsoft.com/office/drawing/2014/main" id="{84E12F57-1248-554A-B6E5-EEE105F1DCA1}"/>
+                </a:ext>
+              </a:extLst>
+            </p:cNvPr>
+            <p:cNvCxnSpPr/>
+            <p:nvPr/>
+          </p:nvCxnSpPr>
+          <p:spPr bwMode="auto">
+            <a:xfrm flipH="1" flipV="1">
+              <a:off x="9196024" y="4963979"/>
+              <a:ext cx="1528763" cy="0"/>
+            </a:xfrm>
+            <a:prstGeom prst="line">
+              <a:avLst/>
+            </a:prstGeom>
+          </p:spPr>
+          <p:style>
+            <a:lnRef idx="1">
+              <a:schemeClr val="accent1"/>
+            </a:lnRef>
+            <a:fillRef idx="0">
+              <a:schemeClr val="accent1"/>
+            </a:fillRef>
+            <a:effectRef idx="0">
+              <a:schemeClr val="accent1"/>
+            </a:effectRef>
+            <a:fontRef idx="minor">
+              <a:schemeClr val="tx1"/>
+            </a:fontRef>
+          </p:style>
+        </p:cxnSp>
+        <p:cxnSp>
+          <p:nvCxnSpPr>
+            <p:cNvPr id="32" name="Łącznik prosty 31">
+              <a:extLst>
+                <a:ext uri="{FF2B5EF4-FFF2-40B4-BE49-F238E27FC236}">
+                  <a16:creationId xmlns:a16="http://schemas.microsoft.com/office/drawing/2014/main" id="{0B2BA1C4-22BA-7942-96EA-677142044AAF}"/>
+                </a:ext>
+              </a:extLst>
+            </p:cNvPr>
+            <p:cNvCxnSpPr/>
+            <p:nvPr/>
+          </p:nvCxnSpPr>
+          <p:spPr bwMode="auto">
+            <a:xfrm>
+              <a:off x="9223012" y="4349635"/>
+              <a:ext cx="1749425" cy="12700"/>
+            </a:xfrm>
+            <a:prstGeom prst="line">
+              <a:avLst/>
+            </a:prstGeom>
+          </p:spPr>
+          <p:style>
+            <a:lnRef idx="1">
+              <a:schemeClr val="accent1"/>
+            </a:lnRef>
+            <a:fillRef idx="0">
+              <a:schemeClr val="accent1"/>
+            </a:fillRef>
+            <a:effectRef idx="0">
+              <a:schemeClr val="accent1"/>
+            </a:effectRef>
+            <a:fontRef idx="minor">
+              <a:schemeClr val="tx1"/>
+            </a:fontRef>
+          </p:style>
+        </p:cxnSp>
+        <p:cxnSp>
+          <p:nvCxnSpPr>
+            <p:cNvPr id="33" name="Łącznik prosty 32">
+              <a:extLst>
+                <a:ext uri="{FF2B5EF4-FFF2-40B4-BE49-F238E27FC236}">
+                  <a16:creationId xmlns:a16="http://schemas.microsoft.com/office/drawing/2014/main" id="{0BED5232-6F65-8C40-B2C4-C6053BC5CE93}"/>
+                </a:ext>
+              </a:extLst>
+            </p:cNvPr>
+            <p:cNvCxnSpPr/>
+            <p:nvPr/>
+          </p:nvCxnSpPr>
+          <p:spPr bwMode="auto">
+            <a:xfrm flipH="1">
+              <a:off x="9850074" y="3565433"/>
+              <a:ext cx="300038" cy="0"/>
+            </a:xfrm>
+            <a:prstGeom prst="line">
+              <a:avLst/>
+            </a:prstGeom>
+          </p:spPr>
+          <p:style>
+            <a:lnRef idx="1">
+              <a:schemeClr val="accent1"/>
+            </a:lnRef>
+            <a:fillRef idx="0">
+              <a:schemeClr val="accent1"/>
+            </a:fillRef>
+            <a:effectRef idx="0">
+              <a:schemeClr val="accent1"/>
+            </a:effectRef>
+            <a:fontRef idx="minor">
+              <a:schemeClr val="tx1"/>
+            </a:fontRef>
+          </p:style>
+        </p:cxnSp>
+        <p:cxnSp>
+          <p:nvCxnSpPr>
+            <p:cNvPr id="34" name="Łącznik prosty 33">
+              <a:extLst>
+                <a:ext uri="{FF2B5EF4-FFF2-40B4-BE49-F238E27FC236}">
+                  <a16:creationId xmlns:a16="http://schemas.microsoft.com/office/drawing/2014/main" id="{100C1011-46A3-9C40-B96D-19BEA4FCE093}"/>
+                </a:ext>
+              </a:extLst>
+            </p:cNvPr>
+            <p:cNvCxnSpPr/>
+            <p:nvPr/>
+          </p:nvCxnSpPr>
+          <p:spPr bwMode="auto">
+            <a:xfrm flipH="1">
+              <a:off x="10947037" y="4297248"/>
+              <a:ext cx="0" cy="1738263"/>
+            </a:xfrm>
+            <a:prstGeom prst="line">
+              <a:avLst/>
+            </a:prstGeom>
+          </p:spPr>
+          <p:style>
+            <a:lnRef idx="1">
+              <a:schemeClr val="accent1"/>
+            </a:lnRef>
+            <a:fillRef idx="0">
+              <a:schemeClr val="accent1"/>
+            </a:fillRef>
+            <a:effectRef idx="0">
+              <a:schemeClr val="accent1"/>
+            </a:effectRef>
+            <a:fontRef idx="minor">
+              <a:schemeClr val="tx1"/>
+            </a:fontRef>
+          </p:style>
+        </p:cxnSp>
+        <p:cxnSp>
+          <p:nvCxnSpPr>
+            <p:cNvPr id="35" name="Łącznik prosty 34">
+              <a:extLst>
+                <a:ext uri="{FF2B5EF4-FFF2-40B4-BE49-F238E27FC236}">
+                  <a16:creationId xmlns:a16="http://schemas.microsoft.com/office/drawing/2014/main" id="{598D6714-9FBD-EA4F-A606-D624AFC4394E}"/>
+                </a:ext>
+              </a:extLst>
+            </p:cNvPr>
+            <p:cNvCxnSpPr/>
+            <p:nvPr/>
+          </p:nvCxnSpPr>
+          <p:spPr bwMode="auto">
+            <a:xfrm flipV="1">
+              <a:off x="9835787" y="6021224"/>
+              <a:ext cx="1123950" cy="14288"/>
+            </a:xfrm>
+            <a:prstGeom prst="line">
+              <a:avLst/>
+            </a:prstGeom>
+          </p:spPr>
+          <p:style>
+            <a:lnRef idx="1">
+              <a:schemeClr val="accent1"/>
+            </a:lnRef>
+            <a:fillRef idx="0">
+              <a:schemeClr val="accent1"/>
+            </a:fillRef>
+            <a:effectRef idx="0">
+              <a:schemeClr val="accent1"/>
+            </a:effectRef>
+            <a:fontRef idx="minor">
+              <a:schemeClr val="tx1"/>
+            </a:fontRef>
+          </p:style>
+        </p:cxnSp>
+        <p:cxnSp>
+          <p:nvCxnSpPr>
+            <p:cNvPr id="36" name="Łącznik prosty 35">
+              <a:extLst>
+                <a:ext uri="{FF2B5EF4-FFF2-40B4-BE49-F238E27FC236}">
+                  <a16:creationId xmlns:a16="http://schemas.microsoft.com/office/drawing/2014/main" id="{6873ECB4-2DF5-7448-A140-0840E1AEB0E5}"/>
+                </a:ext>
+              </a:extLst>
+            </p:cNvPr>
+            <p:cNvCxnSpPr/>
+            <p:nvPr/>
+          </p:nvCxnSpPr>
+          <p:spPr bwMode="auto">
+            <a:xfrm flipH="1" flipV="1">
+              <a:off x="9896112" y="5768819"/>
+              <a:ext cx="815975" cy="4762"/>
+            </a:xfrm>
+            <a:prstGeom prst="line">
+              <a:avLst/>
+            </a:prstGeom>
+          </p:spPr>
+          <p:style>
+            <a:lnRef idx="1">
+              <a:schemeClr val="accent1"/>
+            </a:lnRef>
+            <a:fillRef idx="0">
+              <a:schemeClr val="accent1"/>
+            </a:fillRef>
+            <a:effectRef idx="0">
+              <a:schemeClr val="accent1"/>
+            </a:effectRef>
+            <a:fontRef idx="minor">
+              <a:schemeClr val="tx1"/>
+            </a:fontRef>
+          </p:style>
+        </p:cxnSp>
+      </p:grpSp>
+      <p:cxnSp>
+        <p:nvCxnSpPr>
+          <p:cNvPr id="37" name="Łącznik prosty 36">
+            <a:extLst>
+              <a:ext uri="{FF2B5EF4-FFF2-40B4-BE49-F238E27FC236}">
+                <a16:creationId xmlns:a16="http://schemas.microsoft.com/office/drawing/2014/main" id="{CB025540-7E12-3B46-A03C-9EDDD7C3BDC0}"/>
+              </a:ext>
+            </a:extLst>
+          </p:cNvPr>
+          <p:cNvCxnSpPr/>
+          <p:nvPr/>
+        </p:nvCxnSpPr>
+        <p:spPr bwMode="auto">
+          <a:xfrm>
+            <a:off x="6788150" y="2541588"/>
+            <a:ext cx="12700" cy="811212"/>
+          </a:xfrm>
+          <a:prstGeom prst="line">
+            <a:avLst/>
+          </a:prstGeom>
+        </p:spPr>
+        <p:style>
+          <a:lnRef idx="1">
+            <a:schemeClr val="accent1"/>
+          </a:lnRef>
+          <a:fillRef idx="0">
+            <a:schemeClr val="accent1"/>
+          </a:fillRef>
+          <a:effectRef idx="0">
+            <a:schemeClr val="accent1"/>
+          </a:effectRef>
+          <a:fontRef idx="minor">
+            <a:schemeClr val="tx1"/>
+          </a:fontRef>
+        </p:style>
+      </p:cxnSp>
+      <p:cxnSp>
+        <p:nvCxnSpPr>
+          <p:cNvPr id="38" name="Łącznik prosty 37">
+            <a:extLst>
+              <a:ext uri="{FF2B5EF4-FFF2-40B4-BE49-F238E27FC236}">
+                <a16:creationId xmlns:a16="http://schemas.microsoft.com/office/drawing/2014/main" id="{96583A6B-A0F5-2944-9EC2-0AB0ECAE5255}"/>
+              </a:ext>
+            </a:extLst>
+          </p:cNvPr>
+          <p:cNvCxnSpPr/>
+          <p:nvPr/>
+        </p:nvCxnSpPr>
+        <p:spPr bwMode="auto">
+          <a:xfrm>
+            <a:off x="7375525" y="4789488"/>
+            <a:ext cx="14288" cy="809625"/>
+          </a:xfrm>
+          <a:prstGeom prst="line">
+            <a:avLst/>
+          </a:prstGeom>
+        </p:spPr>
+        <p:style>
+          <a:lnRef idx="1">
+            <a:schemeClr val="accent1"/>
+          </a:lnRef>
+          <a:fillRef idx="0">
+            <a:schemeClr val="accent1"/>
+          </a:fillRef>
+          <a:effectRef idx="0">
+            <a:schemeClr val="accent1"/>
+          </a:effectRef>
+          <a:fontRef idx="minor">
+            <a:schemeClr val="tx1"/>
+          </a:fontRef>
+        </p:style>
+      </p:cxnSp>
+      <p:cxnSp>
+        <p:nvCxnSpPr>
+          <p:cNvPr id="39" name="Łącznik prosty 38">
+            <a:extLst>
+              <a:ext uri="{FF2B5EF4-FFF2-40B4-BE49-F238E27FC236}">
+                <a16:creationId xmlns:a16="http://schemas.microsoft.com/office/drawing/2014/main" id="{93F25F32-1C91-8445-8469-53B8BE358D83}"/>
+              </a:ext>
+            </a:extLst>
+          </p:cNvPr>
+          <p:cNvCxnSpPr/>
+          <p:nvPr/>
+        </p:nvCxnSpPr>
+        <p:spPr bwMode="auto">
+          <a:xfrm>
+            <a:off x="7785100" y="379413"/>
+            <a:ext cx="26988" cy="5811837"/>
+          </a:xfrm>
+          <a:prstGeom prst="line">
+            <a:avLst/>
+          </a:prstGeom>
+          <a:ln w="25400">
+            <a:solidFill>
+              <a:schemeClr val="tx1"/>
+            </a:solidFill>
+          </a:ln>
+        </p:spPr>
+        <p:style>
+          <a:lnRef idx="1">
+            <a:schemeClr val="accent1"/>
+          </a:lnRef>
+          <a:fillRef idx="0">
+            <a:schemeClr val="accent1"/>
+          </a:fillRef>
+          <a:effectRef idx="0">
+            <a:schemeClr val="accent1"/>
+          </a:effectRef>
+          <a:fontRef idx="minor">
+            <a:schemeClr val="tx1"/>
+          </a:fontRef>
+        </p:style>
+      </p:cxnSp>
+    </p:spTree>
+  </p:cSld>
+  <p:clrMapOvr>
+    <a:masterClrMapping/>
+  </p:clrMapOvr>
+</p:sld>
+</file>
+
+<file path=ppt/slides/slide2.xml><?xml version="1.0" encoding="utf-8"?>
 <p:sld xmlns:a="http://schemas.openxmlformats.org/drawingml/2006/main" xmlns:r="http://schemas.openxmlformats.org/officeDocument/2006/relationships" xmlns:p="http://schemas.openxmlformats.org/presentationml/2006/main">
   <p:cSld>
     <p:spTree>
@@ -49908,7 +49402,7 @@
 </p:sld>
 </file>
 
-<file path=ppt/slides/slide4.xml><?xml version="1.0" encoding="utf-8"?>
+<file path=ppt/slides/slide3.xml><?xml version="1.0" encoding="utf-8"?>
 <p:sld xmlns:a="http://schemas.openxmlformats.org/drawingml/2006/main" xmlns:r="http://schemas.openxmlformats.org/officeDocument/2006/relationships" xmlns:p="http://schemas.openxmlformats.org/presentationml/2006/main">
   <p:cSld>
     <p:spTree>
@@ -50676,7 +50170,7 @@
 </p:sld>
 </file>
 
-<file path=ppt/slides/slide5.xml><?xml version="1.0" encoding="utf-8"?>
+<file path=ppt/slides/slide4.xml><?xml version="1.0" encoding="utf-8"?>
 <p:sld xmlns:a="http://schemas.openxmlformats.org/drawingml/2006/main" xmlns:r="http://schemas.openxmlformats.org/officeDocument/2006/relationships" xmlns:p="http://schemas.openxmlformats.org/presentationml/2006/main">
   <p:cSld>
     <p:spTree>
@@ -51818,7 +51312,7 @@
 </p:sld>
 </file>
 
-<file path=ppt/slides/slide6.xml><?xml version="1.0" encoding="utf-8"?>
+<file path=ppt/slides/slide5.xml><?xml version="1.0" encoding="utf-8"?>
 <p:sld xmlns:a="http://schemas.openxmlformats.org/drawingml/2006/main" xmlns:r="http://schemas.openxmlformats.org/officeDocument/2006/relationships" xmlns:p="http://schemas.openxmlformats.org/presentationml/2006/main">
   <p:cSld>
     <p:spTree>
@@ -52694,7 +52188,7 @@
 </p:sld>
 </file>
 
-<file path=ppt/slides/slide7.xml><?xml version="1.0" encoding="utf-8"?>
+<file path=ppt/slides/slide6.xml><?xml version="1.0" encoding="utf-8"?>
 <p:sld xmlns:a="http://schemas.openxmlformats.org/drawingml/2006/main" xmlns:r="http://schemas.openxmlformats.org/officeDocument/2006/relationships" xmlns:p="http://schemas.openxmlformats.org/presentationml/2006/main">
   <p:cSld>
     <p:spTree>
@@ -53515,7 +53009,7 @@
 </p:sld>
 </file>
 
-<file path=ppt/slides/slide8.xml><?xml version="1.0" encoding="utf-8"?>
+<file path=ppt/slides/slide7.xml><?xml version="1.0" encoding="utf-8"?>
 <p:sld xmlns:a="http://schemas.openxmlformats.org/drawingml/2006/main" xmlns:r="http://schemas.openxmlformats.org/officeDocument/2006/relationships" xmlns:p="http://schemas.openxmlformats.org/presentationml/2006/main">
   <p:cSld>
     <p:spTree>
@@ -53536,9 +53030,7 @@
         <p:nvGraphicFramePr>
           <p:cNvPr id="7" name="Diagram 6"/>
           <p:cNvGraphicFramePr/>
-          <p:nvPr>
-            <p:extLst/>
-          </p:nvPr>
+          <p:nvPr/>
         </p:nvGraphicFramePr>
         <p:xfrm>
           <a:off x="5874419" y="639129"/>
@@ -54332,7 +53824,7 @@
 </p:sld>
 </file>
 
-<file path=ppt/slides/slide9.xml><?xml version="1.0" encoding="utf-8"?>
+<file path=ppt/slides/slide8.xml><?xml version="1.0" encoding="utf-8"?>
 <p:sld xmlns:a="http://schemas.openxmlformats.org/drawingml/2006/main" xmlns:r="http://schemas.openxmlformats.org/officeDocument/2006/relationships" xmlns:p="http://schemas.openxmlformats.org/presentationml/2006/main">
   <p:cSld>
     <p:spTree>
@@ -54931,6 +54423,529 @@
 </p:sld>
 </file>
 
+<file path=ppt/slides/slide9.xml><?xml version="1.0" encoding="utf-8"?>
+<p:sld xmlns:a="http://schemas.openxmlformats.org/drawingml/2006/main" xmlns:r="http://schemas.openxmlformats.org/officeDocument/2006/relationships" xmlns:p="http://schemas.openxmlformats.org/presentationml/2006/main">
+  <p:cSld>
+    <p:spTree>
+      <p:nvGrpSpPr>
+        <p:cNvPr id="1" name=""/>
+        <p:cNvGrpSpPr/>
+        <p:nvPr/>
+      </p:nvGrpSpPr>
+      <p:grpSpPr>
+        <a:xfrm>
+          <a:off x="0" y="0"/>
+          <a:ext cx="0" cy="0"/>
+          <a:chOff x="0" y="0"/>
+          <a:chExt cx="0" cy="0"/>
+        </a:xfrm>
+      </p:grpSpPr>
+      <p:graphicFrame>
+        <p:nvGraphicFramePr>
+          <p:cNvPr id="7" name="Diagram 6"/>
+          <p:cNvGraphicFramePr/>
+          <p:nvPr>
+            <p:extLst>
+              <p:ext uri="{D42A27DB-BD31-4B8C-83A1-F6EECF244321}">
+                <p14:modId xmlns:p14="http://schemas.microsoft.com/office/powerpoint/2010/main" val="1036529082"/>
+              </p:ext>
+            </p:extLst>
+          </p:nvPr>
+        </p:nvGraphicFramePr>
+        <p:xfrm>
+          <a:off x="5874419" y="639129"/>
+          <a:ext cx="5423613" cy="5278786"/>
+        </p:xfrm>
+        <a:graphic>
+          <a:graphicData uri="http://schemas.openxmlformats.org/drawingml/2006/diagram">
+            <dgm:relIds xmlns:dgm="http://schemas.openxmlformats.org/drawingml/2006/diagram" xmlns:r="http://schemas.openxmlformats.org/officeDocument/2006/relationships" r:dm="rId2" r:lo="rId3" r:qs="rId4" r:cs="rId5"/>
+          </a:graphicData>
+        </a:graphic>
+      </p:graphicFrame>
+      <p:sp>
+        <p:nvSpPr>
+          <p:cNvPr id="42" name="pole tekstowe 41">
+            <a:extLst>
+              <a:ext uri="{FF2B5EF4-FFF2-40B4-BE49-F238E27FC236}">
+                <a16:creationId xmlns:a16="http://schemas.microsoft.com/office/drawing/2014/main" id="{35EE22A1-F34D-7D4B-BC0C-1EE767C0ADF3}"/>
+              </a:ext>
+            </a:extLst>
+          </p:cNvPr>
+          <p:cNvSpPr txBox="1"/>
+          <p:nvPr/>
+        </p:nvSpPr>
+        <p:spPr>
+          <a:xfrm>
+            <a:off x="676346" y="117480"/>
+            <a:ext cx="11515653" cy="523220"/>
+          </a:xfrm>
+          <a:prstGeom prst="rect">
+            <a:avLst/>
+          </a:prstGeom>
+          <a:noFill/>
+        </p:spPr>
+        <p:txBody>
+          <a:bodyPr wrap="square" rtlCol="0">
+            <a:spAutoFit/>
+          </a:bodyPr>
+          <a:lstStyle/>
+          <a:p>
+            <a:r>
+              <a:rPr lang="pl-PL" sz="2800" b="1" dirty="0">
+                <a:latin typeface="+mj-lt"/>
+              </a:rPr>
+              <a:t>Wyrzucamy pudełko 4</a:t>
+            </a:r>
+          </a:p>
+        </p:txBody>
+      </p:sp>
+      <p:grpSp>
+        <p:nvGrpSpPr>
+          <p:cNvPr id="43" name="Grupa 38">
+            <a:extLst>
+              <a:ext uri="{FF2B5EF4-FFF2-40B4-BE49-F238E27FC236}">
+                <a16:creationId xmlns:a16="http://schemas.microsoft.com/office/drawing/2014/main" id="{3FB6C04F-ED80-BB41-AE79-24450FEBD822}"/>
+              </a:ext>
+            </a:extLst>
+          </p:cNvPr>
+          <p:cNvGrpSpPr>
+            <a:grpSpLocks/>
+          </p:cNvGrpSpPr>
+          <p:nvPr/>
+        </p:nvGrpSpPr>
+        <p:grpSpPr bwMode="auto">
+          <a:xfrm>
+            <a:off x="676346" y="938694"/>
+            <a:ext cx="4402138" cy="4979221"/>
+            <a:chOff x="3487784" y="1711236"/>
+            <a:chExt cx="4402182" cy="4977019"/>
+          </a:xfrm>
+        </p:grpSpPr>
+        <p:sp>
+          <p:nvSpPr>
+            <p:cNvPr id="46" name="Prostokąt 45">
+              <a:extLst>
+                <a:ext uri="{FF2B5EF4-FFF2-40B4-BE49-F238E27FC236}">
+                  <a16:creationId xmlns:a16="http://schemas.microsoft.com/office/drawing/2014/main" id="{CC3C324B-0D55-6645-A09C-2BA1C51349DB}"/>
+                </a:ext>
+              </a:extLst>
+            </p:cNvPr>
+            <p:cNvSpPr/>
+            <p:nvPr/>
+          </p:nvSpPr>
+          <p:spPr>
+            <a:xfrm>
+              <a:off x="5834132" y="1968297"/>
+              <a:ext cx="1790718" cy="3805191"/>
+            </a:xfrm>
+            <a:prstGeom prst="rect">
+              <a:avLst/>
+            </a:prstGeom>
+            <a:noFill/>
+          </p:spPr>
+          <p:style>
+            <a:lnRef idx="2">
+              <a:schemeClr val="accent1">
+                <a:shade val="50000"/>
+              </a:schemeClr>
+            </a:lnRef>
+            <a:fillRef idx="1">
+              <a:schemeClr val="accent1"/>
+            </a:fillRef>
+            <a:effectRef idx="0">
+              <a:schemeClr val="accent1"/>
+            </a:effectRef>
+            <a:fontRef idx="minor">
+              <a:schemeClr val="lt1"/>
+            </a:fontRef>
+          </p:style>
+          <p:txBody>
+            <a:bodyPr anchor="ctr"/>
+            <a:lstStyle/>
+            <a:p>
+              <a:pPr algn="ctr" fontAlgn="auto">
+                <a:spcBef>
+                  <a:spcPts val="0"/>
+                </a:spcBef>
+                <a:spcAft>
+                  <a:spcPts val="0"/>
+                </a:spcAft>
+                <a:defRPr/>
+              </a:pPr>
+              <a:endParaRPr lang="pl-PL"/>
+            </a:p>
+          </p:txBody>
+        </p:sp>
+        <p:sp>
+          <p:nvSpPr>
+            <p:cNvPr id="47" name="Prostokąt 46">
+              <a:extLst>
+                <a:ext uri="{FF2B5EF4-FFF2-40B4-BE49-F238E27FC236}">
+                  <a16:creationId xmlns:a16="http://schemas.microsoft.com/office/drawing/2014/main" id="{51A61060-F834-2041-8CB0-976217A1DE7D}"/>
+                </a:ext>
+              </a:extLst>
+            </p:cNvPr>
+            <p:cNvSpPr/>
+            <p:nvPr/>
+          </p:nvSpPr>
+          <p:spPr>
+            <a:xfrm>
+              <a:off x="3752900" y="2238052"/>
+              <a:ext cx="1720867" cy="3967530"/>
+            </a:xfrm>
+            <a:prstGeom prst="rect">
+              <a:avLst/>
+            </a:prstGeom>
+            <a:noFill/>
+          </p:spPr>
+          <p:style>
+            <a:lnRef idx="2">
+              <a:schemeClr val="accent1">
+                <a:shade val="50000"/>
+              </a:schemeClr>
+            </a:lnRef>
+            <a:fillRef idx="1">
+              <a:schemeClr val="accent1"/>
+            </a:fillRef>
+            <a:effectRef idx="0">
+              <a:schemeClr val="accent1"/>
+            </a:effectRef>
+            <a:fontRef idx="minor">
+              <a:schemeClr val="lt1"/>
+            </a:fontRef>
+          </p:style>
+          <p:txBody>
+            <a:bodyPr anchor="ctr"/>
+            <a:lstStyle/>
+            <a:p>
+              <a:pPr algn="ctr" fontAlgn="auto">
+                <a:spcBef>
+                  <a:spcPts val="0"/>
+                </a:spcBef>
+                <a:spcAft>
+                  <a:spcPts val="0"/>
+                </a:spcAft>
+                <a:defRPr/>
+              </a:pPr>
+              <a:endParaRPr lang="pl-PL"/>
+            </a:p>
+          </p:txBody>
+        </p:sp>
+        <p:sp>
+          <p:nvSpPr>
+            <p:cNvPr id="48" name="Prostokąt 47">
+              <a:extLst>
+                <a:ext uri="{FF2B5EF4-FFF2-40B4-BE49-F238E27FC236}">
+                  <a16:creationId xmlns:a16="http://schemas.microsoft.com/office/drawing/2014/main" id="{7EC55D12-4F95-6347-8339-6C288767BC27}"/>
+                </a:ext>
+              </a:extLst>
+            </p:cNvPr>
+            <p:cNvSpPr/>
+            <p:nvPr/>
+          </p:nvSpPr>
+          <p:spPr>
+            <a:xfrm>
+              <a:off x="3487784" y="1711236"/>
+              <a:ext cx="4402182" cy="4977019"/>
+            </a:xfrm>
+            <a:prstGeom prst="rect">
+              <a:avLst/>
+            </a:prstGeom>
+            <a:noFill/>
+            <a:ln w="25400"/>
+          </p:spPr>
+          <p:style>
+            <a:lnRef idx="2">
+              <a:schemeClr val="accent1">
+                <a:shade val="50000"/>
+              </a:schemeClr>
+            </a:lnRef>
+            <a:fillRef idx="1">
+              <a:schemeClr val="accent1"/>
+            </a:fillRef>
+            <a:effectRef idx="0">
+              <a:schemeClr val="accent1"/>
+            </a:effectRef>
+            <a:fontRef idx="minor">
+              <a:schemeClr val="lt1"/>
+            </a:fontRef>
+          </p:style>
+          <p:txBody>
+            <a:bodyPr anchor="ctr"/>
+            <a:lstStyle/>
+            <a:p>
+              <a:pPr algn="ctr" fontAlgn="auto">
+                <a:spcBef>
+                  <a:spcPts val="0"/>
+                </a:spcBef>
+                <a:spcAft>
+                  <a:spcPts val="0"/>
+                </a:spcAft>
+                <a:defRPr/>
+              </a:pPr>
+              <a:endParaRPr lang="pl-PL"/>
+            </a:p>
+          </p:txBody>
+        </p:sp>
+        <p:grpSp>
+          <p:nvGrpSpPr>
+            <p:cNvPr id="55" name="Grupa 29">
+              <a:extLst>
+                <a:ext uri="{FF2B5EF4-FFF2-40B4-BE49-F238E27FC236}">
+                  <a16:creationId xmlns:a16="http://schemas.microsoft.com/office/drawing/2014/main" id="{FBD6FFA2-7AA2-F540-8570-F01D61FB0BB7}"/>
+                </a:ext>
+              </a:extLst>
+            </p:cNvPr>
+            <p:cNvGrpSpPr>
+              <a:grpSpLocks/>
+            </p:cNvGrpSpPr>
+            <p:nvPr/>
+          </p:nvGrpSpPr>
+          <p:grpSpPr bwMode="auto">
+            <a:xfrm>
+              <a:off x="5929448" y="1998613"/>
+              <a:ext cx="339728" cy="369333"/>
+              <a:chOff x="8631869" y="71250"/>
+              <a:chExt cx="522658" cy="604361"/>
+            </a:xfrm>
+          </p:grpSpPr>
+          <p:sp>
+            <p:nvSpPr>
+              <p:cNvPr id="59" name="Elipsa 30">
+                <a:extLst>
+                  <a:ext uri="{FF2B5EF4-FFF2-40B4-BE49-F238E27FC236}">
+                    <a16:creationId xmlns:a16="http://schemas.microsoft.com/office/drawing/2014/main" id="{FAB08FB6-71B1-544E-A34A-EA201798B272}"/>
+                  </a:ext>
+                </a:extLst>
+              </p:cNvPr>
+              <p:cNvSpPr/>
+              <p:nvPr/>
+            </p:nvSpPr>
+            <p:spPr>
+              <a:xfrm>
+                <a:off x="8631869" y="138442"/>
+                <a:ext cx="522658" cy="469979"/>
+              </a:xfrm>
+              <a:prstGeom prst="ellipse">
+                <a:avLst/>
+              </a:prstGeom>
+            </p:spPr>
+            <p:style>
+              <a:lnRef idx="2">
+                <a:schemeClr val="accent1">
+                  <a:shade val="50000"/>
+                </a:schemeClr>
+              </a:lnRef>
+              <a:fillRef idx="1">
+                <a:schemeClr val="accent1"/>
+              </a:fillRef>
+              <a:effectRef idx="0">
+                <a:schemeClr val="accent1"/>
+              </a:effectRef>
+              <a:fontRef idx="minor">
+                <a:schemeClr val="lt1"/>
+              </a:fontRef>
+            </p:style>
+            <p:txBody>
+              <a:bodyPr anchor="ctr"/>
+              <a:lstStyle/>
+              <a:p>
+                <a:pPr algn="ctr" fontAlgn="auto">
+                  <a:spcBef>
+                    <a:spcPts val="0"/>
+                  </a:spcBef>
+                  <a:spcAft>
+                    <a:spcPts val="0"/>
+                  </a:spcAft>
+                  <a:defRPr/>
+                </a:pPr>
+                <a:endParaRPr lang="pl-PL"/>
+              </a:p>
+            </p:txBody>
+          </p:sp>
+          <p:sp>
+            <p:nvSpPr>
+              <p:cNvPr id="60" name="pole tekstowe 31">
+                <a:extLst>
+                  <a:ext uri="{FF2B5EF4-FFF2-40B4-BE49-F238E27FC236}">
+                    <a16:creationId xmlns:a16="http://schemas.microsoft.com/office/drawing/2014/main" id="{40D58FDA-5317-3746-A52F-90CDD4171FA2}"/>
+                  </a:ext>
+                </a:extLst>
+              </p:cNvPr>
+              <p:cNvSpPr txBox="1">
+                <a:spLocks noChangeArrowheads="1"/>
+              </p:cNvSpPr>
+              <p:nvPr/>
+            </p:nvSpPr>
+            <p:spPr bwMode="auto">
+              <a:xfrm>
+                <a:off x="8704474" y="71250"/>
+                <a:ext cx="313509" cy="604361"/>
+              </a:xfrm>
+              <a:prstGeom prst="rect">
+                <a:avLst/>
+              </a:prstGeom>
+              <a:noFill/>
+              <a:ln>
+                <a:noFill/>
+              </a:ln>
+              <a:extLst>
+                <a:ext uri="{909E8E84-426E-40DD-AFC4-6F175D3DCCD1}">
+                  <a14:hiddenFill xmlns:a14="http://schemas.microsoft.com/office/drawing/2010/main">
+                    <a:solidFill>
+                      <a:srgbClr val="FFFFFF"/>
+                    </a:solidFill>
+                  </a14:hiddenFill>
+                </a:ext>
+                <a:ext uri="{91240B29-F687-4F45-9708-019B960494DF}">
+                  <a14:hiddenLine xmlns:a14="http://schemas.microsoft.com/office/drawing/2010/main" w="9525">
+                    <a:solidFill>
+                      <a:srgbClr val="000000"/>
+                    </a:solidFill>
+                    <a:miter lim="800000"/>
+                    <a:headEnd/>
+                    <a:tailEnd/>
+                  </a14:hiddenLine>
+                </a:ext>
+              </a:extLst>
+            </p:spPr>
+            <p:txBody>
+              <a:bodyPr>
+                <a:spAutoFit/>
+              </a:bodyPr>
+              <a:lstStyle>
+                <a:lvl1pPr eaLnBrk="0" hangingPunct="0">
+                  <a:defRPr>
+                    <a:solidFill>
+                      <a:schemeClr val="tx1"/>
+                    </a:solidFill>
+                    <a:latin typeface="Arial" panose="020B0604020202020204" pitchFamily="34" charset="0"/>
+                    <a:cs typeface="Arial" panose="020B0604020202020204" pitchFamily="34" charset="0"/>
+                  </a:defRPr>
+                </a:lvl1pPr>
+                <a:lvl2pPr marL="742950" indent="-285750" eaLnBrk="0" hangingPunct="0">
+                  <a:defRPr>
+                    <a:solidFill>
+                      <a:schemeClr val="tx1"/>
+                    </a:solidFill>
+                    <a:latin typeface="Arial" panose="020B0604020202020204" pitchFamily="34" charset="0"/>
+                    <a:cs typeface="Arial" panose="020B0604020202020204" pitchFamily="34" charset="0"/>
+                  </a:defRPr>
+                </a:lvl2pPr>
+                <a:lvl3pPr marL="1143000" indent="-228600" eaLnBrk="0" hangingPunct="0">
+                  <a:defRPr>
+                    <a:solidFill>
+                      <a:schemeClr val="tx1"/>
+                    </a:solidFill>
+                    <a:latin typeface="Arial" panose="020B0604020202020204" pitchFamily="34" charset="0"/>
+                    <a:cs typeface="Arial" panose="020B0604020202020204" pitchFamily="34" charset="0"/>
+                  </a:defRPr>
+                </a:lvl3pPr>
+                <a:lvl4pPr marL="1600200" indent="-228600" eaLnBrk="0" hangingPunct="0">
+                  <a:defRPr>
+                    <a:solidFill>
+                      <a:schemeClr val="tx1"/>
+                    </a:solidFill>
+                    <a:latin typeface="Arial" panose="020B0604020202020204" pitchFamily="34" charset="0"/>
+                    <a:cs typeface="Arial" panose="020B0604020202020204" pitchFamily="34" charset="0"/>
+                  </a:defRPr>
+                </a:lvl4pPr>
+                <a:lvl5pPr marL="2057400" indent="-228600" eaLnBrk="0" hangingPunct="0">
+                  <a:defRPr>
+                    <a:solidFill>
+                      <a:schemeClr val="tx1"/>
+                    </a:solidFill>
+                    <a:latin typeface="Arial" panose="020B0604020202020204" pitchFamily="34" charset="0"/>
+                    <a:cs typeface="Arial" panose="020B0604020202020204" pitchFamily="34" charset="0"/>
+                  </a:defRPr>
+                </a:lvl5pPr>
+                <a:lvl6pPr marL="2514600" indent="-228600" eaLnBrk="0" fontAlgn="base" hangingPunct="0">
+                  <a:spcBef>
+                    <a:spcPct val="0"/>
+                  </a:spcBef>
+                  <a:spcAft>
+                    <a:spcPct val="0"/>
+                  </a:spcAft>
+                  <a:defRPr>
+                    <a:solidFill>
+                      <a:schemeClr val="tx1"/>
+                    </a:solidFill>
+                    <a:latin typeface="Arial" panose="020B0604020202020204" pitchFamily="34" charset="0"/>
+                    <a:cs typeface="Arial" panose="020B0604020202020204" pitchFamily="34" charset="0"/>
+                  </a:defRPr>
+                </a:lvl6pPr>
+                <a:lvl7pPr marL="2971800" indent="-228600" eaLnBrk="0" fontAlgn="base" hangingPunct="0">
+                  <a:spcBef>
+                    <a:spcPct val="0"/>
+                  </a:spcBef>
+                  <a:spcAft>
+                    <a:spcPct val="0"/>
+                  </a:spcAft>
+                  <a:defRPr>
+                    <a:solidFill>
+                      <a:schemeClr val="tx1"/>
+                    </a:solidFill>
+                    <a:latin typeface="Arial" panose="020B0604020202020204" pitchFamily="34" charset="0"/>
+                    <a:cs typeface="Arial" panose="020B0604020202020204" pitchFamily="34" charset="0"/>
+                  </a:defRPr>
+                </a:lvl7pPr>
+                <a:lvl8pPr marL="3429000" indent="-228600" eaLnBrk="0" fontAlgn="base" hangingPunct="0">
+                  <a:spcBef>
+                    <a:spcPct val="0"/>
+                  </a:spcBef>
+                  <a:spcAft>
+                    <a:spcPct val="0"/>
+                  </a:spcAft>
+                  <a:defRPr>
+                    <a:solidFill>
+                      <a:schemeClr val="tx1"/>
+                    </a:solidFill>
+                    <a:latin typeface="Arial" panose="020B0604020202020204" pitchFamily="34" charset="0"/>
+                    <a:cs typeface="Arial" panose="020B0604020202020204" pitchFamily="34" charset="0"/>
+                  </a:defRPr>
+                </a:lvl8pPr>
+                <a:lvl9pPr marL="3886200" indent="-228600" eaLnBrk="0" fontAlgn="base" hangingPunct="0">
+                  <a:spcBef>
+                    <a:spcPct val="0"/>
+                  </a:spcBef>
+                  <a:spcAft>
+                    <a:spcPct val="0"/>
+                  </a:spcAft>
+                  <a:defRPr>
+                    <a:solidFill>
+                      <a:schemeClr val="tx1"/>
+                    </a:solidFill>
+                    <a:latin typeface="Arial" panose="020B0604020202020204" pitchFamily="34" charset="0"/>
+                    <a:cs typeface="Arial" panose="020B0604020202020204" pitchFamily="34" charset="0"/>
+                  </a:defRPr>
+                </a:lvl9pPr>
+              </a:lstStyle>
+              <a:p>
+                <a:pPr eaLnBrk="1" hangingPunct="1"/>
+                <a:r>
+                  <a:rPr lang="pl-PL" altLang="pl-PL" dirty="0">
+                    <a:latin typeface="Calibri" panose="020F0502020204030204" pitchFamily="34" charset="0"/>
+                  </a:rPr>
+                  <a:t>5</a:t>
+                </a:r>
+              </a:p>
+            </p:txBody>
+          </p:sp>
+        </p:grpSp>
+      </p:grpSp>
+    </p:spTree>
+    <p:extLst>
+      <p:ext uri="{BB962C8B-B14F-4D97-AF65-F5344CB8AC3E}">
+        <p14:creationId xmlns:p14="http://schemas.microsoft.com/office/powerpoint/2010/main" val="4008179404"/>
+      </p:ext>
+    </p:extLst>
+  </p:cSld>
+  <p:clrMapOvr>
+    <a:masterClrMapping/>
+  </p:clrMapOvr>
+</p:sld>
+</file>
+
 <file path=ppt/theme/theme1.xml><?xml version="1.0" encoding="utf-8"?>
 <a:theme xmlns:a="http://schemas.openxmlformats.org/drawingml/2006/main" name="Motyw pakietu Office">
   <a:themeElements>
